--- a/Lecture/Lecture 18/Lecture 18.pptx
+++ b/Lecture/Lecture 18/Lecture 18.pptx
@@ -6,10 +6,10 @@
     <p:sldMasterId id="2147483676" r:id="rId2"/>
   </p:sldMasterIdLst>
   <p:notesMasterIdLst>
-    <p:notesMasterId r:id="rId12"/>
+    <p:notesMasterId r:id="rId20"/>
   </p:notesMasterIdLst>
   <p:handoutMasterIdLst>
-    <p:handoutMasterId r:id="rId13"/>
+    <p:handoutMasterId r:id="rId21"/>
   </p:handoutMasterIdLst>
   <p:sldIdLst>
     <p:sldId id="320" r:id="rId3"/>
@@ -19,13 +19,21 @@
     <p:sldId id="398" r:id="rId7"/>
     <p:sldId id="400" r:id="rId8"/>
     <p:sldId id="401" r:id="rId9"/>
-    <p:sldId id="402" r:id="rId10"/>
-    <p:sldId id="329" r:id="rId11"/>
+    <p:sldId id="403" r:id="rId10"/>
+    <p:sldId id="402" r:id="rId11"/>
+    <p:sldId id="405" r:id="rId12"/>
+    <p:sldId id="406" r:id="rId13"/>
+    <p:sldId id="407" r:id="rId14"/>
+    <p:sldId id="408" r:id="rId15"/>
+    <p:sldId id="404" r:id="rId16"/>
+    <p:sldId id="409" r:id="rId17"/>
+    <p:sldId id="411" r:id="rId18"/>
+    <p:sldId id="329" r:id="rId19"/>
   </p:sldIdLst>
   <p:sldSz cx="9144000" cy="6858000" type="screen4x3"/>
   <p:notesSz cx="6858000" cy="9144000"/>
   <p:custDataLst>
-    <p:tags r:id="rId14"/>
+    <p:tags r:id="rId22"/>
   </p:custDataLst>
   <p:defaultTextStyle>
     <a:defPPr>
@@ -296,7 +304,7 @@
               <a:pPr>
                 <a:defRPr/>
               </a:pPr>
-              <a:t>10/8/2018</a:t>
+              <a:t>10/9/2018</a:t>
             </a:fld>
             <a:endParaRPr lang="en-US" dirty="0"/>
           </a:p>
@@ -508,7 +516,7 @@
               <a:pPr>
                 <a:defRPr/>
               </a:pPr>
-              <a:t>10/8/2018</a:t>
+              <a:t>10/9/2018</a:t>
             </a:fld>
             <a:endParaRPr lang="en-US" dirty="0"/>
           </a:p>
@@ -1027,7 +1035,7 @@
               <a:pPr>
                 <a:defRPr/>
               </a:pPr>
-              <a:t>10/8/2018</a:t>
+              <a:t>10/9/2018</a:t>
             </a:fld>
             <a:endParaRPr lang="en-US" dirty="0"/>
           </a:p>
@@ -1217,7 +1225,7 @@
               <a:pPr>
                 <a:defRPr/>
               </a:pPr>
-              <a:t>10/8/2018</a:t>
+              <a:t>10/9/2018</a:t>
             </a:fld>
             <a:endParaRPr lang="en-US" dirty="0"/>
           </a:p>
@@ -1417,7 +1425,7 @@
               <a:pPr>
                 <a:defRPr/>
               </a:pPr>
-              <a:t>10/8/2018</a:t>
+              <a:t>10/9/2018</a:t>
             </a:fld>
             <a:endParaRPr lang="en-US" dirty="0"/>
           </a:p>
@@ -1685,7 +1693,7 @@
               <a:pPr>
                 <a:defRPr/>
               </a:pPr>
-              <a:t>10/8/2018</a:t>
+              <a:t>10/9/2018</a:t>
             </a:fld>
             <a:endParaRPr lang="en-US" dirty="0">
               <a:solidFill>
@@ -1899,7 +1907,7 @@
               <a:pPr>
                 <a:defRPr/>
               </a:pPr>
-              <a:t>10/8/2018</a:t>
+              <a:t>10/9/2018</a:t>
             </a:fld>
             <a:endParaRPr lang="en-US" dirty="0">
               <a:solidFill>
@@ -2190,7 +2198,7 @@
               <a:pPr>
                 <a:defRPr/>
               </a:pPr>
-              <a:t>10/8/2018</a:t>
+              <a:t>10/9/2018</a:t>
             </a:fld>
             <a:endParaRPr lang="en-US" dirty="0">
               <a:solidFill>
@@ -2521,7 +2529,7 @@
               <a:pPr>
                 <a:defRPr/>
               </a:pPr>
-              <a:t>10/8/2018</a:t>
+              <a:t>10/9/2018</a:t>
             </a:fld>
             <a:endParaRPr lang="en-US" dirty="0">
               <a:solidFill>
@@ -2986,7 +2994,7 @@
               <a:pPr>
                 <a:defRPr/>
               </a:pPr>
-              <a:t>10/8/2018</a:t>
+              <a:t>10/9/2018</a:t>
             </a:fld>
             <a:endParaRPr lang="en-US" dirty="0">
               <a:solidFill>
@@ -3149,7 +3157,7 @@
               <a:pPr>
                 <a:defRPr/>
               </a:pPr>
-              <a:t>10/8/2018</a:t>
+              <a:t>10/9/2018</a:t>
             </a:fld>
             <a:endParaRPr lang="en-US" dirty="0">
               <a:solidFill>
@@ -3290,7 +3298,7 @@
               <a:pPr>
                 <a:defRPr/>
               </a:pPr>
-              <a:t>10/8/2018</a:t>
+              <a:t>10/9/2018</a:t>
             </a:fld>
             <a:endParaRPr lang="en-US" dirty="0">
               <a:solidFill>
@@ -3611,7 +3619,7 @@
               <a:pPr>
                 <a:defRPr/>
               </a:pPr>
-              <a:t>10/8/2018</a:t>
+              <a:t>10/9/2018</a:t>
             </a:fld>
             <a:endParaRPr lang="en-US" dirty="0">
               <a:solidFill>
@@ -3819,7 +3827,7 @@
               <a:pPr>
                 <a:defRPr/>
               </a:pPr>
-              <a:t>10/8/2018</a:t>
+              <a:t>10/9/2018</a:t>
             </a:fld>
             <a:endParaRPr lang="en-US" dirty="0"/>
           </a:p>
@@ -4102,7 +4110,7 @@
               <a:pPr>
                 <a:defRPr/>
               </a:pPr>
-              <a:t>10/8/2018</a:t>
+              <a:t>10/9/2018</a:t>
             </a:fld>
             <a:endParaRPr lang="en-US" dirty="0">
               <a:solidFill>
@@ -4316,7 +4324,7 @@
               <a:pPr>
                 <a:defRPr/>
               </a:pPr>
-              <a:t>10/8/2018</a:t>
+              <a:t>10/9/2018</a:t>
             </a:fld>
             <a:endParaRPr lang="en-US" dirty="0">
               <a:solidFill>
@@ -4540,7 +4548,7 @@
               <a:pPr>
                 <a:defRPr/>
               </a:pPr>
-              <a:t>10/8/2018</a:t>
+              <a:t>10/9/2018</a:t>
             </a:fld>
             <a:endParaRPr lang="en-US" dirty="0">
               <a:solidFill>
@@ -4750,7 +4758,7 @@
               <a:pPr>
                 <a:defRPr/>
               </a:pPr>
-              <a:t>10/8/2018</a:t>
+              <a:t>10/9/2018</a:t>
             </a:fld>
             <a:endParaRPr lang="en-US" dirty="0">
               <a:solidFill>
@@ -5027,7 +5035,7 @@
               <a:pPr>
                 <a:defRPr/>
               </a:pPr>
-              <a:t>10/8/2018</a:t>
+              <a:t>10/9/2018</a:t>
             </a:fld>
             <a:endParaRPr lang="en-US" dirty="0"/>
           </a:p>
@@ -5334,7 +5342,7 @@
               <a:pPr>
                 <a:defRPr/>
               </a:pPr>
-              <a:t>10/8/2018</a:t>
+              <a:t>10/9/2018</a:t>
             </a:fld>
             <a:endParaRPr lang="en-US" dirty="0"/>
           </a:p>
@@ -5775,7 +5783,7 @@
               <a:pPr>
                 <a:defRPr/>
               </a:pPr>
-              <a:t>10/8/2018</a:t>
+              <a:t>10/9/2018</a:t>
             </a:fld>
             <a:endParaRPr lang="en-US" dirty="0"/>
           </a:p>
@@ -5914,7 +5922,7 @@
               <a:pPr>
                 <a:defRPr/>
               </a:pPr>
-              <a:t>10/8/2018</a:t>
+              <a:t>10/9/2018</a:t>
             </a:fld>
             <a:endParaRPr lang="en-US" dirty="0"/>
           </a:p>
@@ -6031,7 +6039,7 @@
               <a:pPr>
                 <a:defRPr/>
               </a:pPr>
-              <a:t>10/8/2018</a:t>
+              <a:t>10/9/2018</a:t>
             </a:fld>
             <a:endParaRPr lang="en-US" dirty="0"/>
           </a:p>
@@ -6328,7 +6336,7 @@
               <a:pPr>
                 <a:defRPr/>
               </a:pPr>
-              <a:t>10/8/2018</a:t>
+              <a:t>10/9/2018</a:t>
             </a:fld>
             <a:endParaRPr lang="en-US" dirty="0"/>
           </a:p>
@@ -6605,7 +6613,7 @@
               <a:pPr>
                 <a:defRPr/>
               </a:pPr>
-              <a:t>10/8/2018</a:t>
+              <a:t>10/9/2018</a:t>
             </a:fld>
             <a:endParaRPr lang="en-US" dirty="0"/>
           </a:p>
@@ -6862,7 +6870,7 @@
               <a:pPr>
                 <a:defRPr/>
               </a:pPr>
-              <a:t>10/8/2018</a:t>
+              <a:t>10/9/2018</a:t>
             </a:fld>
             <a:endParaRPr lang="en-US" dirty="0"/>
           </a:p>
@@ -7572,7 +7580,7 @@
               <a:pPr>
                 <a:defRPr/>
               </a:pPr>
-              <a:t>10/8/2018</a:t>
+              <a:t>10/9/2018</a:t>
             </a:fld>
             <a:endParaRPr lang="en-US" dirty="0">
               <a:solidFill>
@@ -8456,6 +8464,3480 @@
 </p:sld>
 </file>
 
+<file path=ppt/slides/slide10.xml><?xml version="1.0" encoding="utf-8"?>
+<p:sld xmlns:a="http://schemas.openxmlformats.org/drawingml/2006/main" xmlns:r="http://schemas.openxmlformats.org/officeDocument/2006/relationships" xmlns:p="http://schemas.openxmlformats.org/presentationml/2006/main">
+  <p:cSld>
+    <p:bg>
+      <p:bgPr>
+        <a:solidFill>
+          <a:schemeClr val="bg1">
+            <a:lumMod val="85000"/>
+          </a:schemeClr>
+        </a:solidFill>
+        <a:effectLst/>
+      </p:bgPr>
+    </p:bg>
+    <p:spTree>
+      <p:nvGrpSpPr>
+        <p:cNvPr id="1" name=""/>
+        <p:cNvGrpSpPr/>
+        <p:nvPr/>
+      </p:nvGrpSpPr>
+      <p:grpSpPr>
+        <a:xfrm>
+          <a:off x="0" y="0"/>
+          <a:ext cx="0" cy="0"/>
+          <a:chOff x="0" y="0"/>
+          <a:chExt cx="0" cy="0"/>
+        </a:xfrm>
+      </p:grpSpPr>
+      <p:sp>
+        <p:nvSpPr>
+          <p:cNvPr id="15" name="Rectangle 12">
+            <a:extLst>
+              <a:ext uri="{FF2B5EF4-FFF2-40B4-BE49-F238E27FC236}">
+                <a16:creationId xmlns:a16="http://schemas.microsoft.com/office/drawing/2014/main" id="{867D4867-5BA7-4462-B2F6-A23F4A622AA7}"/>
+              </a:ext>
+              <a:ext uri="{C183D7F6-B498-43B3-948B-1728B52AA6E4}">
+                <adec:decorative xmlns:adec="http://schemas.microsoft.com/office/drawing/2017/decorative" val="1"/>
+              </a:ext>
+            </a:extLst>
+          </p:cNvPr>
+          <p:cNvSpPr>
+            <a:spLocks noGrp="1" noRot="1" noChangeAspect="1" noMove="1" noResize="1" noEditPoints="1" noAdjustHandles="1" noChangeArrowheads="1" noChangeShapeType="1" noTextEdit="1"/>
+          </p:cNvSpPr>
+          <p:nvPr>
+            <p:extLst>
+              <p:ext uri="{386F3935-93C4-4BCD-93E2-E3B085C9AB24}">
+                <p16:designElem xmlns:p16="http://schemas.microsoft.com/office/powerpoint/2015/main" val="1"/>
+              </p:ext>
+            </p:extLst>
+          </p:nvPr>
+        </p:nvSpPr>
+        <p:spPr>
+          <a:xfrm>
+            <a:off x="0" y="0"/>
+            <a:ext cx="3490722" cy="6858000"/>
+          </a:xfrm>
+          <a:prstGeom prst="rect">
+            <a:avLst/>
+          </a:prstGeom>
+          <a:solidFill>
+            <a:schemeClr val="tx1">
+              <a:lumMod val="75000"/>
+              <a:lumOff val="25000"/>
+            </a:schemeClr>
+          </a:solidFill>
+          <a:ln>
+            <a:noFill/>
+          </a:ln>
+        </p:spPr>
+        <p:style>
+          <a:lnRef idx="0">
+            <a:scrgbClr r="0" g="0" b="0"/>
+          </a:lnRef>
+          <a:fillRef idx="0">
+            <a:scrgbClr r="0" g="0" b="0"/>
+          </a:fillRef>
+          <a:effectRef idx="0">
+            <a:scrgbClr r="0" g="0" b="0"/>
+          </a:effectRef>
+          <a:fontRef idx="minor">
+            <a:schemeClr val="lt1"/>
+          </a:fontRef>
+        </p:style>
+        <p:txBody>
+          <a:bodyPr rtlCol="0" anchor="ctr"/>
+          <a:lstStyle/>
+          <a:p>
+            <a:pPr marL="0" marR="0" lvl="0" indent="0" algn="ctr" defTabSz="457200" rtl="0" eaLnBrk="1" fontAlgn="base" latinLnBrk="0" hangingPunct="1">
+              <a:lnSpc>
+                <a:spcPct val="100000"/>
+              </a:lnSpc>
+              <a:spcBef>
+                <a:spcPct val="0"/>
+              </a:spcBef>
+              <a:spcAft>
+                <a:spcPct val="0"/>
+              </a:spcAft>
+              <a:buClrTx/>
+              <a:buSzTx/>
+              <a:buFontTx/>
+              <a:buNone/>
+              <a:tabLst/>
+              <a:defRPr/>
+            </a:pPr>
+            <a:endParaRPr kumimoji="0" lang="en-US" sz="2400" b="0" i="0" u="none" strike="noStrike" kern="1200" cap="none" spc="0" normalizeH="0" baseline="0" noProof="0">
+              <a:ln>
+                <a:noFill/>
+              </a:ln>
+              <a:solidFill>
+                <a:prstClr val="white"/>
+              </a:solidFill>
+              <a:effectLst/>
+              <a:uLnTx/>
+              <a:uFillTx/>
+              <a:latin typeface="Calibri"/>
+              <a:ea typeface="+mn-ea"/>
+              <a:cs typeface="+mn-cs"/>
+            </a:endParaRPr>
+          </a:p>
+        </p:txBody>
+      </p:sp>
+      <p:sp>
+        <p:nvSpPr>
+          <p:cNvPr id="2" name="Title 1"/>
+          <p:cNvSpPr>
+            <a:spLocks noGrp="1"/>
+          </p:cNvSpPr>
+          <p:nvPr>
+            <p:ph type="title"/>
+          </p:nvPr>
+        </p:nvSpPr>
+        <p:spPr>
+          <a:xfrm>
+            <a:off x="482600" y="643467"/>
+            <a:ext cx="2522980" cy="1597315"/>
+          </a:xfrm>
+          <a:noFill/>
+          <a:ln w="19050">
+            <a:solidFill>
+              <a:schemeClr val="bg1"/>
+            </a:solidFill>
+          </a:ln>
+        </p:spPr>
+        <p:txBody>
+          <a:bodyPr vert="horz" wrap="square" lIns="91440" tIns="45720" rIns="91440" bIns="45720" rtlCol="0" anchor="ctr">
+            <a:normAutofit/>
+          </a:bodyPr>
+          <a:lstStyle/>
+          <a:p>
+            <a:pPr defTabSz="914400" eaLnBrk="1" hangingPunct="1">
+              <a:lnSpc>
+                <a:spcPct val="90000"/>
+              </a:lnSpc>
+            </a:pPr>
+            <a:r>
+              <a:rPr lang="en-US" sz="2400" dirty="0">
+                <a:solidFill>
+                  <a:schemeClr val="bg1"/>
+                </a:solidFill>
+              </a:rPr>
+              <a:t>Part 2: Loops</a:t>
+            </a:r>
+            <a:endParaRPr lang="en-US" sz="2400" kern="1200" dirty="0">
+              <a:solidFill>
+                <a:schemeClr val="bg1"/>
+              </a:solidFill>
+              <a:latin typeface="+mj-lt"/>
+              <a:ea typeface="+mj-ea"/>
+              <a:cs typeface="+mj-cs"/>
+            </a:endParaRPr>
+          </a:p>
+        </p:txBody>
+      </p:sp>
+      <p:pic>
+        <p:nvPicPr>
+          <p:cNvPr id="8" name="Picture 7">
+            <a:extLst>
+              <a:ext uri="{FF2B5EF4-FFF2-40B4-BE49-F238E27FC236}">
+                <a16:creationId xmlns:a16="http://schemas.microsoft.com/office/drawing/2014/main" id="{521D4292-9ECC-4DA5-8CC0-C561A0DA118E}"/>
+              </a:ext>
+            </a:extLst>
+          </p:cNvPr>
+          <p:cNvPicPr>
+            <a:picLocks noChangeAspect="1"/>
+          </p:cNvPicPr>
+          <p:nvPr/>
+        </p:nvPicPr>
+        <p:blipFill rotWithShape="1">
+          <a:blip r:embed="rId3"/>
+          <a:srcRect l="8000" r="9400"/>
+          <a:stretch/>
+        </p:blipFill>
+        <p:spPr>
+          <a:xfrm>
+            <a:off x="660103" y="3048000"/>
+            <a:ext cx="2167974" cy="2624666"/>
+          </a:xfrm>
+          <a:prstGeom prst="rect">
+            <a:avLst/>
+          </a:prstGeom>
+          <a:noFill/>
+        </p:spPr>
+      </p:pic>
+      <p:sp>
+        <p:nvSpPr>
+          <p:cNvPr id="6" name="TextBox 5">
+            <a:extLst>
+              <a:ext uri="{FF2B5EF4-FFF2-40B4-BE49-F238E27FC236}">
+                <a16:creationId xmlns:a16="http://schemas.microsoft.com/office/drawing/2014/main" id="{E58EF064-51FF-48A9-8810-E84BE6F6F09D}"/>
+              </a:ext>
+            </a:extLst>
+          </p:cNvPr>
+          <p:cNvSpPr txBox="1"/>
+          <p:nvPr/>
+        </p:nvSpPr>
+        <p:spPr>
+          <a:xfrm>
+            <a:off x="3810000" y="643972"/>
+            <a:ext cx="5410200" cy="5632311"/>
+          </a:xfrm>
+          <a:prstGeom prst="rect">
+            <a:avLst/>
+          </a:prstGeom>
+          <a:noFill/>
+        </p:spPr>
+        <p:txBody>
+          <a:bodyPr wrap="square" rtlCol="0">
+            <a:spAutoFit/>
+          </a:bodyPr>
+          <a:lstStyle/>
+          <a:p>
+            <a:pPr marL="342900" indent="-342900">
+              <a:buFont typeface="Arial" panose="020B0604020202020204" pitchFamily="34" charset="0"/>
+              <a:buChar char="•"/>
+              <a:defRPr/>
+            </a:pPr>
+            <a:r>
+              <a:rPr lang="en-US" dirty="0">
+                <a:solidFill>
+                  <a:srgbClr val="404040"/>
+                </a:solidFill>
+              </a:rPr>
+              <a:t>Geometric Series (Cont.)</a:t>
+            </a:r>
+          </a:p>
+          <a:p>
+            <a:pPr marL="342900" indent="-342900">
+              <a:buFont typeface="Arial" panose="020B0604020202020204" pitchFamily="34" charset="0"/>
+              <a:buChar char="•"/>
+              <a:defRPr/>
+            </a:pPr>
+            <a:endParaRPr lang="en-US" dirty="0">
+              <a:solidFill>
+                <a:srgbClr val="404040"/>
+              </a:solidFill>
+            </a:endParaRPr>
+          </a:p>
+          <a:p>
+            <a:pPr marL="342900" indent="-342900">
+              <a:buFont typeface="Arial" panose="020B0604020202020204" pitchFamily="34" charset="0"/>
+              <a:buChar char="•"/>
+              <a:defRPr/>
+            </a:pPr>
+            <a:endParaRPr lang="en-US" dirty="0">
+              <a:solidFill>
+                <a:srgbClr val="404040"/>
+              </a:solidFill>
+            </a:endParaRPr>
+          </a:p>
+          <a:p>
+            <a:pPr marL="342900" indent="-342900">
+              <a:buFont typeface="Arial" panose="020B0604020202020204" pitchFamily="34" charset="0"/>
+              <a:buChar char="•"/>
+              <a:defRPr/>
+            </a:pPr>
+            <a:endParaRPr lang="en-US" dirty="0">
+              <a:solidFill>
+                <a:srgbClr val="404040"/>
+              </a:solidFill>
+            </a:endParaRPr>
+          </a:p>
+          <a:p>
+            <a:pPr marL="342900" indent="-342900">
+              <a:buFont typeface="Arial" panose="020B0604020202020204" pitchFamily="34" charset="0"/>
+              <a:buChar char="•"/>
+              <a:defRPr/>
+            </a:pPr>
+            <a:endParaRPr lang="en-US" dirty="0">
+              <a:solidFill>
+                <a:srgbClr val="404040"/>
+              </a:solidFill>
+            </a:endParaRPr>
+          </a:p>
+          <a:p>
+            <a:pPr marL="342900" indent="-342900">
+              <a:buFont typeface="Arial" panose="020B0604020202020204" pitchFamily="34" charset="0"/>
+              <a:buChar char="•"/>
+              <a:defRPr/>
+            </a:pPr>
+            <a:r>
+              <a:rPr lang="en-US" dirty="0">
+                <a:solidFill>
+                  <a:srgbClr val="404040"/>
+                </a:solidFill>
+              </a:rPr>
+              <a:t>Run Chunk 3</a:t>
+            </a:r>
+          </a:p>
+          <a:p>
+            <a:pPr marL="800100" lvl="1" indent="-342900">
+              <a:buFont typeface="Arial" panose="020B0604020202020204" pitchFamily="34" charset="0"/>
+              <a:buChar char="•"/>
+              <a:defRPr/>
+            </a:pPr>
+            <a:r>
+              <a:rPr lang="en-US" dirty="0">
+                <a:solidFill>
+                  <a:srgbClr val="404040"/>
+                </a:solidFill>
+              </a:rPr>
+              <a:t>Suppose We Want to Save at Every Step</a:t>
+            </a:r>
+          </a:p>
+          <a:p>
+            <a:pPr marL="800100" lvl="1" indent="-342900">
+              <a:buFont typeface="Arial" panose="020B0604020202020204" pitchFamily="34" charset="0"/>
+              <a:buChar char="•"/>
+              <a:defRPr/>
+            </a:pPr>
+            <a:r>
+              <a:rPr lang="en-US" dirty="0">
+                <a:solidFill>
+                  <a:srgbClr val="404040"/>
+                </a:solidFill>
+              </a:rPr>
+              <a:t>Why? Picture to Examine the Path of the Summation</a:t>
+            </a:r>
+          </a:p>
+          <a:p>
+            <a:pPr marL="800100" lvl="1" indent="-342900">
+              <a:buFont typeface="Arial" panose="020B0604020202020204" pitchFamily="34" charset="0"/>
+              <a:buChar char="•"/>
+              <a:defRPr/>
+            </a:pPr>
+            <a:r>
+              <a:rPr lang="en-US" dirty="0">
+                <a:solidFill>
+                  <a:srgbClr val="404040"/>
+                </a:solidFill>
+              </a:rPr>
+              <a:t>Choose Small K&lt;15</a:t>
+            </a:r>
+          </a:p>
+          <a:p>
+            <a:pPr marL="800100" lvl="1" indent="-342900">
+              <a:buFont typeface="Arial" panose="020B0604020202020204" pitchFamily="34" charset="0"/>
+              <a:buChar char="•"/>
+              <a:defRPr/>
+            </a:pPr>
+            <a:r>
+              <a:rPr lang="en-US" dirty="0">
+                <a:solidFill>
+                  <a:srgbClr val="404040"/>
+                </a:solidFill>
+              </a:rPr>
+              <a:t>Choose Large K&gt;50</a:t>
+            </a:r>
+          </a:p>
+          <a:p>
+            <a:pPr marL="800100" lvl="1" indent="-342900">
+              <a:buFont typeface="Arial" panose="020B0604020202020204" pitchFamily="34" charset="0"/>
+              <a:buChar char="•"/>
+              <a:defRPr/>
+            </a:pPr>
+            <a:r>
+              <a:rPr lang="en-US" dirty="0">
+                <a:solidFill>
+                  <a:srgbClr val="404040"/>
+                </a:solidFill>
+              </a:rPr>
+              <a:t>What do You Observe?</a:t>
+            </a:r>
+          </a:p>
+          <a:p>
+            <a:pPr marL="800100" lvl="1" indent="-342900">
+              <a:buFont typeface="Arial" panose="020B0604020202020204" pitchFamily="34" charset="0"/>
+              <a:buChar char="•"/>
+              <a:defRPr/>
+            </a:pPr>
+            <a:r>
+              <a:rPr lang="en-US" dirty="0">
+                <a:solidFill>
+                  <a:srgbClr val="404040"/>
+                </a:solidFill>
+              </a:rPr>
+              <a:t>How Would You Explain This Code to Your </a:t>
+            </a:r>
+            <a:r>
+              <a:rPr lang="en-US" dirty="0" err="1">
+                <a:solidFill>
+                  <a:srgbClr val="404040"/>
+                </a:solidFill>
+              </a:rPr>
+              <a:t>Stranged</a:t>
+            </a:r>
+            <a:r>
+              <a:rPr lang="en-US" dirty="0">
+                <a:solidFill>
+                  <a:srgbClr val="404040"/>
+                </a:solidFill>
+              </a:rPr>
+              <a:t> Brother ?</a:t>
+            </a:r>
+          </a:p>
+        </p:txBody>
+      </p:sp>
+      <p:pic>
+        <p:nvPicPr>
+          <p:cNvPr id="3" name="Picture 2">
+            <a:extLst>
+              <a:ext uri="{FF2B5EF4-FFF2-40B4-BE49-F238E27FC236}">
+                <a16:creationId xmlns:a16="http://schemas.microsoft.com/office/drawing/2014/main" id="{03026FDF-F085-49AB-82DA-D59E69365DCF}"/>
+              </a:ext>
+            </a:extLst>
+          </p:cNvPr>
+          <p:cNvPicPr>
+            <a:picLocks noChangeAspect="1"/>
+          </p:cNvPicPr>
+          <p:nvPr/>
+        </p:nvPicPr>
+        <p:blipFill>
+          <a:blip r:embed="rId4"/>
+          <a:stretch>
+            <a:fillRect/>
+          </a:stretch>
+        </p:blipFill>
+        <p:spPr>
+          <a:xfrm>
+            <a:off x="4267200" y="1105637"/>
+            <a:ext cx="4394200" cy="1189313"/>
+          </a:xfrm>
+          <a:prstGeom prst="rect">
+            <a:avLst/>
+          </a:prstGeom>
+          <a:ln>
+            <a:solidFill>
+              <a:srgbClr val="404040"/>
+            </a:solidFill>
+          </a:ln>
+        </p:spPr>
+        <p:style>
+          <a:lnRef idx="2">
+            <a:schemeClr val="dk1"/>
+          </a:lnRef>
+          <a:fillRef idx="1">
+            <a:schemeClr val="lt1"/>
+          </a:fillRef>
+          <a:effectRef idx="0">
+            <a:schemeClr val="dk1"/>
+          </a:effectRef>
+          <a:fontRef idx="minor">
+            <a:schemeClr val="dk1"/>
+          </a:fontRef>
+        </p:style>
+      </p:pic>
+    </p:spTree>
+    <p:custDataLst>
+      <p:tags r:id="rId1"/>
+    </p:custDataLst>
+    <p:extLst>
+      <p:ext uri="{BB962C8B-B14F-4D97-AF65-F5344CB8AC3E}">
+        <p14:creationId xmlns:p14="http://schemas.microsoft.com/office/powerpoint/2010/main" val="1964993463"/>
+      </p:ext>
+    </p:extLst>
+  </p:cSld>
+  <p:clrMapOvr>
+    <a:masterClrMapping/>
+  </p:clrMapOvr>
+</p:sld>
+</file>
+
+<file path=ppt/slides/slide11.xml><?xml version="1.0" encoding="utf-8"?>
+<p:sld xmlns:a="http://schemas.openxmlformats.org/drawingml/2006/main" xmlns:r="http://schemas.openxmlformats.org/officeDocument/2006/relationships" xmlns:p="http://schemas.openxmlformats.org/presentationml/2006/main">
+  <p:cSld>
+    <p:bg>
+      <p:bgPr>
+        <a:solidFill>
+          <a:schemeClr val="bg1">
+            <a:lumMod val="85000"/>
+          </a:schemeClr>
+        </a:solidFill>
+        <a:effectLst/>
+      </p:bgPr>
+    </p:bg>
+    <p:spTree>
+      <p:nvGrpSpPr>
+        <p:cNvPr id="1" name=""/>
+        <p:cNvGrpSpPr/>
+        <p:nvPr/>
+      </p:nvGrpSpPr>
+      <p:grpSpPr>
+        <a:xfrm>
+          <a:off x="0" y="0"/>
+          <a:ext cx="0" cy="0"/>
+          <a:chOff x="0" y="0"/>
+          <a:chExt cx="0" cy="0"/>
+        </a:xfrm>
+      </p:grpSpPr>
+      <p:sp>
+        <p:nvSpPr>
+          <p:cNvPr id="15" name="Rectangle 12">
+            <a:extLst>
+              <a:ext uri="{FF2B5EF4-FFF2-40B4-BE49-F238E27FC236}">
+                <a16:creationId xmlns:a16="http://schemas.microsoft.com/office/drawing/2014/main" id="{867D4867-5BA7-4462-B2F6-A23F4A622AA7}"/>
+              </a:ext>
+              <a:ext uri="{C183D7F6-B498-43B3-948B-1728B52AA6E4}">
+                <adec:decorative xmlns:adec="http://schemas.microsoft.com/office/drawing/2017/decorative" val="1"/>
+              </a:ext>
+            </a:extLst>
+          </p:cNvPr>
+          <p:cNvSpPr>
+            <a:spLocks noGrp="1" noRot="1" noChangeAspect="1" noMove="1" noResize="1" noEditPoints="1" noAdjustHandles="1" noChangeArrowheads="1" noChangeShapeType="1" noTextEdit="1"/>
+          </p:cNvSpPr>
+          <p:nvPr>
+            <p:extLst>
+              <p:ext uri="{386F3935-93C4-4BCD-93E2-E3B085C9AB24}">
+                <p16:designElem xmlns:p16="http://schemas.microsoft.com/office/powerpoint/2015/main" val="1"/>
+              </p:ext>
+            </p:extLst>
+          </p:nvPr>
+        </p:nvSpPr>
+        <p:spPr>
+          <a:xfrm>
+            <a:off x="0" y="0"/>
+            <a:ext cx="3490722" cy="6858000"/>
+          </a:xfrm>
+          <a:prstGeom prst="rect">
+            <a:avLst/>
+          </a:prstGeom>
+          <a:solidFill>
+            <a:schemeClr val="tx1">
+              <a:lumMod val="75000"/>
+              <a:lumOff val="25000"/>
+            </a:schemeClr>
+          </a:solidFill>
+          <a:ln>
+            <a:noFill/>
+          </a:ln>
+        </p:spPr>
+        <p:style>
+          <a:lnRef idx="0">
+            <a:scrgbClr r="0" g="0" b="0"/>
+          </a:lnRef>
+          <a:fillRef idx="0">
+            <a:scrgbClr r="0" g="0" b="0"/>
+          </a:fillRef>
+          <a:effectRef idx="0">
+            <a:scrgbClr r="0" g="0" b="0"/>
+          </a:effectRef>
+          <a:fontRef idx="minor">
+            <a:schemeClr val="lt1"/>
+          </a:fontRef>
+        </p:style>
+        <p:txBody>
+          <a:bodyPr rtlCol="0" anchor="ctr"/>
+          <a:lstStyle/>
+          <a:p>
+            <a:pPr marL="0" marR="0" lvl="0" indent="0" algn="ctr" defTabSz="457200" rtl="0" eaLnBrk="1" fontAlgn="base" latinLnBrk="0" hangingPunct="1">
+              <a:lnSpc>
+                <a:spcPct val="100000"/>
+              </a:lnSpc>
+              <a:spcBef>
+                <a:spcPct val="0"/>
+              </a:spcBef>
+              <a:spcAft>
+                <a:spcPct val="0"/>
+              </a:spcAft>
+              <a:buClrTx/>
+              <a:buSzTx/>
+              <a:buFontTx/>
+              <a:buNone/>
+              <a:tabLst/>
+              <a:defRPr/>
+            </a:pPr>
+            <a:endParaRPr kumimoji="0" lang="en-US" sz="2400" b="0" i="0" u="none" strike="noStrike" kern="1200" cap="none" spc="0" normalizeH="0" baseline="0" noProof="0">
+              <a:ln>
+                <a:noFill/>
+              </a:ln>
+              <a:solidFill>
+                <a:prstClr val="white"/>
+              </a:solidFill>
+              <a:effectLst/>
+              <a:uLnTx/>
+              <a:uFillTx/>
+              <a:latin typeface="Calibri"/>
+              <a:ea typeface="+mn-ea"/>
+              <a:cs typeface="+mn-cs"/>
+            </a:endParaRPr>
+          </a:p>
+        </p:txBody>
+      </p:sp>
+      <p:sp>
+        <p:nvSpPr>
+          <p:cNvPr id="2" name="Title 1"/>
+          <p:cNvSpPr>
+            <a:spLocks noGrp="1"/>
+          </p:cNvSpPr>
+          <p:nvPr>
+            <p:ph type="title"/>
+          </p:nvPr>
+        </p:nvSpPr>
+        <p:spPr>
+          <a:xfrm>
+            <a:off x="482600" y="643467"/>
+            <a:ext cx="2522980" cy="1597315"/>
+          </a:xfrm>
+          <a:noFill/>
+          <a:ln w="19050">
+            <a:solidFill>
+              <a:schemeClr val="bg1"/>
+            </a:solidFill>
+          </a:ln>
+        </p:spPr>
+        <p:txBody>
+          <a:bodyPr vert="horz" wrap="square" lIns="91440" tIns="45720" rIns="91440" bIns="45720" rtlCol="0" anchor="ctr">
+            <a:normAutofit/>
+          </a:bodyPr>
+          <a:lstStyle/>
+          <a:p>
+            <a:pPr defTabSz="914400" eaLnBrk="1" hangingPunct="1">
+              <a:lnSpc>
+                <a:spcPct val="90000"/>
+              </a:lnSpc>
+            </a:pPr>
+            <a:r>
+              <a:rPr lang="en-US" sz="2400" dirty="0">
+                <a:solidFill>
+                  <a:schemeClr val="bg1"/>
+                </a:solidFill>
+              </a:rPr>
+              <a:t>Part 2: Loops</a:t>
+            </a:r>
+            <a:endParaRPr lang="en-US" sz="2400" kern="1200" dirty="0">
+              <a:solidFill>
+                <a:schemeClr val="bg1"/>
+              </a:solidFill>
+              <a:latin typeface="+mj-lt"/>
+              <a:ea typeface="+mj-ea"/>
+              <a:cs typeface="+mj-cs"/>
+            </a:endParaRPr>
+          </a:p>
+        </p:txBody>
+      </p:sp>
+      <p:pic>
+        <p:nvPicPr>
+          <p:cNvPr id="8" name="Picture 7">
+            <a:extLst>
+              <a:ext uri="{FF2B5EF4-FFF2-40B4-BE49-F238E27FC236}">
+                <a16:creationId xmlns:a16="http://schemas.microsoft.com/office/drawing/2014/main" id="{521D4292-9ECC-4DA5-8CC0-C561A0DA118E}"/>
+              </a:ext>
+            </a:extLst>
+          </p:cNvPr>
+          <p:cNvPicPr>
+            <a:picLocks noChangeAspect="1"/>
+          </p:cNvPicPr>
+          <p:nvPr/>
+        </p:nvPicPr>
+        <p:blipFill rotWithShape="1">
+          <a:blip r:embed="rId3"/>
+          <a:srcRect l="8000" r="9400"/>
+          <a:stretch/>
+        </p:blipFill>
+        <p:spPr>
+          <a:xfrm>
+            <a:off x="660103" y="3048000"/>
+            <a:ext cx="2167974" cy="2624666"/>
+          </a:xfrm>
+          <a:prstGeom prst="rect">
+            <a:avLst/>
+          </a:prstGeom>
+          <a:noFill/>
+        </p:spPr>
+      </p:pic>
+      <p:sp>
+        <p:nvSpPr>
+          <p:cNvPr id="6" name="TextBox 5">
+            <a:extLst>
+              <a:ext uri="{FF2B5EF4-FFF2-40B4-BE49-F238E27FC236}">
+                <a16:creationId xmlns:a16="http://schemas.microsoft.com/office/drawing/2014/main" id="{E58EF064-51FF-48A9-8810-E84BE6F6F09D}"/>
+              </a:ext>
+            </a:extLst>
+          </p:cNvPr>
+          <p:cNvSpPr txBox="1"/>
+          <p:nvPr/>
+        </p:nvSpPr>
+        <p:spPr>
+          <a:xfrm>
+            <a:off x="3810000" y="643972"/>
+            <a:ext cx="5410200" cy="6370975"/>
+          </a:xfrm>
+          <a:prstGeom prst="rect">
+            <a:avLst/>
+          </a:prstGeom>
+          <a:noFill/>
+        </p:spPr>
+        <p:txBody>
+          <a:bodyPr wrap="square" rtlCol="0">
+            <a:spAutoFit/>
+          </a:bodyPr>
+          <a:lstStyle/>
+          <a:p>
+            <a:pPr marL="342900" indent="-342900">
+              <a:buFont typeface="Arial" panose="020B0604020202020204" pitchFamily="34" charset="0"/>
+              <a:buChar char="•"/>
+              <a:defRPr/>
+            </a:pPr>
+            <a:r>
+              <a:rPr lang="en-US" dirty="0">
+                <a:solidFill>
+                  <a:srgbClr val="404040"/>
+                </a:solidFill>
+              </a:rPr>
+              <a:t>Correlation Matrix </a:t>
+            </a:r>
+          </a:p>
+          <a:p>
+            <a:pPr marL="800100" lvl="1" indent="-342900">
+              <a:buFont typeface="Arial" panose="020B0604020202020204" pitchFamily="34" charset="0"/>
+              <a:buChar char="•"/>
+              <a:defRPr/>
+            </a:pPr>
+            <a:r>
+              <a:rPr lang="en-US" dirty="0">
+                <a:solidFill>
+                  <a:srgbClr val="404040"/>
+                </a:solidFill>
+              </a:rPr>
+              <a:t>Definition: Matrix Which Shows the Correlation Between Every Pair of Numeric Variables</a:t>
+            </a:r>
+          </a:p>
+          <a:p>
+            <a:pPr marL="800100" lvl="1" indent="-342900">
+              <a:buFont typeface="Arial" panose="020B0604020202020204" pitchFamily="34" charset="0"/>
+              <a:buChar char="•"/>
+              <a:defRPr/>
+            </a:pPr>
+            <a:r>
+              <a:rPr lang="en-US" dirty="0">
+                <a:solidFill>
+                  <a:srgbClr val="404040"/>
+                </a:solidFill>
+              </a:rPr>
+              <a:t>Used to Understand Strength of Linear Relationships Between Numeric Variables</a:t>
+            </a:r>
+          </a:p>
+          <a:p>
+            <a:pPr marL="800100" lvl="1" indent="-342900">
+              <a:buFont typeface="Arial" panose="020B0604020202020204" pitchFamily="34" charset="0"/>
+              <a:buChar char="•"/>
+              <a:defRPr/>
+            </a:pPr>
+            <a:r>
+              <a:rPr lang="en-US" dirty="0">
+                <a:solidFill>
+                  <a:srgbClr val="404040"/>
+                </a:solidFill>
+              </a:rPr>
+              <a:t>Helpful in Measuring Collinearity</a:t>
+            </a:r>
+          </a:p>
+          <a:p>
+            <a:pPr marL="342900" indent="-342900">
+              <a:buFont typeface="Arial" panose="020B0604020202020204" pitchFamily="34" charset="0"/>
+              <a:buChar char="•"/>
+              <a:defRPr/>
+            </a:pPr>
+            <a:endParaRPr lang="en-US" dirty="0">
+              <a:solidFill>
+                <a:srgbClr val="404040"/>
+              </a:solidFill>
+            </a:endParaRPr>
+          </a:p>
+          <a:p>
+            <a:pPr marL="342900" indent="-342900">
+              <a:buFont typeface="Arial" panose="020B0604020202020204" pitchFamily="34" charset="0"/>
+              <a:buChar char="•"/>
+              <a:defRPr/>
+            </a:pPr>
+            <a:r>
+              <a:rPr lang="en-US" dirty="0">
+                <a:solidFill>
+                  <a:srgbClr val="404040"/>
+                </a:solidFill>
+              </a:rPr>
+              <a:t>Run Chunk 4</a:t>
+            </a:r>
+          </a:p>
+          <a:p>
+            <a:pPr marL="800100" lvl="1" indent="-342900">
+              <a:buFont typeface="Arial" panose="020B0604020202020204" pitchFamily="34" charset="0"/>
+              <a:buChar char="•"/>
+              <a:defRPr/>
+            </a:pPr>
+            <a:r>
+              <a:rPr lang="en-US" dirty="0">
+                <a:solidFill>
+                  <a:srgbClr val="404040"/>
+                </a:solidFill>
+              </a:rPr>
+              <a:t>Inspect the Variables in Cigar</a:t>
+            </a:r>
+          </a:p>
+          <a:p>
+            <a:pPr marL="800100" lvl="1" indent="-342900">
+              <a:buFont typeface="Arial" panose="020B0604020202020204" pitchFamily="34" charset="0"/>
+              <a:buChar char="•"/>
+              <a:defRPr/>
+            </a:pPr>
+            <a:r>
+              <a:rPr lang="en-US" dirty="0">
+                <a:solidFill>
+                  <a:srgbClr val="404040"/>
+                </a:solidFill>
+              </a:rPr>
+              <a:t>Inspect the Correlation Matrix</a:t>
+            </a:r>
+          </a:p>
+          <a:p>
+            <a:pPr marL="800100" lvl="1" indent="-342900">
+              <a:buFont typeface="Arial" panose="020B0604020202020204" pitchFamily="34" charset="0"/>
+              <a:buChar char="•"/>
+              <a:defRPr/>
+            </a:pPr>
+            <a:r>
+              <a:rPr lang="en-US" dirty="0">
+                <a:solidFill>
+                  <a:srgbClr val="404040"/>
+                </a:solidFill>
+              </a:rPr>
+              <a:t>Which Variable(s) is Inappropriate for a Correlation Analysis? Why?</a:t>
+            </a:r>
+          </a:p>
+          <a:p>
+            <a:pPr marL="800100" lvl="1" indent="-342900">
+              <a:buFont typeface="Arial" panose="020B0604020202020204" pitchFamily="34" charset="0"/>
+              <a:buChar char="•"/>
+              <a:defRPr/>
+            </a:pPr>
+            <a:endParaRPr lang="en-US" dirty="0">
+              <a:solidFill>
+                <a:srgbClr val="404040"/>
+              </a:solidFill>
+            </a:endParaRPr>
+          </a:p>
+          <a:p>
+            <a:pPr>
+              <a:defRPr/>
+            </a:pPr>
+            <a:endParaRPr lang="en-US" dirty="0">
+              <a:solidFill>
+                <a:srgbClr val="404040"/>
+              </a:solidFill>
+            </a:endParaRPr>
+          </a:p>
+        </p:txBody>
+      </p:sp>
+    </p:spTree>
+    <p:custDataLst>
+      <p:tags r:id="rId1"/>
+    </p:custDataLst>
+    <p:extLst>
+      <p:ext uri="{BB962C8B-B14F-4D97-AF65-F5344CB8AC3E}">
+        <p14:creationId xmlns:p14="http://schemas.microsoft.com/office/powerpoint/2010/main" val="2699554766"/>
+      </p:ext>
+    </p:extLst>
+  </p:cSld>
+  <p:clrMapOvr>
+    <a:masterClrMapping/>
+  </p:clrMapOvr>
+</p:sld>
+</file>
+
+<file path=ppt/slides/slide12.xml><?xml version="1.0" encoding="utf-8"?>
+<p:sld xmlns:a="http://schemas.openxmlformats.org/drawingml/2006/main" xmlns:r="http://schemas.openxmlformats.org/officeDocument/2006/relationships" xmlns:p="http://schemas.openxmlformats.org/presentationml/2006/main">
+  <p:cSld>
+    <p:bg>
+      <p:bgPr>
+        <a:solidFill>
+          <a:schemeClr val="bg1">
+            <a:lumMod val="85000"/>
+          </a:schemeClr>
+        </a:solidFill>
+        <a:effectLst/>
+      </p:bgPr>
+    </p:bg>
+    <p:spTree>
+      <p:nvGrpSpPr>
+        <p:cNvPr id="1" name=""/>
+        <p:cNvGrpSpPr/>
+        <p:nvPr/>
+      </p:nvGrpSpPr>
+      <p:grpSpPr>
+        <a:xfrm>
+          <a:off x="0" y="0"/>
+          <a:ext cx="0" cy="0"/>
+          <a:chOff x="0" y="0"/>
+          <a:chExt cx="0" cy="0"/>
+        </a:xfrm>
+      </p:grpSpPr>
+      <p:sp>
+        <p:nvSpPr>
+          <p:cNvPr id="15" name="Rectangle 12">
+            <a:extLst>
+              <a:ext uri="{FF2B5EF4-FFF2-40B4-BE49-F238E27FC236}">
+                <a16:creationId xmlns:a16="http://schemas.microsoft.com/office/drawing/2014/main" id="{867D4867-5BA7-4462-B2F6-A23F4A622AA7}"/>
+              </a:ext>
+              <a:ext uri="{C183D7F6-B498-43B3-948B-1728B52AA6E4}">
+                <adec:decorative xmlns:adec="http://schemas.microsoft.com/office/drawing/2017/decorative" val="1"/>
+              </a:ext>
+            </a:extLst>
+          </p:cNvPr>
+          <p:cNvSpPr>
+            <a:spLocks noGrp="1" noRot="1" noChangeAspect="1" noMove="1" noResize="1" noEditPoints="1" noAdjustHandles="1" noChangeArrowheads="1" noChangeShapeType="1" noTextEdit="1"/>
+          </p:cNvSpPr>
+          <p:nvPr>
+            <p:extLst>
+              <p:ext uri="{386F3935-93C4-4BCD-93E2-E3B085C9AB24}">
+                <p16:designElem xmlns:p16="http://schemas.microsoft.com/office/powerpoint/2015/main" val="1"/>
+              </p:ext>
+            </p:extLst>
+          </p:nvPr>
+        </p:nvSpPr>
+        <p:spPr>
+          <a:xfrm>
+            <a:off x="0" y="0"/>
+            <a:ext cx="3490722" cy="6858000"/>
+          </a:xfrm>
+          <a:prstGeom prst="rect">
+            <a:avLst/>
+          </a:prstGeom>
+          <a:solidFill>
+            <a:schemeClr val="tx1">
+              <a:lumMod val="75000"/>
+              <a:lumOff val="25000"/>
+            </a:schemeClr>
+          </a:solidFill>
+          <a:ln>
+            <a:noFill/>
+          </a:ln>
+        </p:spPr>
+        <p:style>
+          <a:lnRef idx="0">
+            <a:scrgbClr r="0" g="0" b="0"/>
+          </a:lnRef>
+          <a:fillRef idx="0">
+            <a:scrgbClr r="0" g="0" b="0"/>
+          </a:fillRef>
+          <a:effectRef idx="0">
+            <a:scrgbClr r="0" g="0" b="0"/>
+          </a:effectRef>
+          <a:fontRef idx="minor">
+            <a:schemeClr val="lt1"/>
+          </a:fontRef>
+        </p:style>
+        <p:txBody>
+          <a:bodyPr rtlCol="0" anchor="ctr"/>
+          <a:lstStyle/>
+          <a:p>
+            <a:pPr marL="0" marR="0" lvl="0" indent="0" algn="ctr" defTabSz="457200" rtl="0" eaLnBrk="1" fontAlgn="base" latinLnBrk="0" hangingPunct="1">
+              <a:lnSpc>
+                <a:spcPct val="100000"/>
+              </a:lnSpc>
+              <a:spcBef>
+                <a:spcPct val="0"/>
+              </a:spcBef>
+              <a:spcAft>
+                <a:spcPct val="0"/>
+              </a:spcAft>
+              <a:buClrTx/>
+              <a:buSzTx/>
+              <a:buFontTx/>
+              <a:buNone/>
+              <a:tabLst/>
+              <a:defRPr/>
+            </a:pPr>
+            <a:endParaRPr kumimoji="0" lang="en-US" sz="2400" b="0" i="0" u="none" strike="noStrike" kern="1200" cap="none" spc="0" normalizeH="0" baseline="0" noProof="0">
+              <a:ln>
+                <a:noFill/>
+              </a:ln>
+              <a:solidFill>
+                <a:prstClr val="white"/>
+              </a:solidFill>
+              <a:effectLst/>
+              <a:uLnTx/>
+              <a:uFillTx/>
+              <a:latin typeface="Calibri"/>
+              <a:ea typeface="+mn-ea"/>
+              <a:cs typeface="+mn-cs"/>
+            </a:endParaRPr>
+          </a:p>
+        </p:txBody>
+      </p:sp>
+      <p:sp>
+        <p:nvSpPr>
+          <p:cNvPr id="2" name="Title 1"/>
+          <p:cNvSpPr>
+            <a:spLocks noGrp="1"/>
+          </p:cNvSpPr>
+          <p:nvPr>
+            <p:ph type="title"/>
+          </p:nvPr>
+        </p:nvSpPr>
+        <p:spPr>
+          <a:xfrm>
+            <a:off x="482600" y="643467"/>
+            <a:ext cx="2522980" cy="1597315"/>
+          </a:xfrm>
+          <a:noFill/>
+          <a:ln w="19050">
+            <a:solidFill>
+              <a:schemeClr val="bg1"/>
+            </a:solidFill>
+          </a:ln>
+        </p:spPr>
+        <p:txBody>
+          <a:bodyPr vert="horz" wrap="square" lIns="91440" tIns="45720" rIns="91440" bIns="45720" rtlCol="0" anchor="ctr">
+            <a:normAutofit/>
+          </a:bodyPr>
+          <a:lstStyle/>
+          <a:p>
+            <a:pPr defTabSz="914400" eaLnBrk="1" hangingPunct="1">
+              <a:lnSpc>
+                <a:spcPct val="90000"/>
+              </a:lnSpc>
+            </a:pPr>
+            <a:r>
+              <a:rPr lang="en-US" sz="2400" dirty="0">
+                <a:solidFill>
+                  <a:schemeClr val="bg1"/>
+                </a:solidFill>
+              </a:rPr>
+              <a:t>Part 2: Loops</a:t>
+            </a:r>
+            <a:endParaRPr lang="en-US" sz="2400" kern="1200" dirty="0">
+              <a:solidFill>
+                <a:schemeClr val="bg1"/>
+              </a:solidFill>
+              <a:latin typeface="+mj-lt"/>
+              <a:ea typeface="+mj-ea"/>
+              <a:cs typeface="+mj-cs"/>
+            </a:endParaRPr>
+          </a:p>
+        </p:txBody>
+      </p:sp>
+      <p:pic>
+        <p:nvPicPr>
+          <p:cNvPr id="8" name="Picture 7">
+            <a:extLst>
+              <a:ext uri="{FF2B5EF4-FFF2-40B4-BE49-F238E27FC236}">
+                <a16:creationId xmlns:a16="http://schemas.microsoft.com/office/drawing/2014/main" id="{521D4292-9ECC-4DA5-8CC0-C561A0DA118E}"/>
+              </a:ext>
+            </a:extLst>
+          </p:cNvPr>
+          <p:cNvPicPr>
+            <a:picLocks noChangeAspect="1"/>
+          </p:cNvPicPr>
+          <p:nvPr/>
+        </p:nvPicPr>
+        <p:blipFill rotWithShape="1">
+          <a:blip r:embed="rId3"/>
+          <a:srcRect l="8000" r="9400"/>
+          <a:stretch/>
+        </p:blipFill>
+        <p:spPr>
+          <a:xfrm>
+            <a:off x="660103" y="3048000"/>
+            <a:ext cx="2167974" cy="2624666"/>
+          </a:xfrm>
+          <a:prstGeom prst="rect">
+            <a:avLst/>
+          </a:prstGeom>
+          <a:noFill/>
+        </p:spPr>
+      </p:pic>
+      <p:sp>
+        <p:nvSpPr>
+          <p:cNvPr id="6" name="TextBox 5">
+            <a:extLst>
+              <a:ext uri="{FF2B5EF4-FFF2-40B4-BE49-F238E27FC236}">
+                <a16:creationId xmlns:a16="http://schemas.microsoft.com/office/drawing/2014/main" id="{E58EF064-51FF-48A9-8810-E84BE6F6F09D}"/>
+              </a:ext>
+            </a:extLst>
+          </p:cNvPr>
+          <p:cNvSpPr txBox="1"/>
+          <p:nvPr/>
+        </p:nvSpPr>
+        <p:spPr>
+          <a:xfrm>
+            <a:off x="3810000" y="643972"/>
+            <a:ext cx="5410200" cy="7109639"/>
+          </a:xfrm>
+          <a:prstGeom prst="rect">
+            <a:avLst/>
+          </a:prstGeom>
+          <a:noFill/>
+        </p:spPr>
+        <p:txBody>
+          <a:bodyPr wrap="square" rtlCol="0">
+            <a:spAutoFit/>
+          </a:bodyPr>
+          <a:lstStyle/>
+          <a:p>
+            <a:pPr marL="342900" indent="-342900">
+              <a:buFont typeface="Arial" panose="020B0604020202020204" pitchFamily="34" charset="0"/>
+              <a:buChar char="•"/>
+              <a:defRPr/>
+            </a:pPr>
+            <a:r>
+              <a:rPr lang="en-US" dirty="0">
+                <a:solidFill>
+                  <a:srgbClr val="404040"/>
+                </a:solidFill>
+              </a:rPr>
+              <a:t>Run Chunk 5</a:t>
+            </a:r>
+          </a:p>
+          <a:p>
+            <a:pPr marL="800100" lvl="1" indent="-342900">
+              <a:buFont typeface="Arial" panose="020B0604020202020204" pitchFamily="34" charset="0"/>
+              <a:buChar char="•"/>
+              <a:defRPr/>
+            </a:pPr>
+            <a:r>
+              <a:rPr lang="en-US" dirty="0">
+                <a:solidFill>
+                  <a:srgbClr val="404040"/>
+                </a:solidFill>
+              </a:rPr>
+              <a:t>Run First Half – Loops through Every Combination of Columns and Computes Correlation</a:t>
+            </a:r>
+          </a:p>
+          <a:p>
+            <a:pPr marL="800100" lvl="1" indent="-342900">
+              <a:buFont typeface="Arial" panose="020B0604020202020204" pitchFamily="34" charset="0"/>
+              <a:buChar char="•"/>
+              <a:defRPr/>
+            </a:pPr>
+            <a:r>
+              <a:rPr lang="en-US" dirty="0">
+                <a:solidFill>
+                  <a:srgbClr val="404040"/>
+                </a:solidFill>
+              </a:rPr>
+              <a:t>Examine Second Half – Loops Through Every Combination of Columns Excluding the First Column</a:t>
+            </a:r>
+          </a:p>
+          <a:p>
+            <a:pPr marL="800100" lvl="1" indent="-342900">
+              <a:buFont typeface="Arial" panose="020B0604020202020204" pitchFamily="34" charset="0"/>
+              <a:buChar char="•"/>
+              <a:defRPr/>
+            </a:pPr>
+            <a:r>
+              <a:rPr lang="en-US" dirty="0">
+                <a:solidFill>
+                  <a:srgbClr val="404040"/>
+                </a:solidFill>
+              </a:rPr>
+              <a:t>Fill in Blanks with Appropriate Indices so Second Loop Works</a:t>
+            </a:r>
+          </a:p>
+          <a:p>
+            <a:pPr marL="800100" lvl="1" indent="-342900">
+              <a:buFont typeface="Arial" panose="020B0604020202020204" pitchFamily="34" charset="0"/>
+              <a:buChar char="•"/>
+              <a:defRPr/>
+            </a:pPr>
+            <a:r>
+              <a:rPr lang="en-US" dirty="0">
+                <a:solidFill>
+                  <a:srgbClr val="404040"/>
+                </a:solidFill>
+              </a:rPr>
+              <a:t>Run Second Half</a:t>
+            </a:r>
+          </a:p>
+          <a:p>
+            <a:pPr marL="800100" lvl="1" indent="-342900">
+              <a:buFont typeface="Arial" panose="020B0604020202020204" pitchFamily="34" charset="0"/>
+              <a:buChar char="•"/>
+              <a:defRPr/>
+            </a:pPr>
+            <a:endParaRPr lang="en-US" sz="1800" dirty="0">
+              <a:solidFill>
+                <a:srgbClr val="404040"/>
+              </a:solidFill>
+            </a:endParaRPr>
+          </a:p>
+          <a:p>
+            <a:pPr marL="342900" indent="-342900">
+              <a:buFont typeface="Arial" panose="020B0604020202020204" pitchFamily="34" charset="0"/>
+              <a:buChar char="•"/>
+              <a:defRPr/>
+            </a:pPr>
+            <a:r>
+              <a:rPr lang="en-US" dirty="0">
+                <a:solidFill>
+                  <a:srgbClr val="404040"/>
+                </a:solidFill>
+              </a:rPr>
+              <a:t>Run Chunk 6</a:t>
+            </a:r>
+          </a:p>
+          <a:p>
+            <a:pPr marL="800100" lvl="1" indent="-342900">
+              <a:buFont typeface="Arial" panose="020B0604020202020204" pitchFamily="34" charset="0"/>
+              <a:buChar char="•"/>
+              <a:defRPr/>
+            </a:pPr>
+            <a:r>
+              <a:rPr lang="en-US" dirty="0">
+                <a:solidFill>
+                  <a:srgbClr val="404040"/>
+                </a:solidFill>
+              </a:rPr>
+              <a:t>Inspect the Variables in HI</a:t>
+            </a:r>
+          </a:p>
+          <a:p>
+            <a:pPr marL="800100" lvl="1" indent="-342900">
+              <a:buFont typeface="Arial" panose="020B0604020202020204" pitchFamily="34" charset="0"/>
+              <a:buChar char="•"/>
+              <a:defRPr/>
+            </a:pPr>
+            <a:r>
+              <a:rPr lang="en-US" dirty="0">
+                <a:solidFill>
+                  <a:srgbClr val="404040"/>
+                </a:solidFill>
+              </a:rPr>
+              <a:t>Uncomment to Print Correlation Matrix</a:t>
+            </a:r>
+          </a:p>
+          <a:p>
+            <a:pPr marL="800100" lvl="1" indent="-342900">
+              <a:buFont typeface="Arial" panose="020B0604020202020204" pitchFamily="34" charset="0"/>
+              <a:buChar char="•"/>
+              <a:defRPr/>
+            </a:pPr>
+            <a:r>
+              <a:rPr lang="en-US" dirty="0">
+                <a:solidFill>
+                  <a:srgbClr val="404040"/>
+                </a:solidFill>
+              </a:rPr>
+              <a:t>What is the Problem?</a:t>
+            </a:r>
+          </a:p>
+          <a:p>
+            <a:pPr marL="800100" lvl="1" indent="-342900">
+              <a:buFont typeface="Arial" panose="020B0604020202020204" pitchFamily="34" charset="0"/>
+              <a:buChar char="•"/>
+              <a:defRPr/>
+            </a:pPr>
+            <a:endParaRPr lang="en-US" dirty="0">
+              <a:solidFill>
+                <a:srgbClr val="404040"/>
+              </a:solidFill>
+            </a:endParaRPr>
+          </a:p>
+          <a:p>
+            <a:pPr>
+              <a:defRPr/>
+            </a:pPr>
+            <a:endParaRPr lang="en-US" dirty="0">
+              <a:solidFill>
+                <a:srgbClr val="404040"/>
+              </a:solidFill>
+            </a:endParaRPr>
+          </a:p>
+        </p:txBody>
+      </p:sp>
+    </p:spTree>
+    <p:custDataLst>
+      <p:tags r:id="rId1"/>
+    </p:custDataLst>
+    <p:extLst>
+      <p:ext uri="{BB962C8B-B14F-4D97-AF65-F5344CB8AC3E}">
+        <p14:creationId xmlns:p14="http://schemas.microsoft.com/office/powerpoint/2010/main" val="3250074744"/>
+      </p:ext>
+    </p:extLst>
+  </p:cSld>
+  <p:clrMapOvr>
+    <a:masterClrMapping/>
+  </p:clrMapOvr>
+</p:sld>
+</file>
+
+<file path=ppt/slides/slide13.xml><?xml version="1.0" encoding="utf-8"?>
+<p:sld xmlns:a="http://schemas.openxmlformats.org/drawingml/2006/main" xmlns:r="http://schemas.openxmlformats.org/officeDocument/2006/relationships" xmlns:p="http://schemas.openxmlformats.org/presentationml/2006/main">
+  <p:cSld>
+    <p:bg>
+      <p:bgPr>
+        <a:solidFill>
+          <a:schemeClr val="bg1">
+            <a:lumMod val="85000"/>
+          </a:schemeClr>
+        </a:solidFill>
+        <a:effectLst/>
+      </p:bgPr>
+    </p:bg>
+    <p:spTree>
+      <p:nvGrpSpPr>
+        <p:cNvPr id="1" name=""/>
+        <p:cNvGrpSpPr/>
+        <p:nvPr/>
+      </p:nvGrpSpPr>
+      <p:grpSpPr>
+        <a:xfrm>
+          <a:off x="0" y="0"/>
+          <a:ext cx="0" cy="0"/>
+          <a:chOff x="0" y="0"/>
+          <a:chExt cx="0" cy="0"/>
+        </a:xfrm>
+      </p:grpSpPr>
+      <p:sp>
+        <p:nvSpPr>
+          <p:cNvPr id="15" name="Rectangle 12">
+            <a:extLst>
+              <a:ext uri="{FF2B5EF4-FFF2-40B4-BE49-F238E27FC236}">
+                <a16:creationId xmlns:a16="http://schemas.microsoft.com/office/drawing/2014/main" id="{867D4867-5BA7-4462-B2F6-A23F4A622AA7}"/>
+              </a:ext>
+              <a:ext uri="{C183D7F6-B498-43B3-948B-1728B52AA6E4}">
+                <adec:decorative xmlns:adec="http://schemas.microsoft.com/office/drawing/2017/decorative" val="1"/>
+              </a:ext>
+            </a:extLst>
+          </p:cNvPr>
+          <p:cNvSpPr>
+            <a:spLocks noGrp="1" noRot="1" noChangeAspect="1" noMove="1" noResize="1" noEditPoints="1" noAdjustHandles="1" noChangeArrowheads="1" noChangeShapeType="1" noTextEdit="1"/>
+          </p:cNvSpPr>
+          <p:nvPr>
+            <p:extLst>
+              <p:ext uri="{386F3935-93C4-4BCD-93E2-E3B085C9AB24}">
+                <p16:designElem xmlns:p16="http://schemas.microsoft.com/office/powerpoint/2015/main" val="1"/>
+              </p:ext>
+            </p:extLst>
+          </p:nvPr>
+        </p:nvSpPr>
+        <p:spPr>
+          <a:xfrm>
+            <a:off x="0" y="0"/>
+            <a:ext cx="3490722" cy="6858000"/>
+          </a:xfrm>
+          <a:prstGeom prst="rect">
+            <a:avLst/>
+          </a:prstGeom>
+          <a:solidFill>
+            <a:schemeClr val="tx1">
+              <a:lumMod val="75000"/>
+              <a:lumOff val="25000"/>
+            </a:schemeClr>
+          </a:solidFill>
+          <a:ln>
+            <a:noFill/>
+          </a:ln>
+        </p:spPr>
+        <p:style>
+          <a:lnRef idx="0">
+            <a:scrgbClr r="0" g="0" b="0"/>
+          </a:lnRef>
+          <a:fillRef idx="0">
+            <a:scrgbClr r="0" g="0" b="0"/>
+          </a:fillRef>
+          <a:effectRef idx="0">
+            <a:scrgbClr r="0" g="0" b="0"/>
+          </a:effectRef>
+          <a:fontRef idx="minor">
+            <a:schemeClr val="lt1"/>
+          </a:fontRef>
+        </p:style>
+        <p:txBody>
+          <a:bodyPr rtlCol="0" anchor="ctr"/>
+          <a:lstStyle/>
+          <a:p>
+            <a:pPr marL="0" marR="0" lvl="0" indent="0" algn="ctr" defTabSz="457200" rtl="0" eaLnBrk="1" fontAlgn="base" latinLnBrk="0" hangingPunct="1">
+              <a:lnSpc>
+                <a:spcPct val="100000"/>
+              </a:lnSpc>
+              <a:spcBef>
+                <a:spcPct val="0"/>
+              </a:spcBef>
+              <a:spcAft>
+                <a:spcPct val="0"/>
+              </a:spcAft>
+              <a:buClrTx/>
+              <a:buSzTx/>
+              <a:buFontTx/>
+              <a:buNone/>
+              <a:tabLst/>
+              <a:defRPr/>
+            </a:pPr>
+            <a:endParaRPr kumimoji="0" lang="en-US" sz="2400" b="0" i="0" u="none" strike="noStrike" kern="1200" cap="none" spc="0" normalizeH="0" baseline="0" noProof="0">
+              <a:ln>
+                <a:noFill/>
+              </a:ln>
+              <a:solidFill>
+                <a:prstClr val="white"/>
+              </a:solidFill>
+              <a:effectLst/>
+              <a:uLnTx/>
+              <a:uFillTx/>
+              <a:latin typeface="Calibri"/>
+              <a:ea typeface="+mn-ea"/>
+              <a:cs typeface="+mn-cs"/>
+            </a:endParaRPr>
+          </a:p>
+        </p:txBody>
+      </p:sp>
+      <p:sp>
+        <p:nvSpPr>
+          <p:cNvPr id="2" name="Title 1"/>
+          <p:cNvSpPr>
+            <a:spLocks noGrp="1"/>
+          </p:cNvSpPr>
+          <p:nvPr>
+            <p:ph type="title"/>
+          </p:nvPr>
+        </p:nvSpPr>
+        <p:spPr>
+          <a:xfrm>
+            <a:off x="482600" y="643467"/>
+            <a:ext cx="2522980" cy="1597315"/>
+          </a:xfrm>
+          <a:noFill/>
+          <a:ln w="19050">
+            <a:solidFill>
+              <a:schemeClr val="bg1"/>
+            </a:solidFill>
+          </a:ln>
+        </p:spPr>
+        <p:txBody>
+          <a:bodyPr vert="horz" wrap="square" lIns="91440" tIns="45720" rIns="91440" bIns="45720" rtlCol="0" anchor="ctr">
+            <a:normAutofit/>
+          </a:bodyPr>
+          <a:lstStyle/>
+          <a:p>
+            <a:pPr defTabSz="914400" eaLnBrk="1" hangingPunct="1">
+              <a:lnSpc>
+                <a:spcPct val="90000"/>
+              </a:lnSpc>
+            </a:pPr>
+            <a:r>
+              <a:rPr lang="en-US" sz="2400" dirty="0">
+                <a:solidFill>
+                  <a:schemeClr val="bg1"/>
+                </a:solidFill>
+              </a:rPr>
+              <a:t>Part 2: Loops</a:t>
+            </a:r>
+            <a:endParaRPr lang="en-US" sz="2400" kern="1200" dirty="0">
+              <a:solidFill>
+                <a:schemeClr val="bg1"/>
+              </a:solidFill>
+              <a:latin typeface="+mj-lt"/>
+              <a:ea typeface="+mj-ea"/>
+              <a:cs typeface="+mj-cs"/>
+            </a:endParaRPr>
+          </a:p>
+        </p:txBody>
+      </p:sp>
+      <p:pic>
+        <p:nvPicPr>
+          <p:cNvPr id="8" name="Picture 7">
+            <a:extLst>
+              <a:ext uri="{FF2B5EF4-FFF2-40B4-BE49-F238E27FC236}">
+                <a16:creationId xmlns:a16="http://schemas.microsoft.com/office/drawing/2014/main" id="{521D4292-9ECC-4DA5-8CC0-C561A0DA118E}"/>
+              </a:ext>
+            </a:extLst>
+          </p:cNvPr>
+          <p:cNvPicPr>
+            <a:picLocks noChangeAspect="1"/>
+          </p:cNvPicPr>
+          <p:nvPr/>
+        </p:nvPicPr>
+        <p:blipFill rotWithShape="1">
+          <a:blip r:embed="rId3"/>
+          <a:srcRect l="8000" r="9400"/>
+          <a:stretch/>
+        </p:blipFill>
+        <p:spPr>
+          <a:xfrm>
+            <a:off x="660103" y="3048000"/>
+            <a:ext cx="2167974" cy="2624666"/>
+          </a:xfrm>
+          <a:prstGeom prst="rect">
+            <a:avLst/>
+          </a:prstGeom>
+          <a:noFill/>
+        </p:spPr>
+      </p:pic>
+      <p:sp>
+        <p:nvSpPr>
+          <p:cNvPr id="6" name="TextBox 5">
+            <a:extLst>
+              <a:ext uri="{FF2B5EF4-FFF2-40B4-BE49-F238E27FC236}">
+                <a16:creationId xmlns:a16="http://schemas.microsoft.com/office/drawing/2014/main" id="{E58EF064-51FF-48A9-8810-E84BE6F6F09D}"/>
+              </a:ext>
+            </a:extLst>
+          </p:cNvPr>
+          <p:cNvSpPr txBox="1"/>
+          <p:nvPr/>
+        </p:nvSpPr>
+        <p:spPr>
+          <a:xfrm>
+            <a:off x="3781236" y="615207"/>
+            <a:ext cx="5286564" cy="4524315"/>
+          </a:xfrm>
+          <a:prstGeom prst="rect">
+            <a:avLst/>
+          </a:prstGeom>
+          <a:noFill/>
+        </p:spPr>
+        <p:txBody>
+          <a:bodyPr wrap="square" rtlCol="0">
+            <a:spAutoFit/>
+          </a:bodyPr>
+          <a:lstStyle/>
+          <a:p>
+            <a:pPr marL="342900" indent="-342900">
+              <a:buFont typeface="Arial" panose="020B0604020202020204" pitchFamily="34" charset="0"/>
+              <a:buChar char="•"/>
+              <a:defRPr/>
+            </a:pPr>
+            <a:r>
+              <a:rPr lang="en-US" dirty="0">
+                <a:solidFill>
+                  <a:srgbClr val="404040"/>
+                </a:solidFill>
+              </a:rPr>
+              <a:t>Run Chunk 7</a:t>
+            </a:r>
+          </a:p>
+          <a:p>
+            <a:pPr marL="800100" lvl="1" indent="-342900">
+              <a:buFont typeface="Arial" panose="020B0604020202020204" pitchFamily="34" charset="0"/>
+              <a:buChar char="•"/>
+              <a:defRPr/>
+            </a:pPr>
+            <a:r>
+              <a:rPr lang="en-US" dirty="0">
+                <a:solidFill>
+                  <a:srgbClr val="404040"/>
+                </a:solidFill>
+              </a:rPr>
+              <a:t>Observe the Difference Between the Printed Tibbles</a:t>
+            </a:r>
+          </a:p>
+          <a:p>
+            <a:pPr marL="800100" lvl="1" indent="-342900">
+              <a:buFont typeface="Arial" panose="020B0604020202020204" pitchFamily="34" charset="0"/>
+              <a:buChar char="•"/>
+              <a:defRPr/>
+            </a:pPr>
+            <a:r>
+              <a:rPr lang="en-US" dirty="0">
+                <a:solidFill>
+                  <a:srgbClr val="404040"/>
+                </a:solidFill>
+              </a:rPr>
+              <a:t>What is the Difference?</a:t>
+            </a:r>
+          </a:p>
+          <a:p>
+            <a:pPr marL="800100" lvl="1" indent="-342900">
+              <a:buFont typeface="Arial" panose="020B0604020202020204" pitchFamily="34" charset="0"/>
+              <a:buChar char="•"/>
+              <a:defRPr/>
+            </a:pPr>
+            <a:r>
+              <a:rPr lang="en-US" dirty="0">
+                <a:solidFill>
+                  <a:srgbClr val="404040"/>
+                </a:solidFill>
+              </a:rPr>
+              <a:t>How Would You Explain the First Loop to a Toddler?</a:t>
+            </a:r>
+          </a:p>
+          <a:p>
+            <a:pPr marL="800100" lvl="1" indent="-342900">
+              <a:buFont typeface="Arial" panose="020B0604020202020204" pitchFamily="34" charset="0"/>
+              <a:buChar char="•"/>
+              <a:defRPr/>
+            </a:pPr>
+            <a:r>
+              <a:rPr lang="en-US" dirty="0">
+                <a:solidFill>
+                  <a:srgbClr val="404040"/>
+                </a:solidFill>
+              </a:rPr>
+              <a:t>What is cat() doing?</a:t>
+            </a:r>
+          </a:p>
+          <a:p>
+            <a:pPr marL="800100" lvl="1" indent="-342900">
+              <a:buFont typeface="Arial" panose="020B0604020202020204" pitchFamily="34" charset="0"/>
+              <a:buChar char="•"/>
+              <a:defRPr/>
+            </a:pPr>
+            <a:r>
+              <a:rPr lang="en-US" dirty="0">
+                <a:solidFill>
+                  <a:srgbClr val="404040"/>
+                </a:solidFill>
+              </a:rPr>
+              <a:t>How Would You Explain the Second Loop to an Infant?</a:t>
+            </a:r>
+          </a:p>
+          <a:p>
+            <a:pPr marL="800100" lvl="1" indent="-342900">
+              <a:buFont typeface="Arial" panose="020B0604020202020204" pitchFamily="34" charset="0"/>
+              <a:buChar char="•"/>
+              <a:defRPr/>
+            </a:pPr>
+            <a:r>
+              <a:rPr lang="en-US" dirty="0">
+                <a:solidFill>
+                  <a:srgbClr val="404040"/>
+                </a:solidFill>
+              </a:rPr>
+              <a:t>Remember: There Are an Infinite Number of Ways to Do the Same Thing.</a:t>
+            </a:r>
+          </a:p>
+        </p:txBody>
+      </p:sp>
+    </p:spTree>
+    <p:custDataLst>
+      <p:tags r:id="rId1"/>
+    </p:custDataLst>
+    <p:extLst>
+      <p:ext uri="{BB962C8B-B14F-4D97-AF65-F5344CB8AC3E}">
+        <p14:creationId xmlns:p14="http://schemas.microsoft.com/office/powerpoint/2010/main" val="1837324169"/>
+      </p:ext>
+    </p:extLst>
+  </p:cSld>
+  <p:clrMapOvr>
+    <a:masterClrMapping/>
+  </p:clrMapOvr>
+</p:sld>
+</file>
+
+<file path=ppt/slides/slide14.xml><?xml version="1.0" encoding="utf-8"?>
+<p:sld xmlns:a="http://schemas.openxmlformats.org/drawingml/2006/main" xmlns:r="http://schemas.openxmlformats.org/officeDocument/2006/relationships" xmlns:p="http://schemas.openxmlformats.org/presentationml/2006/main">
+  <p:cSld>
+    <p:bg>
+      <p:bgPr>
+        <a:solidFill>
+          <a:schemeClr val="bg1">
+            <a:lumMod val="85000"/>
+          </a:schemeClr>
+        </a:solidFill>
+        <a:effectLst/>
+      </p:bgPr>
+    </p:bg>
+    <p:spTree>
+      <p:nvGrpSpPr>
+        <p:cNvPr id="1" name=""/>
+        <p:cNvGrpSpPr/>
+        <p:nvPr/>
+      </p:nvGrpSpPr>
+      <p:grpSpPr>
+        <a:xfrm>
+          <a:off x="0" y="0"/>
+          <a:ext cx="0" cy="0"/>
+          <a:chOff x="0" y="0"/>
+          <a:chExt cx="0" cy="0"/>
+        </a:xfrm>
+      </p:grpSpPr>
+      <p:sp>
+        <p:nvSpPr>
+          <p:cNvPr id="15" name="Rectangle 12">
+            <a:extLst>
+              <a:ext uri="{FF2B5EF4-FFF2-40B4-BE49-F238E27FC236}">
+                <a16:creationId xmlns:a16="http://schemas.microsoft.com/office/drawing/2014/main" id="{867D4867-5BA7-4462-B2F6-A23F4A622AA7}"/>
+              </a:ext>
+              <a:ext uri="{C183D7F6-B498-43B3-948B-1728B52AA6E4}">
+                <adec:decorative xmlns:adec="http://schemas.microsoft.com/office/drawing/2017/decorative" val="1"/>
+              </a:ext>
+            </a:extLst>
+          </p:cNvPr>
+          <p:cNvSpPr>
+            <a:spLocks noGrp="1" noRot="1" noChangeAspect="1" noMove="1" noResize="1" noEditPoints="1" noAdjustHandles="1" noChangeArrowheads="1" noChangeShapeType="1" noTextEdit="1"/>
+          </p:cNvSpPr>
+          <p:nvPr>
+            <p:extLst>
+              <p:ext uri="{386F3935-93C4-4BCD-93E2-E3B085C9AB24}">
+                <p16:designElem xmlns:p16="http://schemas.microsoft.com/office/powerpoint/2015/main" val="1"/>
+              </p:ext>
+            </p:extLst>
+          </p:nvPr>
+        </p:nvSpPr>
+        <p:spPr>
+          <a:xfrm>
+            <a:off x="0" y="0"/>
+            <a:ext cx="3490722" cy="6858000"/>
+          </a:xfrm>
+          <a:prstGeom prst="rect">
+            <a:avLst/>
+          </a:prstGeom>
+          <a:solidFill>
+            <a:schemeClr val="tx1">
+              <a:lumMod val="75000"/>
+              <a:lumOff val="25000"/>
+            </a:schemeClr>
+          </a:solidFill>
+          <a:ln>
+            <a:noFill/>
+          </a:ln>
+        </p:spPr>
+        <p:style>
+          <a:lnRef idx="0">
+            <a:scrgbClr r="0" g="0" b="0"/>
+          </a:lnRef>
+          <a:fillRef idx="0">
+            <a:scrgbClr r="0" g="0" b="0"/>
+          </a:fillRef>
+          <a:effectRef idx="0">
+            <a:scrgbClr r="0" g="0" b="0"/>
+          </a:effectRef>
+          <a:fontRef idx="minor">
+            <a:schemeClr val="lt1"/>
+          </a:fontRef>
+        </p:style>
+        <p:txBody>
+          <a:bodyPr rtlCol="0" anchor="ctr"/>
+          <a:lstStyle/>
+          <a:p>
+            <a:pPr marL="0" marR="0" lvl="0" indent="0" algn="ctr" defTabSz="457200" rtl="0" eaLnBrk="1" fontAlgn="base" latinLnBrk="0" hangingPunct="1">
+              <a:lnSpc>
+                <a:spcPct val="100000"/>
+              </a:lnSpc>
+              <a:spcBef>
+                <a:spcPct val="0"/>
+              </a:spcBef>
+              <a:spcAft>
+                <a:spcPct val="0"/>
+              </a:spcAft>
+              <a:buClrTx/>
+              <a:buSzTx/>
+              <a:buFontTx/>
+              <a:buNone/>
+              <a:tabLst/>
+              <a:defRPr/>
+            </a:pPr>
+            <a:endParaRPr kumimoji="0" lang="en-US" sz="2400" b="0" i="0" u="none" strike="noStrike" kern="1200" cap="none" spc="0" normalizeH="0" baseline="0" noProof="0">
+              <a:ln>
+                <a:noFill/>
+              </a:ln>
+              <a:solidFill>
+                <a:prstClr val="white"/>
+              </a:solidFill>
+              <a:effectLst/>
+              <a:uLnTx/>
+              <a:uFillTx/>
+              <a:latin typeface="Calibri"/>
+              <a:ea typeface="+mn-ea"/>
+              <a:cs typeface="+mn-cs"/>
+            </a:endParaRPr>
+          </a:p>
+        </p:txBody>
+      </p:sp>
+      <p:sp>
+        <p:nvSpPr>
+          <p:cNvPr id="2" name="Title 1"/>
+          <p:cNvSpPr>
+            <a:spLocks noGrp="1"/>
+          </p:cNvSpPr>
+          <p:nvPr>
+            <p:ph type="title"/>
+          </p:nvPr>
+        </p:nvSpPr>
+        <p:spPr>
+          <a:xfrm>
+            <a:off x="482600" y="643467"/>
+            <a:ext cx="2522980" cy="1597315"/>
+          </a:xfrm>
+          <a:noFill/>
+          <a:ln w="19050">
+            <a:solidFill>
+              <a:schemeClr val="bg1"/>
+            </a:solidFill>
+          </a:ln>
+        </p:spPr>
+        <p:txBody>
+          <a:bodyPr vert="horz" wrap="square" lIns="91440" tIns="45720" rIns="91440" bIns="45720" rtlCol="0" anchor="ctr">
+            <a:normAutofit/>
+          </a:bodyPr>
+          <a:lstStyle/>
+          <a:p>
+            <a:pPr defTabSz="914400" eaLnBrk="1" hangingPunct="1">
+              <a:lnSpc>
+                <a:spcPct val="90000"/>
+              </a:lnSpc>
+            </a:pPr>
+            <a:r>
+              <a:rPr lang="en-US" sz="2400" dirty="0">
+                <a:solidFill>
+                  <a:schemeClr val="bg1"/>
+                </a:solidFill>
+              </a:rPr>
+              <a:t>Part 3: SRS</a:t>
+            </a:r>
+            <a:endParaRPr lang="en-US" sz="2400" kern="1200" dirty="0">
+              <a:solidFill>
+                <a:schemeClr val="bg1"/>
+              </a:solidFill>
+              <a:latin typeface="+mj-lt"/>
+              <a:ea typeface="+mj-ea"/>
+              <a:cs typeface="+mj-cs"/>
+            </a:endParaRPr>
+          </a:p>
+        </p:txBody>
+      </p:sp>
+      <p:pic>
+        <p:nvPicPr>
+          <p:cNvPr id="8" name="Picture 7">
+            <a:extLst>
+              <a:ext uri="{FF2B5EF4-FFF2-40B4-BE49-F238E27FC236}">
+                <a16:creationId xmlns:a16="http://schemas.microsoft.com/office/drawing/2014/main" id="{521D4292-9ECC-4DA5-8CC0-C561A0DA118E}"/>
+              </a:ext>
+            </a:extLst>
+          </p:cNvPr>
+          <p:cNvPicPr>
+            <a:picLocks noChangeAspect="1"/>
+          </p:cNvPicPr>
+          <p:nvPr/>
+        </p:nvPicPr>
+        <p:blipFill rotWithShape="1">
+          <a:blip r:embed="rId3"/>
+          <a:srcRect l="8000" r="9400"/>
+          <a:stretch/>
+        </p:blipFill>
+        <p:spPr>
+          <a:xfrm>
+            <a:off x="660103" y="3048000"/>
+            <a:ext cx="2167974" cy="2624666"/>
+          </a:xfrm>
+          <a:prstGeom prst="rect">
+            <a:avLst/>
+          </a:prstGeom>
+          <a:noFill/>
+        </p:spPr>
+      </p:pic>
+      <p:pic>
+        <p:nvPicPr>
+          <p:cNvPr id="3" name="Picture 2">
+            <a:extLst>
+              <a:ext uri="{FF2B5EF4-FFF2-40B4-BE49-F238E27FC236}">
+                <a16:creationId xmlns:a16="http://schemas.microsoft.com/office/drawing/2014/main" id="{332756A3-4863-46A7-9FBC-B23BD3F74BFC}"/>
+              </a:ext>
+            </a:extLst>
+          </p:cNvPr>
+          <p:cNvPicPr>
+            <a:picLocks noChangeAspect="1"/>
+          </p:cNvPicPr>
+          <p:nvPr/>
+        </p:nvPicPr>
+        <p:blipFill>
+          <a:blip r:embed="rId4"/>
+          <a:stretch>
+            <a:fillRect/>
+          </a:stretch>
+        </p:blipFill>
+        <p:spPr>
+          <a:xfrm>
+            <a:off x="3585972" y="1818409"/>
+            <a:ext cx="5481828" cy="1257300"/>
+          </a:xfrm>
+          <a:prstGeom prst="rect">
+            <a:avLst/>
+          </a:prstGeom>
+          <a:ln>
+            <a:solidFill>
+              <a:srgbClr val="404040"/>
+            </a:solidFill>
+          </a:ln>
+        </p:spPr>
+        <p:style>
+          <a:lnRef idx="2">
+            <a:schemeClr val="dk1"/>
+          </a:lnRef>
+          <a:fillRef idx="1">
+            <a:schemeClr val="lt1"/>
+          </a:fillRef>
+          <a:effectRef idx="0">
+            <a:schemeClr val="dk1"/>
+          </a:effectRef>
+          <a:fontRef idx="minor">
+            <a:schemeClr val="dk1"/>
+          </a:fontRef>
+        </p:style>
+      </p:pic>
+      <p:sp>
+        <p:nvSpPr>
+          <p:cNvPr id="6" name="TextBox 5">
+            <a:extLst>
+              <a:ext uri="{FF2B5EF4-FFF2-40B4-BE49-F238E27FC236}">
+                <a16:creationId xmlns:a16="http://schemas.microsoft.com/office/drawing/2014/main" id="{FC3DAEC3-3D5E-498E-BFE9-14205272B253}"/>
+              </a:ext>
+            </a:extLst>
+          </p:cNvPr>
+          <p:cNvSpPr txBox="1"/>
+          <p:nvPr/>
+        </p:nvSpPr>
+        <p:spPr>
+          <a:xfrm>
+            <a:off x="3781236" y="615207"/>
+            <a:ext cx="5286564" cy="6278642"/>
+          </a:xfrm>
+          <a:prstGeom prst="rect">
+            <a:avLst/>
+          </a:prstGeom>
+          <a:noFill/>
+        </p:spPr>
+        <p:txBody>
+          <a:bodyPr wrap="square" rtlCol="0">
+            <a:spAutoFit/>
+          </a:bodyPr>
+          <a:lstStyle/>
+          <a:p>
+            <a:pPr marL="342900" indent="-342900">
+              <a:buFont typeface="Arial" panose="020B0604020202020204" pitchFamily="34" charset="0"/>
+              <a:buChar char="•"/>
+              <a:defRPr/>
+            </a:pPr>
+            <a:r>
+              <a:rPr lang="en-US" dirty="0">
+                <a:solidFill>
+                  <a:srgbClr val="404040"/>
+                </a:solidFill>
+              </a:rPr>
+              <a:t>Important For Simulation Studies</a:t>
+            </a:r>
+          </a:p>
+          <a:p>
+            <a:pPr marL="342900" indent="-342900">
+              <a:buFont typeface="Arial" panose="020B0604020202020204" pitchFamily="34" charset="0"/>
+              <a:buChar char="•"/>
+              <a:defRPr/>
+            </a:pPr>
+            <a:endParaRPr lang="en-US" dirty="0">
+              <a:solidFill>
+                <a:srgbClr val="404040"/>
+              </a:solidFill>
+            </a:endParaRPr>
+          </a:p>
+          <a:p>
+            <a:pPr marL="342900" indent="-342900">
+              <a:buFont typeface="Arial" panose="020B0604020202020204" pitchFamily="34" charset="0"/>
+              <a:buChar char="•"/>
+              <a:defRPr/>
+            </a:pPr>
+            <a:r>
+              <a:rPr lang="en-US" dirty="0">
+                <a:solidFill>
+                  <a:srgbClr val="404040"/>
+                </a:solidFill>
+              </a:rPr>
+              <a:t>Known Distributions</a:t>
+            </a:r>
+          </a:p>
+          <a:p>
+            <a:pPr marL="342900" indent="-342900">
+              <a:buFont typeface="Arial" panose="020B0604020202020204" pitchFamily="34" charset="0"/>
+              <a:buChar char="•"/>
+              <a:defRPr/>
+            </a:pPr>
+            <a:endParaRPr lang="en-US" sz="1800" dirty="0">
+              <a:solidFill>
+                <a:srgbClr val="404040"/>
+              </a:solidFill>
+            </a:endParaRPr>
+          </a:p>
+          <a:p>
+            <a:pPr marL="342900" indent="-342900">
+              <a:buFont typeface="Arial" panose="020B0604020202020204" pitchFamily="34" charset="0"/>
+              <a:buChar char="•"/>
+              <a:defRPr/>
+            </a:pPr>
+            <a:endParaRPr lang="en-US" dirty="0">
+              <a:solidFill>
+                <a:srgbClr val="404040"/>
+              </a:solidFill>
+            </a:endParaRPr>
+          </a:p>
+          <a:p>
+            <a:pPr marL="342900" indent="-342900">
+              <a:buFont typeface="Arial" panose="020B0604020202020204" pitchFamily="34" charset="0"/>
+              <a:buChar char="•"/>
+              <a:defRPr/>
+            </a:pPr>
+            <a:endParaRPr lang="en-US" dirty="0">
+              <a:solidFill>
+                <a:srgbClr val="404040"/>
+              </a:solidFill>
+            </a:endParaRPr>
+          </a:p>
+          <a:p>
+            <a:pPr marL="342900" indent="-342900">
+              <a:buFont typeface="Arial" panose="020B0604020202020204" pitchFamily="34" charset="0"/>
+              <a:buChar char="•"/>
+              <a:defRPr/>
+            </a:pPr>
+            <a:endParaRPr lang="en-US" dirty="0">
+              <a:solidFill>
+                <a:srgbClr val="404040"/>
+              </a:solidFill>
+            </a:endParaRPr>
+          </a:p>
+          <a:p>
+            <a:pPr marL="800100" lvl="1" indent="-342900">
+              <a:buFont typeface="Arial" panose="020B0604020202020204" pitchFamily="34" charset="0"/>
+              <a:buChar char="•"/>
+              <a:defRPr/>
+            </a:pPr>
+            <a:r>
+              <a:rPr lang="en-US" dirty="0">
+                <a:solidFill>
+                  <a:srgbClr val="404040"/>
+                </a:solidFill>
+              </a:rPr>
+              <a:t>“d” -&gt; Useful for Plotting Density Curve for Continuous Variables or Probability Mass Function for Discrete Variables</a:t>
+            </a:r>
+          </a:p>
+          <a:p>
+            <a:pPr marL="800100" lvl="1" indent="-342900">
+              <a:buFont typeface="Arial" panose="020B0604020202020204" pitchFamily="34" charset="0"/>
+              <a:buChar char="•"/>
+              <a:defRPr/>
+            </a:pPr>
+            <a:r>
+              <a:rPr lang="en-US" dirty="0">
+                <a:solidFill>
+                  <a:srgbClr val="404040"/>
+                </a:solidFill>
+              </a:rPr>
+              <a:t>“p” -&gt; Finds the Probability Less Than Or Equal to a Given Number</a:t>
+            </a:r>
+          </a:p>
+          <a:p>
+            <a:pPr marL="800100" lvl="1" indent="-342900">
+              <a:buFont typeface="Arial" panose="020B0604020202020204" pitchFamily="34" charset="0"/>
+              <a:buChar char="•"/>
+              <a:defRPr/>
+            </a:pPr>
+            <a:r>
+              <a:rPr lang="en-US" dirty="0">
+                <a:solidFill>
+                  <a:srgbClr val="404040"/>
+                </a:solidFill>
+              </a:rPr>
+              <a:t>“q” -&gt; Finds Cutoff Points</a:t>
+            </a:r>
+          </a:p>
+          <a:p>
+            <a:pPr marL="800100" lvl="1" indent="-342900">
+              <a:buFont typeface="Arial" panose="020B0604020202020204" pitchFamily="34" charset="0"/>
+              <a:buChar char="•"/>
+              <a:defRPr/>
+            </a:pPr>
+            <a:r>
+              <a:rPr lang="en-US" dirty="0">
+                <a:solidFill>
+                  <a:srgbClr val="404040"/>
+                </a:solidFill>
+              </a:rPr>
+              <a:t>“r” -&gt; Generates a Random Sample from the Distribution</a:t>
+            </a:r>
+          </a:p>
+        </p:txBody>
+      </p:sp>
+    </p:spTree>
+    <p:custDataLst>
+      <p:tags r:id="rId1"/>
+    </p:custDataLst>
+    <p:extLst>
+      <p:ext uri="{BB962C8B-B14F-4D97-AF65-F5344CB8AC3E}">
+        <p14:creationId xmlns:p14="http://schemas.microsoft.com/office/powerpoint/2010/main" val="199654673"/>
+      </p:ext>
+    </p:extLst>
+  </p:cSld>
+  <p:clrMapOvr>
+    <a:masterClrMapping/>
+  </p:clrMapOvr>
+</p:sld>
+</file>
+
+<file path=ppt/slides/slide15.xml><?xml version="1.0" encoding="utf-8"?>
+<p:sld xmlns:a="http://schemas.openxmlformats.org/drawingml/2006/main" xmlns:r="http://schemas.openxmlformats.org/officeDocument/2006/relationships" xmlns:p="http://schemas.openxmlformats.org/presentationml/2006/main">
+  <p:cSld>
+    <p:bg>
+      <p:bgPr>
+        <a:solidFill>
+          <a:schemeClr val="bg1">
+            <a:lumMod val="85000"/>
+          </a:schemeClr>
+        </a:solidFill>
+        <a:effectLst/>
+      </p:bgPr>
+    </p:bg>
+    <p:spTree>
+      <p:nvGrpSpPr>
+        <p:cNvPr id="1" name=""/>
+        <p:cNvGrpSpPr/>
+        <p:nvPr/>
+      </p:nvGrpSpPr>
+      <p:grpSpPr>
+        <a:xfrm>
+          <a:off x="0" y="0"/>
+          <a:ext cx="0" cy="0"/>
+          <a:chOff x="0" y="0"/>
+          <a:chExt cx="0" cy="0"/>
+        </a:xfrm>
+      </p:grpSpPr>
+      <p:sp>
+        <p:nvSpPr>
+          <p:cNvPr id="15" name="Rectangle 12">
+            <a:extLst>
+              <a:ext uri="{FF2B5EF4-FFF2-40B4-BE49-F238E27FC236}">
+                <a16:creationId xmlns:a16="http://schemas.microsoft.com/office/drawing/2014/main" id="{867D4867-5BA7-4462-B2F6-A23F4A622AA7}"/>
+              </a:ext>
+              <a:ext uri="{C183D7F6-B498-43B3-948B-1728B52AA6E4}">
+                <adec:decorative xmlns:adec="http://schemas.microsoft.com/office/drawing/2017/decorative" val="1"/>
+              </a:ext>
+            </a:extLst>
+          </p:cNvPr>
+          <p:cNvSpPr>
+            <a:spLocks noGrp="1" noRot="1" noChangeAspect="1" noMove="1" noResize="1" noEditPoints="1" noAdjustHandles="1" noChangeArrowheads="1" noChangeShapeType="1" noTextEdit="1"/>
+          </p:cNvSpPr>
+          <p:nvPr>
+            <p:extLst>
+              <p:ext uri="{386F3935-93C4-4BCD-93E2-E3B085C9AB24}">
+                <p16:designElem xmlns:p16="http://schemas.microsoft.com/office/powerpoint/2015/main" val="1"/>
+              </p:ext>
+            </p:extLst>
+          </p:nvPr>
+        </p:nvSpPr>
+        <p:spPr>
+          <a:xfrm>
+            <a:off x="0" y="0"/>
+            <a:ext cx="3490722" cy="6858000"/>
+          </a:xfrm>
+          <a:prstGeom prst="rect">
+            <a:avLst/>
+          </a:prstGeom>
+          <a:solidFill>
+            <a:schemeClr val="tx1">
+              <a:lumMod val="75000"/>
+              <a:lumOff val="25000"/>
+            </a:schemeClr>
+          </a:solidFill>
+          <a:ln>
+            <a:noFill/>
+          </a:ln>
+        </p:spPr>
+        <p:style>
+          <a:lnRef idx="0">
+            <a:scrgbClr r="0" g="0" b="0"/>
+          </a:lnRef>
+          <a:fillRef idx="0">
+            <a:scrgbClr r="0" g="0" b="0"/>
+          </a:fillRef>
+          <a:effectRef idx="0">
+            <a:scrgbClr r="0" g="0" b="0"/>
+          </a:effectRef>
+          <a:fontRef idx="minor">
+            <a:schemeClr val="lt1"/>
+          </a:fontRef>
+        </p:style>
+        <p:txBody>
+          <a:bodyPr rtlCol="0" anchor="ctr"/>
+          <a:lstStyle/>
+          <a:p>
+            <a:pPr marL="0" marR="0" lvl="0" indent="0" algn="ctr" defTabSz="457200" rtl="0" eaLnBrk="1" fontAlgn="base" latinLnBrk="0" hangingPunct="1">
+              <a:lnSpc>
+                <a:spcPct val="100000"/>
+              </a:lnSpc>
+              <a:spcBef>
+                <a:spcPct val="0"/>
+              </a:spcBef>
+              <a:spcAft>
+                <a:spcPct val="0"/>
+              </a:spcAft>
+              <a:buClrTx/>
+              <a:buSzTx/>
+              <a:buFontTx/>
+              <a:buNone/>
+              <a:tabLst/>
+              <a:defRPr/>
+            </a:pPr>
+            <a:endParaRPr kumimoji="0" lang="en-US" sz="2400" b="0" i="0" u="none" strike="noStrike" kern="1200" cap="none" spc="0" normalizeH="0" baseline="0" noProof="0">
+              <a:ln>
+                <a:noFill/>
+              </a:ln>
+              <a:solidFill>
+                <a:prstClr val="white"/>
+              </a:solidFill>
+              <a:effectLst/>
+              <a:uLnTx/>
+              <a:uFillTx/>
+              <a:latin typeface="Calibri"/>
+              <a:ea typeface="+mn-ea"/>
+              <a:cs typeface="+mn-cs"/>
+            </a:endParaRPr>
+          </a:p>
+        </p:txBody>
+      </p:sp>
+      <p:sp>
+        <p:nvSpPr>
+          <p:cNvPr id="2" name="Title 1"/>
+          <p:cNvSpPr>
+            <a:spLocks noGrp="1"/>
+          </p:cNvSpPr>
+          <p:nvPr>
+            <p:ph type="title"/>
+          </p:nvPr>
+        </p:nvSpPr>
+        <p:spPr>
+          <a:xfrm>
+            <a:off x="482600" y="643467"/>
+            <a:ext cx="2522980" cy="1597315"/>
+          </a:xfrm>
+          <a:noFill/>
+          <a:ln w="19050">
+            <a:solidFill>
+              <a:schemeClr val="bg1"/>
+            </a:solidFill>
+          </a:ln>
+        </p:spPr>
+        <p:txBody>
+          <a:bodyPr vert="horz" wrap="square" lIns="91440" tIns="45720" rIns="91440" bIns="45720" rtlCol="0" anchor="ctr">
+            <a:normAutofit/>
+          </a:bodyPr>
+          <a:lstStyle/>
+          <a:p>
+            <a:pPr defTabSz="914400" eaLnBrk="1" hangingPunct="1">
+              <a:lnSpc>
+                <a:spcPct val="90000"/>
+              </a:lnSpc>
+            </a:pPr>
+            <a:r>
+              <a:rPr lang="en-US" sz="2400" dirty="0">
+                <a:solidFill>
+                  <a:schemeClr val="bg1"/>
+                </a:solidFill>
+              </a:rPr>
+              <a:t>Part 3: SRS</a:t>
+            </a:r>
+            <a:endParaRPr lang="en-US" sz="2400" kern="1200" dirty="0">
+              <a:solidFill>
+                <a:schemeClr val="bg1"/>
+              </a:solidFill>
+              <a:latin typeface="+mj-lt"/>
+              <a:ea typeface="+mj-ea"/>
+              <a:cs typeface="+mj-cs"/>
+            </a:endParaRPr>
+          </a:p>
+        </p:txBody>
+      </p:sp>
+      <p:pic>
+        <p:nvPicPr>
+          <p:cNvPr id="8" name="Picture 7">
+            <a:extLst>
+              <a:ext uri="{FF2B5EF4-FFF2-40B4-BE49-F238E27FC236}">
+                <a16:creationId xmlns:a16="http://schemas.microsoft.com/office/drawing/2014/main" id="{521D4292-9ECC-4DA5-8CC0-C561A0DA118E}"/>
+              </a:ext>
+            </a:extLst>
+          </p:cNvPr>
+          <p:cNvPicPr>
+            <a:picLocks noChangeAspect="1"/>
+          </p:cNvPicPr>
+          <p:nvPr/>
+        </p:nvPicPr>
+        <p:blipFill rotWithShape="1">
+          <a:blip r:embed="rId3"/>
+          <a:srcRect l="8000" r="9400"/>
+          <a:stretch/>
+        </p:blipFill>
+        <p:spPr>
+          <a:xfrm>
+            <a:off x="660103" y="3048000"/>
+            <a:ext cx="2167974" cy="2624666"/>
+          </a:xfrm>
+          <a:prstGeom prst="rect">
+            <a:avLst/>
+          </a:prstGeom>
+          <a:noFill/>
+        </p:spPr>
+      </p:pic>
+      <p:sp>
+        <p:nvSpPr>
+          <p:cNvPr id="6" name="TextBox 5">
+            <a:extLst>
+              <a:ext uri="{FF2B5EF4-FFF2-40B4-BE49-F238E27FC236}">
+                <a16:creationId xmlns:a16="http://schemas.microsoft.com/office/drawing/2014/main" id="{FC3DAEC3-3D5E-498E-BFE9-14205272B253}"/>
+              </a:ext>
+            </a:extLst>
+          </p:cNvPr>
+          <p:cNvSpPr txBox="1"/>
+          <p:nvPr/>
+        </p:nvSpPr>
+        <p:spPr>
+          <a:xfrm>
+            <a:off x="3781236" y="615207"/>
+            <a:ext cx="5286564" cy="6001643"/>
+          </a:xfrm>
+          <a:prstGeom prst="rect">
+            <a:avLst/>
+          </a:prstGeom>
+          <a:noFill/>
+        </p:spPr>
+        <p:txBody>
+          <a:bodyPr wrap="square" rtlCol="0">
+            <a:spAutoFit/>
+          </a:bodyPr>
+          <a:lstStyle/>
+          <a:p>
+            <a:pPr marL="342900" indent="-342900">
+              <a:buFont typeface="Arial" panose="020B0604020202020204" pitchFamily="34" charset="0"/>
+              <a:buChar char="•"/>
+              <a:defRPr/>
+            </a:pPr>
+            <a:r>
+              <a:rPr lang="en-US" dirty="0">
+                <a:solidFill>
+                  <a:srgbClr val="404040"/>
+                </a:solidFill>
+              </a:rPr>
+              <a:t>For SRS, Use “r”</a:t>
+            </a:r>
+          </a:p>
+          <a:p>
+            <a:pPr marL="342900" indent="-342900">
+              <a:buFont typeface="Arial" panose="020B0604020202020204" pitchFamily="34" charset="0"/>
+              <a:buChar char="•"/>
+              <a:defRPr/>
+            </a:pPr>
+            <a:endParaRPr lang="en-US" dirty="0">
+              <a:solidFill>
+                <a:srgbClr val="404040"/>
+              </a:solidFill>
+            </a:endParaRPr>
+          </a:p>
+          <a:p>
+            <a:pPr marL="342900" indent="-342900">
+              <a:buFont typeface="Arial" panose="020B0604020202020204" pitchFamily="34" charset="0"/>
+              <a:buChar char="•"/>
+              <a:defRPr/>
+            </a:pPr>
+            <a:r>
+              <a:rPr lang="en-US" dirty="0">
+                <a:solidFill>
+                  <a:srgbClr val="404040"/>
+                </a:solidFill>
+              </a:rPr>
+              <a:t>Run Chunk 1</a:t>
+            </a:r>
+          </a:p>
+          <a:p>
+            <a:pPr marL="800100" lvl="1" indent="-342900">
+              <a:buFont typeface="Arial" panose="020B0604020202020204" pitchFamily="34" charset="0"/>
+              <a:buChar char="•"/>
+              <a:defRPr/>
+            </a:pPr>
+            <a:r>
+              <a:rPr lang="en-US" dirty="0">
+                <a:solidFill>
+                  <a:srgbClr val="404040"/>
+                </a:solidFill>
+              </a:rPr>
+              <a:t>Scenario for x1: You Ask BLANK Number of Students There Grades where Grades Follow a Normal Distribution with Mean=82 and SD=2</a:t>
+            </a:r>
+          </a:p>
+          <a:p>
+            <a:pPr lvl="1">
+              <a:defRPr/>
+            </a:pPr>
+            <a:endParaRPr lang="en-US" dirty="0">
+              <a:solidFill>
+                <a:srgbClr val="404040"/>
+              </a:solidFill>
+            </a:endParaRPr>
+          </a:p>
+          <a:p>
+            <a:pPr marL="800100" lvl="1" indent="-342900">
+              <a:buFont typeface="Arial" panose="020B0604020202020204" pitchFamily="34" charset="0"/>
+              <a:buChar char="•"/>
+              <a:defRPr/>
+            </a:pPr>
+            <a:r>
+              <a:rPr lang="en-US" dirty="0">
+                <a:solidFill>
+                  <a:srgbClr val="404040"/>
+                </a:solidFill>
+              </a:rPr>
+              <a:t>Scenario for x2: You Ask BLANK Number of Students to Roll a Fair Die 10 Times and Tell You the Number of 6’s that Appeared.</a:t>
+            </a:r>
+          </a:p>
+          <a:p>
+            <a:pPr marL="800100" lvl="1" indent="-342900">
+              <a:buFont typeface="Arial" panose="020B0604020202020204" pitchFamily="34" charset="0"/>
+              <a:buChar char="•"/>
+              <a:defRPr/>
+            </a:pPr>
+            <a:endParaRPr lang="en-US" dirty="0">
+              <a:solidFill>
+                <a:srgbClr val="404040"/>
+              </a:solidFill>
+            </a:endParaRPr>
+          </a:p>
+          <a:p>
+            <a:pPr marL="800100" lvl="1" indent="-342900">
+              <a:buFont typeface="Arial" panose="020B0604020202020204" pitchFamily="34" charset="0"/>
+              <a:buChar char="•"/>
+              <a:defRPr/>
+            </a:pPr>
+            <a:r>
+              <a:rPr lang="en-US" dirty="0">
+                <a:solidFill>
+                  <a:srgbClr val="404040"/>
+                </a:solidFill>
+              </a:rPr>
+              <a:t>Try Small and Large for BLANK</a:t>
+            </a:r>
+          </a:p>
+        </p:txBody>
+      </p:sp>
+    </p:spTree>
+    <p:custDataLst>
+      <p:tags r:id="rId1"/>
+    </p:custDataLst>
+    <p:extLst>
+      <p:ext uri="{BB962C8B-B14F-4D97-AF65-F5344CB8AC3E}">
+        <p14:creationId xmlns:p14="http://schemas.microsoft.com/office/powerpoint/2010/main" val="3637524151"/>
+      </p:ext>
+    </p:extLst>
+  </p:cSld>
+  <p:clrMapOvr>
+    <a:masterClrMapping/>
+  </p:clrMapOvr>
+</p:sld>
+</file>
+
+<file path=ppt/slides/slide16.xml><?xml version="1.0" encoding="utf-8"?>
+<p:sld xmlns:a="http://schemas.openxmlformats.org/drawingml/2006/main" xmlns:r="http://schemas.openxmlformats.org/officeDocument/2006/relationships" xmlns:p="http://schemas.openxmlformats.org/presentationml/2006/main">
+  <p:cSld>
+    <p:bg>
+      <p:bgPr>
+        <a:solidFill>
+          <a:schemeClr val="bg1">
+            <a:lumMod val="85000"/>
+          </a:schemeClr>
+        </a:solidFill>
+        <a:effectLst/>
+      </p:bgPr>
+    </p:bg>
+    <p:spTree>
+      <p:nvGrpSpPr>
+        <p:cNvPr id="1" name=""/>
+        <p:cNvGrpSpPr/>
+        <p:nvPr/>
+      </p:nvGrpSpPr>
+      <p:grpSpPr>
+        <a:xfrm>
+          <a:off x="0" y="0"/>
+          <a:ext cx="0" cy="0"/>
+          <a:chOff x="0" y="0"/>
+          <a:chExt cx="0" cy="0"/>
+        </a:xfrm>
+      </p:grpSpPr>
+      <p:sp>
+        <p:nvSpPr>
+          <p:cNvPr id="15" name="Rectangle 12">
+            <a:extLst>
+              <a:ext uri="{FF2B5EF4-FFF2-40B4-BE49-F238E27FC236}">
+                <a16:creationId xmlns:a16="http://schemas.microsoft.com/office/drawing/2014/main" id="{867D4867-5BA7-4462-B2F6-A23F4A622AA7}"/>
+              </a:ext>
+              <a:ext uri="{C183D7F6-B498-43B3-948B-1728B52AA6E4}">
+                <adec:decorative xmlns:adec="http://schemas.microsoft.com/office/drawing/2017/decorative" val="1"/>
+              </a:ext>
+            </a:extLst>
+          </p:cNvPr>
+          <p:cNvSpPr>
+            <a:spLocks noGrp="1" noRot="1" noChangeAspect="1" noMove="1" noResize="1" noEditPoints="1" noAdjustHandles="1" noChangeArrowheads="1" noChangeShapeType="1" noTextEdit="1"/>
+          </p:cNvSpPr>
+          <p:nvPr>
+            <p:extLst>
+              <p:ext uri="{386F3935-93C4-4BCD-93E2-E3B085C9AB24}">
+                <p16:designElem xmlns:p16="http://schemas.microsoft.com/office/powerpoint/2015/main" val="1"/>
+              </p:ext>
+            </p:extLst>
+          </p:nvPr>
+        </p:nvSpPr>
+        <p:spPr>
+          <a:xfrm>
+            <a:off x="0" y="0"/>
+            <a:ext cx="3490722" cy="6858000"/>
+          </a:xfrm>
+          <a:prstGeom prst="rect">
+            <a:avLst/>
+          </a:prstGeom>
+          <a:solidFill>
+            <a:schemeClr val="tx1">
+              <a:lumMod val="75000"/>
+              <a:lumOff val="25000"/>
+            </a:schemeClr>
+          </a:solidFill>
+          <a:ln>
+            <a:noFill/>
+          </a:ln>
+        </p:spPr>
+        <p:style>
+          <a:lnRef idx="0">
+            <a:scrgbClr r="0" g="0" b="0"/>
+          </a:lnRef>
+          <a:fillRef idx="0">
+            <a:scrgbClr r="0" g="0" b="0"/>
+          </a:fillRef>
+          <a:effectRef idx="0">
+            <a:scrgbClr r="0" g="0" b="0"/>
+          </a:effectRef>
+          <a:fontRef idx="minor">
+            <a:schemeClr val="lt1"/>
+          </a:fontRef>
+        </p:style>
+        <p:txBody>
+          <a:bodyPr rtlCol="0" anchor="ctr"/>
+          <a:lstStyle/>
+          <a:p>
+            <a:pPr marL="0" marR="0" lvl="0" indent="0" algn="ctr" defTabSz="457200" rtl="0" eaLnBrk="1" fontAlgn="base" latinLnBrk="0" hangingPunct="1">
+              <a:lnSpc>
+                <a:spcPct val="100000"/>
+              </a:lnSpc>
+              <a:spcBef>
+                <a:spcPct val="0"/>
+              </a:spcBef>
+              <a:spcAft>
+                <a:spcPct val="0"/>
+              </a:spcAft>
+              <a:buClrTx/>
+              <a:buSzTx/>
+              <a:buFontTx/>
+              <a:buNone/>
+              <a:tabLst/>
+              <a:defRPr/>
+            </a:pPr>
+            <a:endParaRPr kumimoji="0" lang="en-US" sz="2400" b="0" i="0" u="none" strike="noStrike" kern="1200" cap="none" spc="0" normalizeH="0" baseline="0" noProof="0">
+              <a:ln>
+                <a:noFill/>
+              </a:ln>
+              <a:solidFill>
+                <a:prstClr val="white"/>
+              </a:solidFill>
+              <a:effectLst/>
+              <a:uLnTx/>
+              <a:uFillTx/>
+              <a:latin typeface="Calibri"/>
+              <a:ea typeface="+mn-ea"/>
+              <a:cs typeface="+mn-cs"/>
+            </a:endParaRPr>
+          </a:p>
+        </p:txBody>
+      </p:sp>
+      <p:sp>
+        <p:nvSpPr>
+          <p:cNvPr id="2" name="Title 1"/>
+          <p:cNvSpPr>
+            <a:spLocks noGrp="1"/>
+          </p:cNvSpPr>
+          <p:nvPr>
+            <p:ph type="title"/>
+          </p:nvPr>
+        </p:nvSpPr>
+        <p:spPr>
+          <a:xfrm>
+            <a:off x="482600" y="643467"/>
+            <a:ext cx="2522980" cy="1597315"/>
+          </a:xfrm>
+          <a:noFill/>
+          <a:ln w="19050">
+            <a:solidFill>
+              <a:schemeClr val="bg1"/>
+            </a:solidFill>
+          </a:ln>
+        </p:spPr>
+        <p:txBody>
+          <a:bodyPr vert="horz" wrap="square" lIns="91440" tIns="45720" rIns="91440" bIns="45720" rtlCol="0" anchor="ctr">
+            <a:normAutofit/>
+          </a:bodyPr>
+          <a:lstStyle/>
+          <a:p>
+            <a:pPr defTabSz="914400" eaLnBrk="1" hangingPunct="1">
+              <a:lnSpc>
+                <a:spcPct val="90000"/>
+              </a:lnSpc>
+            </a:pPr>
+            <a:r>
+              <a:rPr lang="en-US" sz="2400" dirty="0">
+                <a:solidFill>
+                  <a:schemeClr val="bg1"/>
+                </a:solidFill>
+              </a:rPr>
+              <a:t>Part 3: SRS</a:t>
+            </a:r>
+            <a:endParaRPr lang="en-US" sz="2400" kern="1200" dirty="0">
+              <a:solidFill>
+                <a:schemeClr val="bg1"/>
+              </a:solidFill>
+              <a:latin typeface="+mj-lt"/>
+              <a:ea typeface="+mj-ea"/>
+              <a:cs typeface="+mj-cs"/>
+            </a:endParaRPr>
+          </a:p>
+        </p:txBody>
+      </p:sp>
+      <p:pic>
+        <p:nvPicPr>
+          <p:cNvPr id="8" name="Picture 7">
+            <a:extLst>
+              <a:ext uri="{FF2B5EF4-FFF2-40B4-BE49-F238E27FC236}">
+                <a16:creationId xmlns:a16="http://schemas.microsoft.com/office/drawing/2014/main" id="{521D4292-9ECC-4DA5-8CC0-C561A0DA118E}"/>
+              </a:ext>
+            </a:extLst>
+          </p:cNvPr>
+          <p:cNvPicPr>
+            <a:picLocks noChangeAspect="1"/>
+          </p:cNvPicPr>
+          <p:nvPr/>
+        </p:nvPicPr>
+        <p:blipFill rotWithShape="1">
+          <a:blip r:embed="rId3"/>
+          <a:srcRect l="8000" r="9400"/>
+          <a:stretch/>
+        </p:blipFill>
+        <p:spPr>
+          <a:xfrm>
+            <a:off x="660103" y="3048000"/>
+            <a:ext cx="2167974" cy="2624666"/>
+          </a:xfrm>
+          <a:prstGeom prst="rect">
+            <a:avLst/>
+          </a:prstGeom>
+          <a:noFill/>
+        </p:spPr>
+      </p:pic>
+      <p:sp>
+        <p:nvSpPr>
+          <p:cNvPr id="6" name="TextBox 5">
+            <a:extLst>
+              <a:ext uri="{FF2B5EF4-FFF2-40B4-BE49-F238E27FC236}">
+                <a16:creationId xmlns:a16="http://schemas.microsoft.com/office/drawing/2014/main" id="{FC3DAEC3-3D5E-498E-BFE9-14205272B253}"/>
+              </a:ext>
+            </a:extLst>
+          </p:cNvPr>
+          <p:cNvSpPr txBox="1"/>
+          <p:nvPr/>
+        </p:nvSpPr>
+        <p:spPr>
+          <a:xfrm>
+            <a:off x="3781236" y="615207"/>
+            <a:ext cx="5286564" cy="3785652"/>
+          </a:xfrm>
+          <a:prstGeom prst="rect">
+            <a:avLst/>
+          </a:prstGeom>
+          <a:noFill/>
+        </p:spPr>
+        <p:txBody>
+          <a:bodyPr wrap="square" rtlCol="0">
+            <a:spAutoFit/>
+          </a:bodyPr>
+          <a:lstStyle/>
+          <a:p>
+            <a:pPr marL="342900" indent="-342900">
+              <a:buFont typeface="Arial" panose="020B0604020202020204" pitchFamily="34" charset="0"/>
+              <a:buChar char="•"/>
+              <a:defRPr/>
+            </a:pPr>
+            <a:r>
+              <a:rPr lang="en-US" dirty="0">
+                <a:solidFill>
+                  <a:srgbClr val="404040"/>
+                </a:solidFill>
+              </a:rPr>
+              <a:t>Sampling From Finite Set of Possible Outcomes</a:t>
+            </a:r>
+          </a:p>
+          <a:p>
+            <a:pPr marL="342900" indent="-342900">
+              <a:buFont typeface="Arial" panose="020B0604020202020204" pitchFamily="34" charset="0"/>
+              <a:buChar char="•"/>
+              <a:defRPr/>
+            </a:pPr>
+            <a:endParaRPr lang="en-US" dirty="0">
+              <a:solidFill>
+                <a:srgbClr val="404040"/>
+              </a:solidFill>
+            </a:endParaRPr>
+          </a:p>
+          <a:p>
+            <a:pPr marL="342900" indent="-342900">
+              <a:buFont typeface="Arial" panose="020B0604020202020204" pitchFamily="34" charset="0"/>
+              <a:buChar char="•"/>
+              <a:defRPr/>
+            </a:pPr>
+            <a:r>
+              <a:rPr lang="en-US" dirty="0">
+                <a:solidFill>
+                  <a:srgbClr val="404040"/>
+                </a:solidFill>
+              </a:rPr>
+              <a:t>Run Chunk 2</a:t>
+            </a:r>
+          </a:p>
+          <a:p>
+            <a:pPr marL="800100" lvl="1" indent="-342900">
+              <a:buFont typeface="Arial" panose="020B0604020202020204" pitchFamily="34" charset="0"/>
+              <a:buChar char="•"/>
+              <a:defRPr/>
+            </a:pPr>
+            <a:r>
+              <a:rPr lang="en-US" dirty="0">
+                <a:solidFill>
+                  <a:srgbClr val="404040"/>
+                </a:solidFill>
+              </a:rPr>
+              <a:t>Scenario: Flip k Coins</a:t>
+            </a:r>
+          </a:p>
+          <a:p>
+            <a:pPr marL="1257300" lvl="2" indent="-342900">
+              <a:buFont typeface="Arial" panose="020B0604020202020204" pitchFamily="34" charset="0"/>
+              <a:buChar char="•"/>
+              <a:defRPr/>
+            </a:pPr>
+            <a:r>
+              <a:rPr lang="en-US" dirty="0">
+                <a:solidFill>
+                  <a:srgbClr val="404040"/>
+                </a:solidFill>
+              </a:rPr>
+              <a:t>P(Heads) = BLANK </a:t>
+            </a:r>
+          </a:p>
+          <a:p>
+            <a:pPr marL="1257300" lvl="2" indent="-342900">
+              <a:buFont typeface="Arial" panose="020B0604020202020204" pitchFamily="34" charset="0"/>
+              <a:buChar char="•"/>
+              <a:defRPr/>
+            </a:pPr>
+            <a:r>
+              <a:rPr lang="en-US" dirty="0">
+                <a:solidFill>
+                  <a:srgbClr val="404040"/>
+                </a:solidFill>
+              </a:rPr>
+              <a:t>P(Tails) = 1-BLANK</a:t>
+            </a:r>
+          </a:p>
+          <a:p>
+            <a:pPr marL="800100" lvl="1" indent="-342900">
+              <a:buFont typeface="Arial" panose="020B0604020202020204" pitchFamily="34" charset="0"/>
+              <a:buChar char="•"/>
+              <a:defRPr/>
+            </a:pPr>
+            <a:r>
+              <a:rPr lang="en-US" dirty="0">
+                <a:solidFill>
+                  <a:srgbClr val="404040"/>
+                </a:solidFill>
+              </a:rPr>
+              <a:t>How would You Explain What the Figure is Showing to a Politician?</a:t>
+            </a:r>
+          </a:p>
+        </p:txBody>
+      </p:sp>
+    </p:spTree>
+    <p:custDataLst>
+      <p:tags r:id="rId1"/>
+    </p:custDataLst>
+    <p:extLst>
+      <p:ext uri="{BB962C8B-B14F-4D97-AF65-F5344CB8AC3E}">
+        <p14:creationId xmlns:p14="http://schemas.microsoft.com/office/powerpoint/2010/main" val="2729401136"/>
+      </p:ext>
+    </p:extLst>
+  </p:cSld>
+  <p:clrMapOvr>
+    <a:masterClrMapping/>
+  </p:clrMapOvr>
+</p:sld>
+</file>
+
+<file path=ppt/slides/slide17.xml><?xml version="1.0" encoding="utf-8"?>
+<p:sld xmlns:a="http://schemas.openxmlformats.org/drawingml/2006/main" xmlns:r="http://schemas.openxmlformats.org/officeDocument/2006/relationships" xmlns:p="http://schemas.openxmlformats.org/presentationml/2006/main">
+  <p:cSld>
+    <p:bg>
+      <p:bgPr>
+        <a:solidFill>
+          <a:schemeClr val="bg1">
+            <a:lumMod val="85000"/>
+          </a:schemeClr>
+        </a:solidFill>
+        <a:effectLst/>
+      </p:bgPr>
+    </p:bg>
+    <p:spTree>
+      <p:nvGrpSpPr>
+        <p:cNvPr id="1" name=""/>
+        <p:cNvGrpSpPr/>
+        <p:nvPr/>
+      </p:nvGrpSpPr>
+      <p:grpSpPr>
+        <a:xfrm>
+          <a:off x="0" y="0"/>
+          <a:ext cx="0" cy="0"/>
+          <a:chOff x="0" y="0"/>
+          <a:chExt cx="0" cy="0"/>
+        </a:xfrm>
+      </p:grpSpPr>
+      <p:sp>
+        <p:nvSpPr>
+          <p:cNvPr id="15" name="Rectangle 12">
+            <a:extLst>
+              <a:ext uri="{FF2B5EF4-FFF2-40B4-BE49-F238E27FC236}">
+                <a16:creationId xmlns:a16="http://schemas.microsoft.com/office/drawing/2014/main" id="{867D4867-5BA7-4462-B2F6-A23F4A622AA7}"/>
+              </a:ext>
+              <a:ext uri="{C183D7F6-B498-43B3-948B-1728B52AA6E4}">
+                <adec:decorative xmlns:adec="http://schemas.microsoft.com/office/drawing/2017/decorative" val="1"/>
+              </a:ext>
+            </a:extLst>
+          </p:cNvPr>
+          <p:cNvSpPr>
+            <a:spLocks noGrp="1" noRot="1" noChangeAspect="1" noMove="1" noResize="1" noEditPoints="1" noAdjustHandles="1" noChangeArrowheads="1" noChangeShapeType="1" noTextEdit="1"/>
+          </p:cNvSpPr>
+          <p:nvPr>
+            <p:extLst>
+              <p:ext uri="{386F3935-93C4-4BCD-93E2-E3B085C9AB24}">
+                <p16:designElem xmlns:p16="http://schemas.microsoft.com/office/powerpoint/2015/main" val="1"/>
+              </p:ext>
+            </p:extLst>
+          </p:nvPr>
+        </p:nvSpPr>
+        <p:spPr>
+          <a:xfrm>
+            <a:off x="0" y="0"/>
+            <a:ext cx="3490722" cy="6858000"/>
+          </a:xfrm>
+          <a:prstGeom prst="rect">
+            <a:avLst/>
+          </a:prstGeom>
+          <a:solidFill>
+            <a:schemeClr val="tx1">
+              <a:lumMod val="75000"/>
+              <a:lumOff val="25000"/>
+            </a:schemeClr>
+          </a:solidFill>
+          <a:ln>
+            <a:noFill/>
+          </a:ln>
+        </p:spPr>
+        <p:style>
+          <a:lnRef idx="0">
+            <a:scrgbClr r="0" g="0" b="0"/>
+          </a:lnRef>
+          <a:fillRef idx="0">
+            <a:scrgbClr r="0" g="0" b="0"/>
+          </a:fillRef>
+          <a:effectRef idx="0">
+            <a:scrgbClr r="0" g="0" b="0"/>
+          </a:effectRef>
+          <a:fontRef idx="minor">
+            <a:schemeClr val="lt1"/>
+          </a:fontRef>
+        </p:style>
+        <p:txBody>
+          <a:bodyPr rtlCol="0" anchor="ctr"/>
+          <a:lstStyle/>
+          <a:p>
+            <a:pPr algn="ctr"/>
+            <a:endParaRPr lang="en-US"/>
+          </a:p>
+        </p:txBody>
+      </p:sp>
+      <p:sp>
+        <p:nvSpPr>
+          <p:cNvPr id="2" name="Title 1"/>
+          <p:cNvSpPr>
+            <a:spLocks noGrp="1"/>
+          </p:cNvSpPr>
+          <p:nvPr>
+            <p:ph type="title"/>
+          </p:nvPr>
+        </p:nvSpPr>
+        <p:spPr>
+          <a:xfrm>
+            <a:off x="482600" y="643467"/>
+            <a:ext cx="2522980" cy="1597315"/>
+          </a:xfrm>
+          <a:noFill/>
+          <a:ln w="19050">
+            <a:solidFill>
+              <a:schemeClr val="bg1"/>
+            </a:solidFill>
+          </a:ln>
+        </p:spPr>
+        <p:txBody>
+          <a:bodyPr vert="horz" wrap="square" lIns="91440" tIns="45720" rIns="91440" bIns="45720" rtlCol="0" anchor="ctr">
+            <a:normAutofit/>
+          </a:bodyPr>
+          <a:lstStyle/>
+          <a:p>
+            <a:pPr defTabSz="914400" eaLnBrk="1" hangingPunct="1">
+              <a:lnSpc>
+                <a:spcPct val="90000"/>
+              </a:lnSpc>
+            </a:pPr>
+            <a:r>
+              <a:rPr lang="en-US" sz="2400" kern="1200">
+                <a:solidFill>
+                  <a:schemeClr val="bg1"/>
+                </a:solidFill>
+                <a:latin typeface="+mj-lt"/>
+                <a:ea typeface="+mj-ea"/>
+                <a:cs typeface="+mj-cs"/>
+              </a:rPr>
+              <a:t>Closing</a:t>
+            </a:r>
+            <a:endParaRPr lang="en-US" sz="2400" kern="1200" dirty="0">
+              <a:solidFill>
+                <a:schemeClr val="bg1"/>
+              </a:solidFill>
+              <a:latin typeface="+mj-lt"/>
+              <a:ea typeface="+mj-ea"/>
+              <a:cs typeface="+mj-cs"/>
+            </a:endParaRPr>
+          </a:p>
+        </p:txBody>
+      </p:sp>
+      <p:pic>
+        <p:nvPicPr>
+          <p:cNvPr id="8" name="Picture 7">
+            <a:extLst>
+              <a:ext uri="{FF2B5EF4-FFF2-40B4-BE49-F238E27FC236}">
+                <a16:creationId xmlns:a16="http://schemas.microsoft.com/office/drawing/2014/main" id="{521D4292-9ECC-4DA5-8CC0-C561A0DA118E}"/>
+              </a:ext>
+            </a:extLst>
+          </p:cNvPr>
+          <p:cNvPicPr>
+            <a:picLocks noChangeAspect="1"/>
+          </p:cNvPicPr>
+          <p:nvPr/>
+        </p:nvPicPr>
+        <p:blipFill rotWithShape="1">
+          <a:blip r:embed="rId3"/>
+          <a:srcRect l="8000" r="9400"/>
+          <a:stretch/>
+        </p:blipFill>
+        <p:spPr>
+          <a:xfrm>
+            <a:off x="660103" y="3048000"/>
+            <a:ext cx="2167974" cy="2624666"/>
+          </a:xfrm>
+          <a:prstGeom prst="rect">
+            <a:avLst/>
+          </a:prstGeom>
+          <a:noFill/>
+        </p:spPr>
+      </p:pic>
+      <p:sp>
+        <p:nvSpPr>
+          <p:cNvPr id="7" name="Content Placeholder 2">
+            <a:extLst>
+              <a:ext uri="{FF2B5EF4-FFF2-40B4-BE49-F238E27FC236}">
+                <a16:creationId xmlns:a16="http://schemas.microsoft.com/office/drawing/2014/main" id="{8FE51533-15BE-453E-90FE-08298901BC34}"/>
+              </a:ext>
+            </a:extLst>
+          </p:cNvPr>
+          <p:cNvSpPr txBox="1">
+            <a:spLocks/>
+          </p:cNvSpPr>
+          <p:nvPr/>
+        </p:nvSpPr>
+        <p:spPr bwMode="auto">
+          <a:xfrm>
+            <a:off x="3810000" y="643466"/>
+            <a:ext cx="4851400" cy="5833533"/>
+          </a:xfrm>
+          <a:prstGeom prst="rect">
+            <a:avLst/>
+          </a:prstGeom>
+        </p:spPr>
+        <p:txBody>
+          <a:bodyPr vert="horz" lIns="91440" tIns="45720" rIns="91440" bIns="45720" numCol="1" rtlCol="0" anchorCtr="0" compatLnSpc="1">
+            <a:prstTxWarp prst="textNoShape">
+              <a:avLst/>
+            </a:prstTxWarp>
+            <a:noAutofit/>
+          </a:bodyPr>
+          <a:lstStyle>
+            <a:lvl1pPr marL="342900" indent="-342900" algn="l" defTabSz="457200" rtl="0" eaLnBrk="0" fontAlgn="base" hangingPunct="0">
+              <a:spcBef>
+                <a:spcPct val="20000"/>
+              </a:spcBef>
+              <a:spcAft>
+                <a:spcPct val="0"/>
+              </a:spcAft>
+              <a:buFont typeface="Arial" charset="0"/>
+              <a:buChar char="•"/>
+              <a:defRPr sz="3200" kern="1200">
+                <a:solidFill>
+                  <a:schemeClr val="tx1"/>
+                </a:solidFill>
+                <a:latin typeface="+mn-lt"/>
+                <a:ea typeface="ＭＳ Ｐゴシック" pitchFamily="-109" charset="-128"/>
+                <a:cs typeface="ＭＳ Ｐゴシック" pitchFamily="-109" charset="-128"/>
+              </a:defRPr>
+            </a:lvl1pPr>
+            <a:lvl2pPr marL="742950" indent="-285750" algn="l" defTabSz="457200" rtl="0" eaLnBrk="0" fontAlgn="base" hangingPunct="0">
+              <a:spcBef>
+                <a:spcPct val="20000"/>
+              </a:spcBef>
+              <a:spcAft>
+                <a:spcPct val="0"/>
+              </a:spcAft>
+              <a:buFont typeface="Arial" charset="0"/>
+              <a:buChar char="–"/>
+              <a:defRPr sz="2800" kern="1200">
+                <a:solidFill>
+                  <a:schemeClr val="tx1"/>
+                </a:solidFill>
+                <a:latin typeface="+mn-lt"/>
+                <a:ea typeface="ＭＳ Ｐゴシック" pitchFamily="-109" charset="-128"/>
+                <a:cs typeface="+mn-cs"/>
+              </a:defRPr>
+            </a:lvl2pPr>
+            <a:lvl3pPr marL="1143000" indent="-228600" algn="l" defTabSz="457200" rtl="0" eaLnBrk="0" fontAlgn="base" hangingPunct="0">
+              <a:spcBef>
+                <a:spcPct val="20000"/>
+              </a:spcBef>
+              <a:spcAft>
+                <a:spcPct val="0"/>
+              </a:spcAft>
+              <a:buFont typeface="Arial" charset="0"/>
+              <a:buChar char="•"/>
+              <a:defRPr sz="2400" kern="1200">
+                <a:solidFill>
+                  <a:schemeClr val="tx1"/>
+                </a:solidFill>
+                <a:latin typeface="+mn-lt"/>
+                <a:ea typeface="ＭＳ Ｐゴシック" pitchFamily="-109" charset="-128"/>
+                <a:cs typeface="+mn-cs"/>
+              </a:defRPr>
+            </a:lvl3pPr>
+            <a:lvl4pPr marL="1600200" indent="-228600" algn="l" defTabSz="457200" rtl="0" eaLnBrk="0" fontAlgn="base" hangingPunct="0">
+              <a:spcBef>
+                <a:spcPct val="20000"/>
+              </a:spcBef>
+              <a:spcAft>
+                <a:spcPct val="0"/>
+              </a:spcAft>
+              <a:buFont typeface="Arial" charset="0"/>
+              <a:buChar char="–"/>
+              <a:defRPr sz="2000" kern="1200">
+                <a:solidFill>
+                  <a:schemeClr val="tx1"/>
+                </a:solidFill>
+                <a:latin typeface="+mn-lt"/>
+                <a:ea typeface="ＭＳ Ｐゴシック" pitchFamily="-109" charset="-128"/>
+                <a:cs typeface="+mn-cs"/>
+              </a:defRPr>
+            </a:lvl4pPr>
+            <a:lvl5pPr marL="2057400" indent="-228600" algn="l" defTabSz="457200" rtl="0" eaLnBrk="0" fontAlgn="base" hangingPunct="0">
+              <a:spcBef>
+                <a:spcPct val="20000"/>
+              </a:spcBef>
+              <a:spcAft>
+                <a:spcPct val="0"/>
+              </a:spcAft>
+              <a:buFont typeface="Arial" charset="0"/>
+              <a:buChar char="»"/>
+              <a:defRPr sz="2000" kern="1200">
+                <a:solidFill>
+                  <a:schemeClr val="tx1"/>
+                </a:solidFill>
+                <a:latin typeface="+mn-lt"/>
+                <a:ea typeface="ＭＳ Ｐゴシック" pitchFamily="-109" charset="-128"/>
+                <a:cs typeface="+mn-cs"/>
+              </a:defRPr>
+            </a:lvl5pPr>
+            <a:lvl6pPr marL="2514600" indent="-228600" algn="l" defTabSz="457200" rtl="0" eaLnBrk="1" latinLnBrk="0" hangingPunct="1">
+              <a:spcBef>
+                <a:spcPct val="20000"/>
+              </a:spcBef>
+              <a:buFont typeface="Arial"/>
+              <a:buChar char="•"/>
+              <a:defRPr sz="2000" kern="1200">
+                <a:solidFill>
+                  <a:schemeClr val="tx1"/>
+                </a:solidFill>
+                <a:latin typeface="+mn-lt"/>
+                <a:ea typeface="+mn-ea"/>
+                <a:cs typeface="+mn-cs"/>
+              </a:defRPr>
+            </a:lvl6pPr>
+            <a:lvl7pPr marL="2971800" indent="-228600" algn="l" defTabSz="457200" rtl="0" eaLnBrk="1" latinLnBrk="0" hangingPunct="1">
+              <a:spcBef>
+                <a:spcPct val="20000"/>
+              </a:spcBef>
+              <a:buFont typeface="Arial"/>
+              <a:buChar char="•"/>
+              <a:defRPr sz="2000" kern="1200">
+                <a:solidFill>
+                  <a:schemeClr val="tx1"/>
+                </a:solidFill>
+                <a:latin typeface="+mn-lt"/>
+                <a:ea typeface="+mn-ea"/>
+                <a:cs typeface="+mn-cs"/>
+              </a:defRPr>
+            </a:lvl7pPr>
+            <a:lvl8pPr marL="3429000" indent="-228600" algn="l" defTabSz="457200" rtl="0" eaLnBrk="1" latinLnBrk="0" hangingPunct="1">
+              <a:spcBef>
+                <a:spcPct val="20000"/>
+              </a:spcBef>
+              <a:buFont typeface="Arial"/>
+              <a:buChar char="•"/>
+              <a:defRPr sz="2000" kern="1200">
+                <a:solidFill>
+                  <a:schemeClr val="tx1"/>
+                </a:solidFill>
+                <a:latin typeface="+mn-lt"/>
+                <a:ea typeface="+mn-ea"/>
+                <a:cs typeface="+mn-cs"/>
+              </a:defRPr>
+            </a:lvl8pPr>
+            <a:lvl9pPr marL="3886200" indent="-228600" algn="l" defTabSz="457200" rtl="0" eaLnBrk="1" latinLnBrk="0" hangingPunct="1">
+              <a:spcBef>
+                <a:spcPct val="20000"/>
+              </a:spcBef>
+              <a:buFont typeface="Arial"/>
+              <a:buChar char="•"/>
+              <a:defRPr sz="2000" kern="1200">
+                <a:solidFill>
+                  <a:schemeClr val="tx1"/>
+                </a:solidFill>
+                <a:latin typeface="+mn-lt"/>
+                <a:ea typeface="+mn-ea"/>
+                <a:cs typeface="+mn-cs"/>
+              </a:defRPr>
+            </a:lvl9pPr>
+          </a:lstStyle>
+          <a:p>
+            <a:pPr indent="-228600" defTabSz="914400" eaLnBrk="1" hangingPunct="1">
+              <a:lnSpc>
+                <a:spcPct val="90000"/>
+              </a:lnSpc>
+              <a:buFont typeface="Arial" panose="020B0604020202020204" pitchFamily="34" charset="0"/>
+              <a:buChar char="•"/>
+            </a:pPr>
+            <a:endParaRPr lang="en-US" sz="2000" dirty="0">
+              <a:solidFill>
+                <a:srgbClr val="404040"/>
+              </a:solidFill>
+              <a:ea typeface="+mn-ea"/>
+              <a:cs typeface="+mn-cs"/>
+            </a:endParaRPr>
+          </a:p>
+          <a:p>
+            <a:pPr indent="-228600" defTabSz="914400" eaLnBrk="1" hangingPunct="1">
+              <a:lnSpc>
+                <a:spcPct val="90000"/>
+              </a:lnSpc>
+              <a:buFont typeface="Arial" panose="020B0604020202020204" pitchFamily="34" charset="0"/>
+              <a:buChar char="•"/>
+            </a:pPr>
+            <a:endParaRPr lang="en-US" sz="2000" dirty="0">
+              <a:solidFill>
+                <a:srgbClr val="404040"/>
+              </a:solidFill>
+              <a:ea typeface="+mn-ea"/>
+              <a:cs typeface="+mn-cs"/>
+            </a:endParaRPr>
+          </a:p>
+        </p:txBody>
+      </p:sp>
+      <p:sp>
+        <p:nvSpPr>
+          <p:cNvPr id="10" name="Content Placeholder 2">
+            <a:extLst>
+              <a:ext uri="{FF2B5EF4-FFF2-40B4-BE49-F238E27FC236}">
+                <a16:creationId xmlns:a16="http://schemas.microsoft.com/office/drawing/2014/main" id="{10754C74-871F-42E2-A79F-10B9CCA16CD5}"/>
+              </a:ext>
+            </a:extLst>
+          </p:cNvPr>
+          <p:cNvSpPr txBox="1">
+            <a:spLocks/>
+          </p:cNvSpPr>
+          <p:nvPr/>
+        </p:nvSpPr>
+        <p:spPr bwMode="auto">
+          <a:xfrm>
+            <a:off x="3973322" y="643466"/>
+            <a:ext cx="4851400" cy="5953916"/>
+          </a:xfrm>
+          <a:prstGeom prst="rect">
+            <a:avLst/>
+          </a:prstGeom>
+        </p:spPr>
+        <p:txBody>
+          <a:bodyPr vert="horz" lIns="91440" tIns="45720" rIns="91440" bIns="45720" numCol="1" rtlCol="0" anchorCtr="0" compatLnSpc="1">
+            <a:prstTxWarp prst="textNoShape">
+              <a:avLst/>
+            </a:prstTxWarp>
+            <a:noAutofit/>
+          </a:bodyPr>
+          <a:lstStyle>
+            <a:lvl1pPr marL="342900" indent="-342900" algn="l" defTabSz="457200" rtl="0" eaLnBrk="0" fontAlgn="base" hangingPunct="0">
+              <a:spcBef>
+                <a:spcPct val="20000"/>
+              </a:spcBef>
+              <a:spcAft>
+                <a:spcPct val="0"/>
+              </a:spcAft>
+              <a:buFont typeface="Arial" charset="0"/>
+              <a:buChar char="•"/>
+              <a:defRPr sz="3200" kern="1200">
+                <a:solidFill>
+                  <a:schemeClr val="tx1"/>
+                </a:solidFill>
+                <a:latin typeface="+mn-lt"/>
+                <a:ea typeface="ＭＳ Ｐゴシック" pitchFamily="-109" charset="-128"/>
+                <a:cs typeface="ＭＳ Ｐゴシック" pitchFamily="-109" charset="-128"/>
+              </a:defRPr>
+            </a:lvl1pPr>
+            <a:lvl2pPr marL="742950" indent="-285750" algn="l" defTabSz="457200" rtl="0" eaLnBrk="0" fontAlgn="base" hangingPunct="0">
+              <a:spcBef>
+                <a:spcPct val="20000"/>
+              </a:spcBef>
+              <a:spcAft>
+                <a:spcPct val="0"/>
+              </a:spcAft>
+              <a:buFont typeface="Arial" charset="0"/>
+              <a:buChar char="–"/>
+              <a:defRPr sz="2800" kern="1200">
+                <a:solidFill>
+                  <a:schemeClr val="tx1"/>
+                </a:solidFill>
+                <a:latin typeface="+mn-lt"/>
+                <a:ea typeface="ＭＳ Ｐゴシック" pitchFamily="-109" charset="-128"/>
+                <a:cs typeface="+mn-cs"/>
+              </a:defRPr>
+            </a:lvl2pPr>
+            <a:lvl3pPr marL="1143000" indent="-228600" algn="l" defTabSz="457200" rtl="0" eaLnBrk="0" fontAlgn="base" hangingPunct="0">
+              <a:spcBef>
+                <a:spcPct val="20000"/>
+              </a:spcBef>
+              <a:spcAft>
+                <a:spcPct val="0"/>
+              </a:spcAft>
+              <a:buFont typeface="Arial" charset="0"/>
+              <a:buChar char="•"/>
+              <a:defRPr sz="2400" kern="1200">
+                <a:solidFill>
+                  <a:schemeClr val="tx1"/>
+                </a:solidFill>
+                <a:latin typeface="+mn-lt"/>
+                <a:ea typeface="ＭＳ Ｐゴシック" pitchFamily="-109" charset="-128"/>
+                <a:cs typeface="+mn-cs"/>
+              </a:defRPr>
+            </a:lvl3pPr>
+            <a:lvl4pPr marL="1600200" indent="-228600" algn="l" defTabSz="457200" rtl="0" eaLnBrk="0" fontAlgn="base" hangingPunct="0">
+              <a:spcBef>
+                <a:spcPct val="20000"/>
+              </a:spcBef>
+              <a:spcAft>
+                <a:spcPct val="0"/>
+              </a:spcAft>
+              <a:buFont typeface="Arial" charset="0"/>
+              <a:buChar char="–"/>
+              <a:defRPr sz="2000" kern="1200">
+                <a:solidFill>
+                  <a:schemeClr val="tx1"/>
+                </a:solidFill>
+                <a:latin typeface="+mn-lt"/>
+                <a:ea typeface="ＭＳ Ｐゴシック" pitchFamily="-109" charset="-128"/>
+                <a:cs typeface="+mn-cs"/>
+              </a:defRPr>
+            </a:lvl4pPr>
+            <a:lvl5pPr marL="2057400" indent="-228600" algn="l" defTabSz="457200" rtl="0" eaLnBrk="0" fontAlgn="base" hangingPunct="0">
+              <a:spcBef>
+                <a:spcPct val="20000"/>
+              </a:spcBef>
+              <a:spcAft>
+                <a:spcPct val="0"/>
+              </a:spcAft>
+              <a:buFont typeface="Arial" charset="0"/>
+              <a:buChar char="»"/>
+              <a:defRPr sz="2000" kern="1200">
+                <a:solidFill>
+                  <a:schemeClr val="tx1"/>
+                </a:solidFill>
+                <a:latin typeface="+mn-lt"/>
+                <a:ea typeface="ＭＳ Ｐゴシック" pitchFamily="-109" charset="-128"/>
+                <a:cs typeface="+mn-cs"/>
+              </a:defRPr>
+            </a:lvl5pPr>
+            <a:lvl6pPr marL="2514600" indent="-228600" algn="l" defTabSz="457200" rtl="0" eaLnBrk="1" latinLnBrk="0" hangingPunct="1">
+              <a:spcBef>
+                <a:spcPct val="20000"/>
+              </a:spcBef>
+              <a:buFont typeface="Arial"/>
+              <a:buChar char="•"/>
+              <a:defRPr sz="2000" kern="1200">
+                <a:solidFill>
+                  <a:schemeClr val="tx1"/>
+                </a:solidFill>
+                <a:latin typeface="+mn-lt"/>
+                <a:ea typeface="+mn-ea"/>
+                <a:cs typeface="+mn-cs"/>
+              </a:defRPr>
+            </a:lvl6pPr>
+            <a:lvl7pPr marL="2971800" indent="-228600" algn="l" defTabSz="457200" rtl="0" eaLnBrk="1" latinLnBrk="0" hangingPunct="1">
+              <a:spcBef>
+                <a:spcPct val="20000"/>
+              </a:spcBef>
+              <a:buFont typeface="Arial"/>
+              <a:buChar char="•"/>
+              <a:defRPr sz="2000" kern="1200">
+                <a:solidFill>
+                  <a:schemeClr val="tx1"/>
+                </a:solidFill>
+                <a:latin typeface="+mn-lt"/>
+                <a:ea typeface="+mn-ea"/>
+                <a:cs typeface="+mn-cs"/>
+              </a:defRPr>
+            </a:lvl7pPr>
+            <a:lvl8pPr marL="3429000" indent="-228600" algn="l" defTabSz="457200" rtl="0" eaLnBrk="1" latinLnBrk="0" hangingPunct="1">
+              <a:spcBef>
+                <a:spcPct val="20000"/>
+              </a:spcBef>
+              <a:buFont typeface="Arial"/>
+              <a:buChar char="•"/>
+              <a:defRPr sz="2000" kern="1200">
+                <a:solidFill>
+                  <a:schemeClr val="tx1"/>
+                </a:solidFill>
+                <a:latin typeface="+mn-lt"/>
+                <a:ea typeface="+mn-ea"/>
+                <a:cs typeface="+mn-cs"/>
+              </a:defRPr>
+            </a:lvl8pPr>
+            <a:lvl9pPr marL="3886200" indent="-228600" algn="l" defTabSz="457200" rtl="0" eaLnBrk="1" latinLnBrk="0" hangingPunct="1">
+              <a:spcBef>
+                <a:spcPct val="20000"/>
+              </a:spcBef>
+              <a:buFont typeface="Arial"/>
+              <a:buChar char="•"/>
+              <a:defRPr sz="2000" kern="1200">
+                <a:solidFill>
+                  <a:schemeClr val="tx1"/>
+                </a:solidFill>
+                <a:latin typeface="+mn-lt"/>
+                <a:ea typeface="+mn-ea"/>
+                <a:cs typeface="+mn-cs"/>
+              </a:defRPr>
+            </a:lvl9pPr>
+          </a:lstStyle>
+          <a:p>
+            <a:pPr marL="114300" indent="0" defTabSz="914400" eaLnBrk="1" hangingPunct="1">
+              <a:lnSpc>
+                <a:spcPct val="90000"/>
+              </a:lnSpc>
+              <a:buNone/>
+            </a:pPr>
+            <a:r>
+              <a:rPr lang="en-US" sz="7200" dirty="0">
+                <a:solidFill>
+                  <a:srgbClr val="404040"/>
+                </a:solidFill>
+                <a:ea typeface="+mn-ea"/>
+                <a:cs typeface="+mn-cs"/>
+              </a:rPr>
+              <a:t>Disperse and Make Reasonable Decisions</a:t>
+            </a:r>
+          </a:p>
+          <a:p>
+            <a:pPr indent="-228600" defTabSz="914400" eaLnBrk="1" hangingPunct="1">
+              <a:lnSpc>
+                <a:spcPct val="90000"/>
+              </a:lnSpc>
+              <a:buFont typeface="Arial" panose="020B0604020202020204" pitchFamily="34" charset="0"/>
+              <a:buChar char="•"/>
+            </a:pPr>
+            <a:endParaRPr lang="en-US" sz="7200" dirty="0">
+              <a:solidFill>
+                <a:srgbClr val="404040"/>
+              </a:solidFill>
+              <a:ea typeface="+mn-ea"/>
+              <a:cs typeface="+mn-cs"/>
+            </a:endParaRPr>
+          </a:p>
+          <a:p>
+            <a:pPr indent="-228600" defTabSz="914400" eaLnBrk="1" hangingPunct="1">
+              <a:lnSpc>
+                <a:spcPct val="90000"/>
+              </a:lnSpc>
+              <a:buFont typeface="Arial" panose="020B0604020202020204" pitchFamily="34" charset="0"/>
+              <a:buChar char="•"/>
+            </a:pPr>
+            <a:endParaRPr lang="en-US" sz="7200" dirty="0">
+              <a:solidFill>
+                <a:srgbClr val="404040"/>
+              </a:solidFill>
+              <a:ea typeface="+mn-ea"/>
+              <a:cs typeface="+mn-cs"/>
+            </a:endParaRPr>
+          </a:p>
+          <a:p>
+            <a:pPr indent="-228600" defTabSz="914400" eaLnBrk="1" hangingPunct="1">
+              <a:lnSpc>
+                <a:spcPct val="90000"/>
+              </a:lnSpc>
+              <a:buFont typeface="Arial" panose="020B0604020202020204" pitchFamily="34" charset="0"/>
+              <a:buChar char="•"/>
+            </a:pPr>
+            <a:endParaRPr lang="en-US" sz="7200" dirty="0">
+              <a:solidFill>
+                <a:srgbClr val="404040"/>
+              </a:solidFill>
+              <a:ea typeface="+mn-ea"/>
+              <a:cs typeface="+mn-cs"/>
+            </a:endParaRPr>
+          </a:p>
+          <a:p>
+            <a:pPr indent="-228600" defTabSz="914400" eaLnBrk="1" hangingPunct="1">
+              <a:lnSpc>
+                <a:spcPct val="90000"/>
+              </a:lnSpc>
+              <a:buFont typeface="Arial" panose="020B0604020202020204" pitchFamily="34" charset="0"/>
+              <a:buChar char="•"/>
+            </a:pPr>
+            <a:endParaRPr lang="en-US" sz="7200" dirty="0">
+              <a:solidFill>
+                <a:srgbClr val="404040"/>
+              </a:solidFill>
+              <a:ea typeface="+mn-ea"/>
+              <a:cs typeface="+mn-cs"/>
+            </a:endParaRPr>
+          </a:p>
+        </p:txBody>
+      </p:sp>
+    </p:spTree>
+    <p:custDataLst>
+      <p:tags r:id="rId1"/>
+    </p:custDataLst>
+    <p:extLst>
+      <p:ext uri="{BB962C8B-B14F-4D97-AF65-F5344CB8AC3E}">
+        <p14:creationId xmlns:p14="http://schemas.microsoft.com/office/powerpoint/2010/main" val="3647066437"/>
+      </p:ext>
+    </p:extLst>
+  </p:cSld>
+  <p:clrMapOvr>
+    <a:masterClrMapping/>
+  </p:clrMapOvr>
+</p:sld>
+</file>
+
 <file path=ppt/slides/slide2.xml><?xml version="1.0" encoding="utf-8"?>
 <p:sld xmlns:a="http://schemas.openxmlformats.org/drawingml/2006/main" xmlns:r="http://schemas.openxmlformats.org/officeDocument/2006/relationships" xmlns:p="http://schemas.openxmlformats.org/presentationml/2006/main">
   <p:cSld>
@@ -9155,7 +12637,7 @@
         </p:blipFill>
         <p:spPr bwMode="auto">
           <a:xfrm>
-            <a:off x="3813048" y="3657600"/>
+            <a:off x="3822192" y="4076700"/>
             <a:ext cx="5113867" cy="838200"/>
           </a:xfrm>
           <a:prstGeom prst="rect">
@@ -9173,6 +12655,335 @@
           </a:extLst>
         </p:spPr>
       </p:pic>
+      <p:sp>
+        <p:nvSpPr>
+          <p:cNvPr id="6" name="TextBox 5">
+            <a:extLst>
+              <a:ext uri="{FF2B5EF4-FFF2-40B4-BE49-F238E27FC236}">
+                <a16:creationId xmlns:a16="http://schemas.microsoft.com/office/drawing/2014/main" id="{E58EF064-51FF-48A9-8810-E84BE6F6F09D}"/>
+              </a:ext>
+            </a:extLst>
+          </p:cNvPr>
+          <p:cNvSpPr txBox="1"/>
+          <p:nvPr/>
+        </p:nvSpPr>
+        <p:spPr>
+          <a:xfrm>
+            <a:off x="3810000" y="533400"/>
+            <a:ext cx="5105400" cy="4154984"/>
+          </a:xfrm>
+          <a:prstGeom prst="rect">
+            <a:avLst/>
+          </a:prstGeom>
+          <a:noFill/>
+        </p:spPr>
+        <p:txBody>
+          <a:bodyPr wrap="square" rtlCol="0">
+            <a:spAutoFit/>
+            <a:scene3d>
+              <a:camera prst="orthographicFront"/>
+              <a:lightRig rig="threePt" dir="t"/>
+            </a:scene3d>
+            <a:sp3d extrusionH="57150">
+              <a:bevelT w="38100" h="38100" prst="angle"/>
+            </a:sp3d>
+          </a:bodyPr>
+          <a:lstStyle/>
+          <a:p>
+            <a:pPr marL="342900" marR="0" lvl="0" indent="-342900" algn="l" defTabSz="457200" rtl="0" eaLnBrk="1" fontAlgn="base" latinLnBrk="0" hangingPunct="1">
+              <a:lnSpc>
+                <a:spcPct val="100000"/>
+              </a:lnSpc>
+              <a:spcBef>
+                <a:spcPct val="0"/>
+              </a:spcBef>
+              <a:spcAft>
+                <a:spcPct val="0"/>
+              </a:spcAft>
+              <a:buClrTx/>
+              <a:buSzTx/>
+              <a:buFont typeface="Arial" panose="020B0604020202020204" pitchFamily="34" charset="0"/>
+              <a:buChar char="•"/>
+              <a:tabLst/>
+              <a:defRPr/>
+            </a:pPr>
+            <a:r>
+              <a:rPr lang="en-US" dirty="0">
+                <a:solidFill>
+                  <a:srgbClr val="404040"/>
+                </a:solidFill>
+              </a:rPr>
+              <a:t>Open Tutorial 9</a:t>
+            </a:r>
+          </a:p>
+          <a:p>
+            <a:pPr marL="342900" marR="0" lvl="0" indent="-342900" algn="l" defTabSz="457200" rtl="0" eaLnBrk="1" fontAlgn="base" latinLnBrk="0" hangingPunct="1">
+              <a:lnSpc>
+                <a:spcPct val="100000"/>
+              </a:lnSpc>
+              <a:spcBef>
+                <a:spcPct val="0"/>
+              </a:spcBef>
+              <a:spcAft>
+                <a:spcPct val="0"/>
+              </a:spcAft>
+              <a:buClrTx/>
+              <a:buSzTx/>
+              <a:buFont typeface="Arial" panose="020B0604020202020204" pitchFamily="34" charset="0"/>
+              <a:buChar char="•"/>
+              <a:tabLst/>
+              <a:defRPr/>
+            </a:pPr>
+            <a:endParaRPr lang="en-US" dirty="0">
+              <a:solidFill>
+                <a:srgbClr val="404040"/>
+              </a:solidFill>
+            </a:endParaRPr>
+          </a:p>
+          <a:p>
+            <a:pPr marL="342900" marR="0" lvl="0" indent="-342900" algn="l" defTabSz="457200" rtl="0" eaLnBrk="1" fontAlgn="base" latinLnBrk="0" hangingPunct="1">
+              <a:lnSpc>
+                <a:spcPct val="100000"/>
+              </a:lnSpc>
+              <a:spcBef>
+                <a:spcPct val="0"/>
+              </a:spcBef>
+              <a:spcAft>
+                <a:spcPct val="0"/>
+              </a:spcAft>
+              <a:buClrTx/>
+              <a:buSzTx/>
+              <a:buFont typeface="Arial" panose="020B0604020202020204" pitchFamily="34" charset="0"/>
+              <a:buChar char="•"/>
+              <a:tabLst/>
+              <a:defRPr/>
+            </a:pPr>
+            <a:r>
+              <a:rPr lang="en-US" dirty="0">
+                <a:solidFill>
+                  <a:srgbClr val="404040"/>
+                </a:solidFill>
+              </a:rPr>
+              <a:t>Packages Required:</a:t>
+            </a:r>
+          </a:p>
+          <a:p>
+            <a:pPr marL="800100" lvl="1" indent="-342900">
+              <a:buFont typeface="Arial" panose="020B0604020202020204" pitchFamily="34" charset="0"/>
+              <a:buChar char="•"/>
+              <a:defRPr/>
+            </a:pPr>
+            <a:r>
+              <a:rPr lang="en-US" dirty="0" err="1">
+                <a:solidFill>
+                  <a:srgbClr val="404040"/>
+                </a:solidFill>
+              </a:rPr>
+              <a:t>Tidyverse</a:t>
+            </a:r>
+            <a:endParaRPr lang="en-US" dirty="0">
+              <a:solidFill>
+                <a:srgbClr val="404040"/>
+              </a:solidFill>
+            </a:endParaRPr>
+          </a:p>
+          <a:p>
+            <a:pPr marL="800100" lvl="1" indent="-342900">
+              <a:buFont typeface="Arial" panose="020B0604020202020204" pitchFamily="34" charset="0"/>
+              <a:buChar char="•"/>
+              <a:defRPr/>
+            </a:pPr>
+            <a:r>
+              <a:rPr lang="en-US" dirty="0" err="1">
+                <a:solidFill>
+                  <a:srgbClr val="404040"/>
+                </a:solidFill>
+              </a:rPr>
+              <a:t>Ecdat</a:t>
+            </a:r>
+            <a:endParaRPr lang="en-US" dirty="0">
+              <a:solidFill>
+                <a:srgbClr val="404040"/>
+              </a:solidFill>
+            </a:endParaRPr>
+          </a:p>
+          <a:p>
+            <a:pPr marL="342900" marR="0" lvl="0" indent="-342900" algn="l" defTabSz="457200" rtl="0" eaLnBrk="1" fontAlgn="base" latinLnBrk="0" hangingPunct="1">
+              <a:lnSpc>
+                <a:spcPct val="100000"/>
+              </a:lnSpc>
+              <a:spcBef>
+                <a:spcPct val="0"/>
+              </a:spcBef>
+              <a:spcAft>
+                <a:spcPct val="0"/>
+              </a:spcAft>
+              <a:buClrTx/>
+              <a:buSzTx/>
+              <a:buFont typeface="Arial" panose="020B0604020202020204" pitchFamily="34" charset="0"/>
+              <a:buChar char="•"/>
+              <a:tabLst/>
+              <a:defRPr/>
+            </a:pPr>
+            <a:endParaRPr lang="en-US" dirty="0">
+              <a:solidFill>
+                <a:srgbClr val="404040"/>
+              </a:solidFill>
+            </a:endParaRPr>
+          </a:p>
+          <a:p>
+            <a:pPr marL="342900" marR="0" lvl="0" indent="-342900" algn="l" defTabSz="457200" rtl="0" eaLnBrk="1" fontAlgn="base" latinLnBrk="0" hangingPunct="1">
+              <a:lnSpc>
+                <a:spcPct val="100000"/>
+              </a:lnSpc>
+              <a:spcBef>
+                <a:spcPct val="0"/>
+              </a:spcBef>
+              <a:spcAft>
+                <a:spcPct val="0"/>
+              </a:spcAft>
+              <a:buClrTx/>
+              <a:buSzTx/>
+              <a:buFont typeface="Arial" panose="020B0604020202020204" pitchFamily="34" charset="0"/>
+              <a:buChar char="•"/>
+              <a:tabLst/>
+              <a:defRPr/>
+            </a:pPr>
+            <a:r>
+              <a:rPr lang="en-US" dirty="0">
+                <a:solidFill>
+                  <a:srgbClr val="404040"/>
+                </a:solidFill>
+              </a:rPr>
+              <a:t>Knit Document As You Go</a:t>
+            </a:r>
+          </a:p>
+          <a:p>
+            <a:pPr marR="0" lvl="0" algn="l" defTabSz="457200" rtl="0" eaLnBrk="1" fontAlgn="base" latinLnBrk="0" hangingPunct="1">
+              <a:lnSpc>
+                <a:spcPct val="100000"/>
+              </a:lnSpc>
+              <a:spcBef>
+                <a:spcPct val="0"/>
+              </a:spcBef>
+              <a:spcAft>
+                <a:spcPct val="0"/>
+              </a:spcAft>
+              <a:buClrTx/>
+              <a:buSzTx/>
+              <a:tabLst/>
+              <a:defRPr/>
+            </a:pPr>
+            <a:endParaRPr lang="en-US" dirty="0">
+              <a:solidFill>
+                <a:srgbClr val="404040"/>
+              </a:solidFill>
+            </a:endParaRPr>
+          </a:p>
+          <a:p>
+            <a:pPr marL="342900" marR="0" lvl="0" indent="-342900" algn="l" defTabSz="457200" rtl="0" eaLnBrk="1" fontAlgn="base" latinLnBrk="0" hangingPunct="1">
+              <a:lnSpc>
+                <a:spcPct val="100000"/>
+              </a:lnSpc>
+              <a:spcBef>
+                <a:spcPct val="0"/>
+              </a:spcBef>
+              <a:spcAft>
+                <a:spcPct val="0"/>
+              </a:spcAft>
+              <a:buClrTx/>
+              <a:buSzTx/>
+              <a:buFont typeface="Arial" panose="020B0604020202020204" pitchFamily="34" charset="0"/>
+              <a:buChar char="•"/>
+              <a:tabLst/>
+              <a:defRPr/>
+            </a:pPr>
+            <a:r>
+              <a:rPr lang="en-US" dirty="0">
+                <a:solidFill>
+                  <a:srgbClr val="404040"/>
+                </a:solidFill>
+              </a:rPr>
+              <a:t>Read Introduction</a:t>
+            </a:r>
+          </a:p>
+          <a:p>
+            <a:pPr marL="342900" marR="0" lvl="0" indent="-342900" algn="l" defTabSz="457200" rtl="0" eaLnBrk="1" fontAlgn="base" latinLnBrk="0" hangingPunct="1">
+              <a:lnSpc>
+                <a:spcPct val="100000"/>
+              </a:lnSpc>
+              <a:spcBef>
+                <a:spcPct val="0"/>
+              </a:spcBef>
+              <a:spcAft>
+                <a:spcPct val="0"/>
+              </a:spcAft>
+              <a:buClrTx/>
+              <a:buSzTx/>
+              <a:buFont typeface="Arial" panose="020B0604020202020204" pitchFamily="34" charset="0"/>
+              <a:buChar char="•"/>
+              <a:tabLst/>
+              <a:defRPr/>
+            </a:pPr>
+            <a:endParaRPr lang="en-US" dirty="0">
+              <a:solidFill>
+                <a:srgbClr val="404040"/>
+              </a:solidFill>
+            </a:endParaRPr>
+          </a:p>
+          <a:p>
+            <a:pPr marL="342900" marR="0" lvl="0" indent="-342900" algn="l" defTabSz="457200" rtl="0" eaLnBrk="1" fontAlgn="base" latinLnBrk="0" hangingPunct="1">
+              <a:lnSpc>
+                <a:spcPct val="100000"/>
+              </a:lnSpc>
+              <a:spcBef>
+                <a:spcPct val="0"/>
+              </a:spcBef>
+              <a:spcAft>
+                <a:spcPct val="0"/>
+              </a:spcAft>
+              <a:buClrTx/>
+              <a:buSzTx/>
+              <a:buFont typeface="Arial" panose="020B0604020202020204" pitchFamily="34" charset="0"/>
+              <a:buChar char="•"/>
+              <a:tabLst/>
+              <a:defRPr/>
+            </a:pPr>
+            <a:r>
+              <a:rPr lang="en-US" dirty="0">
+                <a:solidFill>
+                  <a:schemeClr val="bg1"/>
+                </a:solidFill>
+                <a:effectLst>
+                  <a:innerShdw blurRad="63500" dist="50800" dir="5400000">
+                    <a:prstClr val="black">
+                      <a:alpha val="50000"/>
+                    </a:prstClr>
+                  </a:innerShdw>
+                </a:effectLst>
+              </a:rPr>
+              <a:t>Prepare Your Minds for the Matrix</a:t>
+            </a:r>
+            <a:endParaRPr kumimoji="0" lang="en-US" sz="3800" b="0" i="0" u="none" strike="noStrike" kern="1200" cap="none" spc="0" normalizeH="0" baseline="0" noProof="0" dirty="0">
+              <a:ln>
+                <a:noFill/>
+              </a:ln>
+              <a:solidFill>
+                <a:schemeClr val="bg1"/>
+              </a:solidFill>
+              <a:effectLst>
+                <a:innerShdw blurRad="63500" dist="50800" dir="5400000">
+                  <a:prstClr val="black">
+                    <a:alpha val="50000"/>
+                  </a:prstClr>
+                </a:innerShdw>
+              </a:effectLst>
+              <a:uLnTx/>
+              <a:uFillTx/>
+            </a:endParaRPr>
+          </a:p>
+        </p:txBody>
+      </p:sp>
       <p:sp>
         <p:nvSpPr>
           <p:cNvPr id="15" name="Rectangle 12">
@@ -9343,297 +13154,6 @@
           <a:noFill/>
         </p:spPr>
       </p:pic>
-      <p:sp>
-        <p:nvSpPr>
-          <p:cNvPr id="6" name="TextBox 5">
-            <a:extLst>
-              <a:ext uri="{FF2B5EF4-FFF2-40B4-BE49-F238E27FC236}">
-                <a16:creationId xmlns:a16="http://schemas.microsoft.com/office/drawing/2014/main" id="{E58EF064-51FF-48A9-8810-E84BE6F6F09D}"/>
-              </a:ext>
-            </a:extLst>
-          </p:cNvPr>
-          <p:cNvSpPr txBox="1"/>
-          <p:nvPr/>
-        </p:nvSpPr>
-        <p:spPr>
-          <a:xfrm>
-            <a:off x="3810000" y="533400"/>
-            <a:ext cx="5105400" cy="3785652"/>
-          </a:xfrm>
-          <a:prstGeom prst="rect">
-            <a:avLst/>
-          </a:prstGeom>
-          <a:noFill/>
-        </p:spPr>
-        <p:txBody>
-          <a:bodyPr wrap="square" rtlCol="0">
-            <a:spAutoFit/>
-          </a:bodyPr>
-          <a:lstStyle/>
-          <a:p>
-            <a:pPr marL="342900" marR="0" lvl="0" indent="-342900" algn="l" defTabSz="457200" rtl="0" eaLnBrk="1" fontAlgn="base" latinLnBrk="0" hangingPunct="1">
-              <a:lnSpc>
-                <a:spcPct val="100000"/>
-              </a:lnSpc>
-              <a:spcBef>
-                <a:spcPct val="0"/>
-              </a:spcBef>
-              <a:spcAft>
-                <a:spcPct val="0"/>
-              </a:spcAft>
-              <a:buClrTx/>
-              <a:buSzTx/>
-              <a:buFont typeface="Arial" panose="020B0604020202020204" pitchFamily="34" charset="0"/>
-              <a:buChar char="•"/>
-              <a:tabLst/>
-              <a:defRPr/>
-            </a:pPr>
-            <a:r>
-              <a:rPr lang="en-US" dirty="0">
-                <a:solidFill>
-                  <a:srgbClr val="404040"/>
-                </a:solidFill>
-              </a:rPr>
-              <a:t>Open Tutorial 9</a:t>
-            </a:r>
-          </a:p>
-          <a:p>
-            <a:pPr marL="342900" marR="0" lvl="0" indent="-342900" algn="l" defTabSz="457200" rtl="0" eaLnBrk="1" fontAlgn="base" latinLnBrk="0" hangingPunct="1">
-              <a:lnSpc>
-                <a:spcPct val="100000"/>
-              </a:lnSpc>
-              <a:spcBef>
-                <a:spcPct val="0"/>
-              </a:spcBef>
-              <a:spcAft>
-                <a:spcPct val="0"/>
-              </a:spcAft>
-              <a:buClrTx/>
-              <a:buSzTx/>
-              <a:buFont typeface="Arial" panose="020B0604020202020204" pitchFamily="34" charset="0"/>
-              <a:buChar char="•"/>
-              <a:tabLst/>
-              <a:defRPr/>
-            </a:pPr>
-            <a:endParaRPr lang="en-US" dirty="0">
-              <a:solidFill>
-                <a:srgbClr val="404040"/>
-              </a:solidFill>
-            </a:endParaRPr>
-          </a:p>
-          <a:p>
-            <a:pPr marL="342900" marR="0" lvl="0" indent="-342900" algn="l" defTabSz="457200" rtl="0" eaLnBrk="1" fontAlgn="base" latinLnBrk="0" hangingPunct="1">
-              <a:lnSpc>
-                <a:spcPct val="100000"/>
-              </a:lnSpc>
-              <a:spcBef>
-                <a:spcPct val="0"/>
-              </a:spcBef>
-              <a:spcAft>
-                <a:spcPct val="0"/>
-              </a:spcAft>
-              <a:buClrTx/>
-              <a:buSzTx/>
-              <a:buFont typeface="Arial" panose="020B0604020202020204" pitchFamily="34" charset="0"/>
-              <a:buChar char="•"/>
-              <a:tabLst/>
-              <a:defRPr/>
-            </a:pPr>
-            <a:r>
-              <a:rPr lang="en-US" dirty="0">
-                <a:solidFill>
-                  <a:srgbClr val="404040"/>
-                </a:solidFill>
-              </a:rPr>
-              <a:t>Packages Required:</a:t>
-            </a:r>
-          </a:p>
-          <a:p>
-            <a:pPr marL="800100" lvl="1" indent="-342900">
-              <a:buFont typeface="Arial" panose="020B0604020202020204" pitchFamily="34" charset="0"/>
-              <a:buChar char="•"/>
-              <a:defRPr/>
-            </a:pPr>
-            <a:r>
-              <a:rPr lang="en-US" dirty="0" err="1">
-                <a:solidFill>
-                  <a:srgbClr val="404040"/>
-                </a:solidFill>
-              </a:rPr>
-              <a:t>tidyverse</a:t>
-            </a:r>
-            <a:endParaRPr lang="en-US" dirty="0">
-              <a:solidFill>
-                <a:srgbClr val="404040"/>
-              </a:solidFill>
-            </a:endParaRPr>
-          </a:p>
-          <a:p>
-            <a:pPr marL="342900" marR="0" lvl="0" indent="-342900" algn="l" defTabSz="457200" rtl="0" eaLnBrk="1" fontAlgn="base" latinLnBrk="0" hangingPunct="1">
-              <a:lnSpc>
-                <a:spcPct val="100000"/>
-              </a:lnSpc>
-              <a:spcBef>
-                <a:spcPct val="0"/>
-              </a:spcBef>
-              <a:spcAft>
-                <a:spcPct val="0"/>
-              </a:spcAft>
-              <a:buClrTx/>
-              <a:buSzTx/>
-              <a:buFont typeface="Arial" panose="020B0604020202020204" pitchFamily="34" charset="0"/>
-              <a:buChar char="•"/>
-              <a:tabLst/>
-              <a:defRPr/>
-            </a:pPr>
-            <a:endParaRPr lang="en-US" dirty="0">
-              <a:solidFill>
-                <a:srgbClr val="404040"/>
-              </a:solidFill>
-            </a:endParaRPr>
-          </a:p>
-          <a:p>
-            <a:pPr marL="342900" marR="0" lvl="0" indent="-342900" algn="l" defTabSz="457200" rtl="0" eaLnBrk="1" fontAlgn="base" latinLnBrk="0" hangingPunct="1">
-              <a:lnSpc>
-                <a:spcPct val="100000"/>
-              </a:lnSpc>
-              <a:spcBef>
-                <a:spcPct val="0"/>
-              </a:spcBef>
-              <a:spcAft>
-                <a:spcPct val="0"/>
-              </a:spcAft>
-              <a:buClrTx/>
-              <a:buSzTx/>
-              <a:buFont typeface="Arial" panose="020B0604020202020204" pitchFamily="34" charset="0"/>
-              <a:buChar char="•"/>
-              <a:tabLst/>
-              <a:defRPr/>
-            </a:pPr>
-            <a:r>
-              <a:rPr lang="en-US" dirty="0">
-                <a:solidFill>
-                  <a:srgbClr val="404040"/>
-                </a:solidFill>
-              </a:rPr>
-              <a:t>Knit Document</a:t>
-            </a:r>
-          </a:p>
-          <a:p>
-            <a:pPr marL="342900" marR="0" lvl="0" indent="-342900" algn="l" defTabSz="457200" rtl="0" eaLnBrk="1" fontAlgn="base" latinLnBrk="0" hangingPunct="1">
-              <a:lnSpc>
-                <a:spcPct val="100000"/>
-              </a:lnSpc>
-              <a:spcBef>
-                <a:spcPct val="0"/>
-              </a:spcBef>
-              <a:spcAft>
-                <a:spcPct val="0"/>
-              </a:spcAft>
-              <a:buClrTx/>
-              <a:buSzTx/>
-              <a:buFont typeface="Arial" panose="020B0604020202020204" pitchFamily="34" charset="0"/>
-              <a:buChar char="•"/>
-              <a:tabLst/>
-              <a:defRPr/>
-            </a:pPr>
-            <a:endParaRPr lang="en-US" dirty="0">
-              <a:solidFill>
-                <a:srgbClr val="404040"/>
-              </a:solidFill>
-            </a:endParaRPr>
-          </a:p>
-          <a:p>
-            <a:pPr marL="342900" marR="0" lvl="0" indent="-342900" algn="l" defTabSz="457200" rtl="0" eaLnBrk="1" fontAlgn="base" latinLnBrk="0" hangingPunct="1">
-              <a:lnSpc>
-                <a:spcPct val="100000"/>
-              </a:lnSpc>
-              <a:spcBef>
-                <a:spcPct val="0"/>
-              </a:spcBef>
-              <a:spcAft>
-                <a:spcPct val="0"/>
-              </a:spcAft>
-              <a:buClrTx/>
-              <a:buSzTx/>
-              <a:buFont typeface="Arial" panose="020B0604020202020204" pitchFamily="34" charset="0"/>
-              <a:buChar char="•"/>
-              <a:tabLst/>
-              <a:defRPr/>
-            </a:pPr>
-            <a:r>
-              <a:rPr lang="en-US" dirty="0">
-                <a:solidFill>
-                  <a:srgbClr val="404040"/>
-                </a:solidFill>
-              </a:rPr>
-              <a:t>Read Introduction</a:t>
-            </a:r>
-          </a:p>
-          <a:p>
-            <a:pPr marL="342900" marR="0" lvl="0" indent="-342900" algn="l" defTabSz="457200" rtl="0" eaLnBrk="1" fontAlgn="base" latinLnBrk="0" hangingPunct="1">
-              <a:lnSpc>
-                <a:spcPct val="100000"/>
-              </a:lnSpc>
-              <a:spcBef>
-                <a:spcPct val="0"/>
-              </a:spcBef>
-              <a:spcAft>
-                <a:spcPct val="0"/>
-              </a:spcAft>
-              <a:buClrTx/>
-              <a:buSzTx/>
-              <a:buFont typeface="Arial" panose="020B0604020202020204" pitchFamily="34" charset="0"/>
-              <a:buChar char="•"/>
-              <a:tabLst/>
-              <a:defRPr/>
-            </a:pPr>
-            <a:endParaRPr lang="en-US" dirty="0">
-              <a:solidFill>
-                <a:srgbClr val="404040"/>
-              </a:solidFill>
-            </a:endParaRPr>
-          </a:p>
-          <a:p>
-            <a:pPr marL="342900" marR="0" lvl="0" indent="-342900" algn="l" defTabSz="457200" rtl="0" eaLnBrk="1" fontAlgn="base" latinLnBrk="0" hangingPunct="1">
-              <a:lnSpc>
-                <a:spcPct val="100000"/>
-              </a:lnSpc>
-              <a:spcBef>
-                <a:spcPct val="0"/>
-              </a:spcBef>
-              <a:spcAft>
-                <a:spcPct val="0"/>
-              </a:spcAft>
-              <a:buClrTx/>
-              <a:buSzTx/>
-              <a:buFont typeface="Arial" panose="020B0604020202020204" pitchFamily="34" charset="0"/>
-              <a:buChar char="•"/>
-              <a:tabLst/>
-              <a:defRPr/>
-            </a:pPr>
-            <a:r>
-              <a:rPr lang="en-US" dirty="0">
-                <a:solidFill>
-                  <a:schemeClr val="bg1"/>
-                </a:solidFill>
-              </a:rPr>
-              <a:t>Prepare Your Minds for the Matrix</a:t>
-            </a:r>
-            <a:endParaRPr kumimoji="0" lang="en-US" sz="3800" b="0" i="0" u="none" strike="noStrike" kern="1200" cap="none" spc="0" normalizeH="0" baseline="0" noProof="0" dirty="0">
-              <a:ln>
-                <a:noFill/>
-              </a:ln>
-              <a:solidFill>
-                <a:schemeClr val="bg1"/>
-              </a:solidFill>
-              <a:effectLst/>
-              <a:uLnTx/>
-              <a:uFillTx/>
-            </a:endParaRPr>
-          </a:p>
-        </p:txBody>
-      </p:sp>
     </p:spTree>
     <p:custDataLst>
       <p:tags r:id="rId1"/>
@@ -11708,7 +15228,7 @@
                   <a:schemeClr val="bg1"/>
                 </a:solidFill>
               </a:rPr>
-              <a:t>	ACTION UNTIL CONDITION = TRUE	</a:t>
+              <a:t>	ACTION UNTIL CONDITION = FALSE	</a:t>
             </a:r>
           </a:p>
           <a:p>
@@ -12037,7 +15557,7 @@
         <p:spPr>
           <a:xfrm>
             <a:off x="3810000" y="643972"/>
-            <a:ext cx="5181600" cy="830997"/>
+            <a:ext cx="5181600" cy="6001643"/>
           </a:xfrm>
           <a:prstGeom prst="rect">
             <a:avLst/>
@@ -12056,12 +15576,171 @@
               <a:defRPr/>
             </a:pPr>
             <a:r>
-              <a:rPr lang="en-US">
+              <a:rPr lang="en-US" dirty="0">
                 <a:solidFill>
                   <a:srgbClr val="404040"/>
                 </a:solidFill>
               </a:rPr>
-              <a:t>Run Chunk 1</a:t>
+              <a:t>Mental Process</a:t>
+            </a:r>
+          </a:p>
+          <a:p>
+            <a:pPr>
+              <a:defRPr/>
+            </a:pPr>
+            <a:endParaRPr lang="en-US" dirty="0">
+              <a:solidFill>
+                <a:srgbClr val="404040"/>
+              </a:solidFill>
+            </a:endParaRPr>
+          </a:p>
+          <a:p>
+            <a:pPr marL="800100" lvl="1" indent="-342900">
+              <a:buFont typeface="Arial" panose="020B0604020202020204" pitchFamily="34" charset="0"/>
+              <a:buChar char="•"/>
+              <a:defRPr/>
+            </a:pPr>
+            <a:r>
+              <a:rPr lang="en-US" dirty="0">
+                <a:solidFill>
+                  <a:srgbClr val="404040"/>
+                </a:solidFill>
+              </a:rPr>
+              <a:t>I Want to Do    ________ </a:t>
+            </a:r>
+          </a:p>
+          <a:p>
+            <a:pPr lvl="1">
+              <a:defRPr/>
+            </a:pPr>
+            <a:r>
+              <a:rPr lang="en-US" dirty="0">
+                <a:solidFill>
+                  <a:srgbClr val="404040"/>
+                </a:solidFill>
+              </a:rPr>
+              <a:t>    for Every        _________ </a:t>
+            </a:r>
+          </a:p>
+          <a:p>
+            <a:pPr lvl="1">
+              <a:defRPr/>
+            </a:pPr>
+            <a:r>
+              <a:rPr lang="en-US" dirty="0">
+                <a:solidFill>
+                  <a:srgbClr val="404040"/>
+                </a:solidFill>
+              </a:rPr>
+              <a:t>    until                 ________</a:t>
+            </a:r>
+          </a:p>
+          <a:p>
+            <a:pPr marL="800100" lvl="1" indent="-342900">
+              <a:buFont typeface="Arial" panose="020B0604020202020204" pitchFamily="34" charset="0"/>
+              <a:buChar char="•"/>
+              <a:defRPr/>
+            </a:pPr>
+            <a:endParaRPr lang="en-US" dirty="0">
+              <a:solidFill>
+                <a:srgbClr val="404040"/>
+              </a:solidFill>
+            </a:endParaRPr>
+          </a:p>
+          <a:p>
+            <a:pPr marL="800100" lvl="1" indent="-342900">
+              <a:buFont typeface="Arial" panose="020B0604020202020204" pitchFamily="34" charset="0"/>
+              <a:buChar char="•"/>
+              <a:defRPr/>
+            </a:pPr>
+            <a:r>
+              <a:rPr lang="en-US" dirty="0">
+                <a:solidFill>
+                  <a:srgbClr val="404040"/>
+                </a:solidFill>
+              </a:rPr>
+              <a:t>What Type of Object Do You Want Returned?</a:t>
+            </a:r>
+          </a:p>
+          <a:p>
+            <a:pPr marL="800100" lvl="1" indent="-342900">
+              <a:buFont typeface="Arial" panose="020B0604020202020204" pitchFamily="34" charset="0"/>
+              <a:buChar char="•"/>
+              <a:defRPr/>
+            </a:pPr>
+            <a:endParaRPr lang="en-US" dirty="0">
+              <a:solidFill>
+                <a:srgbClr val="404040"/>
+              </a:solidFill>
+            </a:endParaRPr>
+          </a:p>
+          <a:p>
+            <a:pPr marL="800100" lvl="1" indent="-342900">
+              <a:buFont typeface="Arial" panose="020B0604020202020204" pitchFamily="34" charset="0"/>
+              <a:buChar char="•"/>
+              <a:defRPr/>
+            </a:pPr>
+            <a:r>
+              <a:rPr lang="en-US" dirty="0">
+                <a:solidFill>
+                  <a:srgbClr val="404040"/>
+                </a:solidFill>
+              </a:rPr>
+              <a:t>Initiate a Starting Point Based on the Desired Output</a:t>
+            </a:r>
+          </a:p>
+          <a:p>
+            <a:pPr marL="800100" lvl="1" indent="-342900">
+              <a:buFont typeface="Arial" panose="020B0604020202020204" pitchFamily="34" charset="0"/>
+              <a:buChar char="•"/>
+              <a:defRPr/>
+            </a:pPr>
+            <a:endParaRPr lang="en-US" dirty="0">
+              <a:solidFill>
+                <a:srgbClr val="404040"/>
+              </a:solidFill>
+            </a:endParaRPr>
+          </a:p>
+          <a:p>
+            <a:pPr marL="800100" lvl="1" indent="-342900">
+              <a:buFont typeface="Arial" panose="020B0604020202020204" pitchFamily="34" charset="0"/>
+              <a:buChar char="•"/>
+              <a:defRPr/>
+            </a:pPr>
+            <a:r>
+              <a:rPr lang="en-US" dirty="0">
+                <a:solidFill>
+                  <a:srgbClr val="404040"/>
+                </a:solidFill>
+              </a:rPr>
+              <a:t>Try R Code on Single Instance</a:t>
+            </a:r>
+          </a:p>
+          <a:p>
+            <a:pPr marL="800100" lvl="1" indent="-342900">
+              <a:buFont typeface="Arial" panose="020B0604020202020204" pitchFamily="34" charset="0"/>
+              <a:buChar char="•"/>
+              <a:defRPr/>
+            </a:pPr>
+            <a:endParaRPr lang="en-US" dirty="0">
+              <a:solidFill>
+                <a:srgbClr val="404040"/>
+              </a:solidFill>
+            </a:endParaRPr>
+          </a:p>
+          <a:p>
+            <a:pPr marL="800100" lvl="1" indent="-342900">
+              <a:buFont typeface="Arial" panose="020B0604020202020204" pitchFamily="34" charset="0"/>
+              <a:buChar char="•"/>
+              <a:defRPr/>
+            </a:pPr>
+            <a:r>
+              <a:rPr lang="en-US" dirty="0">
+                <a:solidFill>
+                  <a:srgbClr val="404040"/>
+                </a:solidFill>
+              </a:rPr>
+              <a:t>Create the Loop</a:t>
             </a:r>
           </a:p>
           <a:p>
@@ -12084,7 +15763,7 @@
     </p:custDataLst>
     <p:extLst>
       <p:ext uri="{BB962C8B-B14F-4D97-AF65-F5344CB8AC3E}">
-        <p14:creationId xmlns:p14="http://schemas.microsoft.com/office/powerpoint/2010/main" val="2861648675"/>
+        <p14:creationId xmlns:p14="http://schemas.microsoft.com/office/powerpoint/2010/main" val="868277895"/>
       </p:ext>
     </p:extLst>
   </p:cSld>
@@ -12180,8 +15859,37 @@
           <a:bodyPr rtlCol="0" anchor="ctr"/>
           <a:lstStyle/>
           <a:p>
-            <a:pPr algn="ctr"/>
-            <a:endParaRPr lang="en-US"/>
+            <a:pPr marL="0" marR="0" lvl="0" indent="0" algn="ctr" defTabSz="457200" rtl="0" eaLnBrk="1" fontAlgn="base" latinLnBrk="0" hangingPunct="1">
+              <a:lnSpc>
+                <a:spcPct val="100000"/>
+              </a:lnSpc>
+              <a:spcBef>
+                <a:spcPct val="0"/>
+              </a:spcBef>
+              <a:spcAft>
+                <a:spcPct val="0"/>
+              </a:spcAft>
+              <a:buClrTx/>
+              <a:buSzTx/>
+              <a:buFontTx/>
+              <a:buNone/>
+              <a:tabLst/>
+              <a:defRPr/>
+            </a:pPr>
+            <a:endParaRPr kumimoji="0" lang="en-US" sz="2400" b="0" i="0" u="none" strike="noStrike" kern="1200" cap="none" spc="0" normalizeH="0" baseline="0" noProof="0">
+              <a:ln>
+                <a:noFill/>
+              </a:ln>
+              <a:solidFill>
+                <a:prstClr val="white"/>
+              </a:solidFill>
+              <a:effectLst/>
+              <a:uLnTx/>
+              <a:uFillTx/>
+              <a:latin typeface="Calibri"/>
+              <a:ea typeface="+mn-ea"/>
+              <a:cs typeface="+mn-cs"/>
+            </a:endParaRPr>
           </a:p>
         </p:txBody>
       </p:sp>
@@ -12219,15 +15927,12 @@
               </a:lnSpc>
             </a:pPr>
             <a:r>
-              <a:rPr lang="en-US" sz="2400" kern="1200">
+              <a:rPr lang="en-US" sz="2400" dirty="0">
                 <a:solidFill>
                   <a:schemeClr val="bg1"/>
                 </a:solidFill>
-                <a:latin typeface="+mj-lt"/>
-                <a:ea typeface="+mj-ea"/>
-                <a:cs typeface="+mj-cs"/>
-              </a:rPr>
-              <a:t>Closing</a:t>
+              </a:rPr>
+              <a:t>Part 2: Loops</a:t>
             </a:r>
             <a:endParaRPr lang="en-US" sz="2400" kern="1200" dirty="0">
               <a:solidFill>
@@ -12272,483 +15977,426 @@
       </p:pic>
       <p:sp>
         <p:nvSpPr>
-          <p:cNvPr id="7" name="Content Placeholder 2">
+          <p:cNvPr id="6" name="TextBox 5">
             <a:extLst>
               <a:ext uri="{FF2B5EF4-FFF2-40B4-BE49-F238E27FC236}">
-                <a16:creationId xmlns:a16="http://schemas.microsoft.com/office/drawing/2014/main" id="{8FE51533-15BE-453E-90FE-08298901BC34}"/>
+                <a16:creationId xmlns:a16="http://schemas.microsoft.com/office/drawing/2014/main" id="{E58EF064-51FF-48A9-8810-E84BE6F6F09D}"/>
               </a:ext>
             </a:extLst>
           </p:cNvPr>
-          <p:cNvSpPr txBox="1">
-            <a:spLocks/>
-          </p:cNvSpPr>
+          <p:cNvSpPr txBox="1"/>
           <p:nvPr/>
         </p:nvSpPr>
-        <p:spPr bwMode="auto">
+        <p:spPr>
           <a:xfrm>
-            <a:off x="3810000" y="643466"/>
-            <a:ext cx="4851400" cy="5833533"/>
+            <a:off x="3810000" y="643972"/>
+            <a:ext cx="5334000" cy="5632311"/>
           </a:xfrm>
           <a:prstGeom prst="rect">
             <a:avLst/>
           </a:prstGeom>
+          <a:noFill/>
         </p:spPr>
         <p:txBody>
-          <a:bodyPr vert="horz" lIns="91440" tIns="45720" rIns="91440" bIns="45720" numCol="1" rtlCol="0" anchorCtr="0" compatLnSpc="1">
-            <a:prstTxWarp prst="textNoShape">
-              <a:avLst/>
-            </a:prstTxWarp>
-            <a:noAutofit/>
+          <a:bodyPr wrap="square" rtlCol="0">
+            <a:spAutoFit/>
           </a:bodyPr>
-          <a:lstStyle>
-            <a:lvl1pPr marL="342900" indent="-342900" algn="l" defTabSz="457200" rtl="0" eaLnBrk="0" fontAlgn="base" hangingPunct="0">
-              <a:spcBef>
-                <a:spcPct val="20000"/>
-              </a:spcBef>
-              <a:spcAft>
-                <a:spcPct val="0"/>
-              </a:spcAft>
-              <a:buFont typeface="Arial" charset="0"/>
-              <a:buChar char="•"/>
-              <a:defRPr sz="3200" kern="1200">
-                <a:solidFill>
-                  <a:schemeClr val="tx1"/>
-                </a:solidFill>
-                <a:latin typeface="+mn-lt"/>
-                <a:ea typeface="ＭＳ Ｐゴシック" pitchFamily="-109" charset="-128"/>
-                <a:cs typeface="ＭＳ Ｐゴシック" pitchFamily="-109" charset="-128"/>
-              </a:defRPr>
-            </a:lvl1pPr>
-            <a:lvl2pPr marL="742950" indent="-285750" algn="l" defTabSz="457200" rtl="0" eaLnBrk="0" fontAlgn="base" hangingPunct="0">
-              <a:spcBef>
-                <a:spcPct val="20000"/>
-              </a:spcBef>
-              <a:spcAft>
-                <a:spcPct val="0"/>
-              </a:spcAft>
-              <a:buFont typeface="Arial" charset="0"/>
-              <a:buChar char="–"/>
-              <a:defRPr sz="2800" kern="1200">
-                <a:solidFill>
-                  <a:schemeClr val="tx1"/>
-                </a:solidFill>
-                <a:latin typeface="+mn-lt"/>
-                <a:ea typeface="ＭＳ Ｐゴシック" pitchFamily="-109" charset="-128"/>
-                <a:cs typeface="+mn-cs"/>
-              </a:defRPr>
-            </a:lvl2pPr>
-            <a:lvl3pPr marL="1143000" indent="-228600" algn="l" defTabSz="457200" rtl="0" eaLnBrk="0" fontAlgn="base" hangingPunct="0">
-              <a:spcBef>
-                <a:spcPct val="20000"/>
-              </a:spcBef>
-              <a:spcAft>
-                <a:spcPct val="0"/>
-              </a:spcAft>
-              <a:buFont typeface="Arial" charset="0"/>
-              <a:buChar char="•"/>
-              <a:defRPr sz="2400" kern="1200">
-                <a:solidFill>
-                  <a:schemeClr val="tx1"/>
-                </a:solidFill>
-                <a:latin typeface="+mn-lt"/>
-                <a:ea typeface="ＭＳ Ｐゴシック" pitchFamily="-109" charset="-128"/>
-                <a:cs typeface="+mn-cs"/>
-              </a:defRPr>
-            </a:lvl3pPr>
-            <a:lvl4pPr marL="1600200" indent="-228600" algn="l" defTabSz="457200" rtl="0" eaLnBrk="0" fontAlgn="base" hangingPunct="0">
-              <a:spcBef>
-                <a:spcPct val="20000"/>
-              </a:spcBef>
-              <a:spcAft>
-                <a:spcPct val="0"/>
-              </a:spcAft>
-              <a:buFont typeface="Arial" charset="0"/>
-              <a:buChar char="–"/>
-              <a:defRPr sz="2000" kern="1200">
-                <a:solidFill>
-                  <a:schemeClr val="tx1"/>
-                </a:solidFill>
-                <a:latin typeface="+mn-lt"/>
-                <a:ea typeface="ＭＳ Ｐゴシック" pitchFamily="-109" charset="-128"/>
-                <a:cs typeface="+mn-cs"/>
-              </a:defRPr>
-            </a:lvl4pPr>
-            <a:lvl5pPr marL="2057400" indent="-228600" algn="l" defTabSz="457200" rtl="0" eaLnBrk="0" fontAlgn="base" hangingPunct="0">
-              <a:spcBef>
-                <a:spcPct val="20000"/>
-              </a:spcBef>
-              <a:spcAft>
-                <a:spcPct val="0"/>
-              </a:spcAft>
-              <a:buFont typeface="Arial" charset="0"/>
-              <a:buChar char="»"/>
-              <a:defRPr sz="2000" kern="1200">
-                <a:solidFill>
-                  <a:schemeClr val="tx1"/>
-                </a:solidFill>
-                <a:latin typeface="+mn-lt"/>
-                <a:ea typeface="ＭＳ Ｐゴシック" pitchFamily="-109" charset="-128"/>
-                <a:cs typeface="+mn-cs"/>
-              </a:defRPr>
-            </a:lvl5pPr>
-            <a:lvl6pPr marL="2514600" indent="-228600" algn="l" defTabSz="457200" rtl="0" eaLnBrk="1" latinLnBrk="0" hangingPunct="1">
-              <a:spcBef>
-                <a:spcPct val="20000"/>
-              </a:spcBef>
-              <a:buFont typeface="Arial"/>
-              <a:buChar char="•"/>
-              <a:defRPr sz="2000" kern="1200">
-                <a:solidFill>
-                  <a:schemeClr val="tx1"/>
-                </a:solidFill>
-                <a:latin typeface="+mn-lt"/>
-                <a:ea typeface="+mn-ea"/>
-                <a:cs typeface="+mn-cs"/>
-              </a:defRPr>
-            </a:lvl6pPr>
-            <a:lvl7pPr marL="2971800" indent="-228600" algn="l" defTabSz="457200" rtl="0" eaLnBrk="1" latinLnBrk="0" hangingPunct="1">
-              <a:spcBef>
-                <a:spcPct val="20000"/>
-              </a:spcBef>
-              <a:buFont typeface="Arial"/>
-              <a:buChar char="•"/>
-              <a:defRPr sz="2000" kern="1200">
-                <a:solidFill>
-                  <a:schemeClr val="tx1"/>
-                </a:solidFill>
-                <a:latin typeface="+mn-lt"/>
-                <a:ea typeface="+mn-ea"/>
-                <a:cs typeface="+mn-cs"/>
-              </a:defRPr>
-            </a:lvl7pPr>
-            <a:lvl8pPr marL="3429000" indent="-228600" algn="l" defTabSz="457200" rtl="0" eaLnBrk="1" latinLnBrk="0" hangingPunct="1">
-              <a:spcBef>
-                <a:spcPct val="20000"/>
-              </a:spcBef>
-              <a:buFont typeface="Arial"/>
-              <a:buChar char="•"/>
-              <a:defRPr sz="2000" kern="1200">
-                <a:solidFill>
-                  <a:schemeClr val="tx1"/>
-                </a:solidFill>
-                <a:latin typeface="+mn-lt"/>
-                <a:ea typeface="+mn-ea"/>
-                <a:cs typeface="+mn-cs"/>
-              </a:defRPr>
-            </a:lvl8pPr>
-            <a:lvl9pPr marL="3886200" indent="-228600" algn="l" defTabSz="457200" rtl="0" eaLnBrk="1" latinLnBrk="0" hangingPunct="1">
-              <a:spcBef>
-                <a:spcPct val="20000"/>
-              </a:spcBef>
-              <a:buFont typeface="Arial"/>
-              <a:buChar char="•"/>
-              <a:defRPr sz="2000" kern="1200">
-                <a:solidFill>
-                  <a:schemeClr val="tx1"/>
-                </a:solidFill>
-                <a:latin typeface="+mn-lt"/>
-                <a:ea typeface="+mn-ea"/>
-                <a:cs typeface="+mn-cs"/>
-              </a:defRPr>
-            </a:lvl9pPr>
-          </a:lstStyle>
-          <a:p>
-            <a:pPr indent="-228600" defTabSz="914400" eaLnBrk="1" hangingPunct="1">
-              <a:lnSpc>
-                <a:spcPct val="90000"/>
-              </a:lnSpc>
+          <a:lstStyle/>
+          <a:p>
+            <a:pPr marL="342900" indent="-342900">
               <a:buFont typeface="Arial" panose="020B0604020202020204" pitchFamily="34" charset="0"/>
               <a:buChar char="•"/>
-            </a:pPr>
-            <a:endParaRPr lang="en-US" sz="2000" dirty="0">
+              <a:defRPr/>
+            </a:pPr>
+            <a:r>
+              <a:rPr lang="en-US" dirty="0">
+                <a:solidFill>
+                  <a:srgbClr val="404040"/>
+                </a:solidFill>
+              </a:rPr>
+              <a:t>Geometric Series</a:t>
+            </a:r>
+          </a:p>
+          <a:p>
+            <a:pPr marL="342900" indent="-342900">
+              <a:buFont typeface="Arial" panose="020B0604020202020204" pitchFamily="34" charset="0"/>
+              <a:buChar char="•"/>
+              <a:defRPr/>
+            </a:pPr>
+            <a:endParaRPr lang="en-US" dirty="0">
               <a:solidFill>
                 <a:srgbClr val="404040"/>
               </a:solidFill>
-              <a:ea typeface="+mn-ea"/>
-              <a:cs typeface="+mn-cs"/>
             </a:endParaRPr>
           </a:p>
           <a:p>
-            <a:pPr indent="-228600" defTabSz="914400" eaLnBrk="1" hangingPunct="1">
-              <a:lnSpc>
-                <a:spcPct val="90000"/>
-              </a:lnSpc>
+            <a:pPr marL="342900" indent="-342900">
               <a:buFont typeface="Arial" panose="020B0604020202020204" pitchFamily="34" charset="0"/>
               <a:buChar char="•"/>
-            </a:pPr>
-            <a:endParaRPr lang="en-US" sz="2000" dirty="0">
+              <a:defRPr/>
+            </a:pPr>
+            <a:endParaRPr lang="en-US" dirty="0">
               <a:solidFill>
                 <a:srgbClr val="404040"/>
               </a:solidFill>
-              <a:ea typeface="+mn-ea"/>
-              <a:cs typeface="+mn-cs"/>
             </a:endParaRPr>
           </a:p>
-        </p:txBody>
-      </p:sp>
-      <p:sp>
-        <p:nvSpPr>
-          <p:cNvPr id="10" name="Content Placeholder 2">
+          <a:p>
+            <a:pPr marL="342900" indent="-342900">
+              <a:buFont typeface="Arial" panose="020B0604020202020204" pitchFamily="34" charset="0"/>
+              <a:buChar char="•"/>
+              <a:defRPr/>
+            </a:pPr>
+            <a:endParaRPr lang="en-US" dirty="0">
+              <a:solidFill>
+                <a:srgbClr val="404040"/>
+              </a:solidFill>
+            </a:endParaRPr>
+          </a:p>
+          <a:p>
+            <a:pPr marL="342900" indent="-342900">
+              <a:buFont typeface="Arial" panose="020B0604020202020204" pitchFamily="34" charset="0"/>
+              <a:buChar char="•"/>
+              <a:defRPr/>
+            </a:pPr>
+            <a:endParaRPr lang="en-US" dirty="0">
+              <a:solidFill>
+                <a:srgbClr val="404040"/>
+              </a:solidFill>
+            </a:endParaRPr>
+          </a:p>
+          <a:p>
+            <a:pPr marL="342900" indent="-342900">
+              <a:buFont typeface="Arial" panose="020B0604020202020204" pitchFamily="34" charset="0"/>
+              <a:buChar char="•"/>
+              <a:defRPr/>
+            </a:pPr>
+            <a:r>
+              <a:rPr lang="en-US" dirty="0">
+                <a:solidFill>
+                  <a:srgbClr val="404040"/>
+                </a:solidFill>
+              </a:rPr>
+              <a:t>Run Chunk 1</a:t>
+            </a:r>
+          </a:p>
+          <a:p>
+            <a:pPr marL="800100" lvl="1" indent="-342900">
+              <a:buFont typeface="Arial" panose="020B0604020202020204" pitchFamily="34" charset="0"/>
+              <a:buChar char="•"/>
+              <a:defRPr/>
+            </a:pPr>
+            <a:r>
+              <a:rPr lang="en-US" dirty="0">
+                <a:solidFill>
+                  <a:srgbClr val="404040"/>
+                </a:solidFill>
+              </a:rPr>
+              <a:t>What </a:t>
+            </a:r>
+            <a:r>
+              <a:rPr lang="en-US" i="1" dirty="0">
+                <a:solidFill>
+                  <a:srgbClr val="404040"/>
+                </a:solidFill>
+              </a:rPr>
+              <a:t>a </a:t>
+            </a:r>
+            <a:r>
+              <a:rPr lang="en-US" dirty="0">
+                <a:solidFill>
+                  <a:srgbClr val="404040"/>
+                </a:solidFill>
+              </a:rPr>
+              <a:t>did you choose?</a:t>
+            </a:r>
+          </a:p>
+          <a:p>
+            <a:pPr marL="800100" lvl="1" indent="-342900">
+              <a:buFont typeface="Arial" panose="020B0604020202020204" pitchFamily="34" charset="0"/>
+              <a:buChar char="•"/>
+              <a:defRPr/>
+            </a:pPr>
+            <a:r>
+              <a:rPr lang="en-US" dirty="0">
+                <a:solidFill>
+                  <a:srgbClr val="404040"/>
+                </a:solidFill>
+              </a:rPr>
+              <a:t>What </a:t>
+            </a:r>
+            <a:r>
+              <a:rPr lang="en-US" i="1" dirty="0">
+                <a:solidFill>
+                  <a:srgbClr val="404040"/>
+                </a:solidFill>
+              </a:rPr>
+              <a:t>r </a:t>
+            </a:r>
+            <a:r>
+              <a:rPr lang="en-US" dirty="0">
+                <a:solidFill>
+                  <a:srgbClr val="404040"/>
+                </a:solidFill>
+              </a:rPr>
+              <a:t>did you choose?</a:t>
+            </a:r>
+          </a:p>
+          <a:p>
+            <a:pPr marL="800100" lvl="1" indent="-342900">
+              <a:buFont typeface="Arial" panose="020B0604020202020204" pitchFamily="34" charset="0"/>
+              <a:buChar char="•"/>
+              <a:defRPr/>
+            </a:pPr>
+            <a:r>
+              <a:rPr lang="en-US" dirty="0">
+                <a:solidFill>
+                  <a:srgbClr val="404040"/>
+                </a:solidFill>
+              </a:rPr>
+              <a:t>What is the theoretical limit?</a:t>
+            </a:r>
+          </a:p>
+          <a:p>
+            <a:pPr marL="800100" lvl="1" indent="-342900">
+              <a:buFont typeface="Arial" panose="020B0604020202020204" pitchFamily="34" charset="0"/>
+              <a:buChar char="•"/>
+              <a:defRPr/>
+            </a:pPr>
+            <a:r>
+              <a:rPr lang="en-US" dirty="0">
+                <a:solidFill>
+                  <a:srgbClr val="404040"/>
+                </a:solidFill>
+              </a:rPr>
+              <a:t>What pattern exists?</a:t>
+            </a:r>
+          </a:p>
+          <a:p>
+            <a:pPr marL="342900" indent="-342900">
+              <a:buFont typeface="Arial" panose="020B0604020202020204" pitchFamily="34" charset="0"/>
+              <a:buChar char="•"/>
+              <a:defRPr/>
+            </a:pPr>
+            <a:endParaRPr lang="en-US" dirty="0">
+              <a:solidFill>
+                <a:srgbClr val="404040"/>
+              </a:solidFill>
+            </a:endParaRPr>
+          </a:p>
+          <a:p>
+            <a:pPr marL="342900" indent="-342900">
+              <a:buFont typeface="Arial" panose="020B0604020202020204" pitchFamily="34" charset="0"/>
+              <a:buChar char="•"/>
+              <a:defRPr/>
+            </a:pPr>
+            <a:r>
+              <a:rPr lang="en-US" dirty="0">
+                <a:solidFill>
+                  <a:srgbClr val="404040"/>
+                </a:solidFill>
+              </a:rPr>
+              <a:t>Run Chunk 2</a:t>
+            </a:r>
+          </a:p>
+          <a:p>
+            <a:pPr marL="800100" lvl="1" indent="-342900">
+              <a:buFont typeface="Arial" panose="020B0604020202020204" pitchFamily="34" charset="0"/>
+              <a:buChar char="•"/>
+              <a:defRPr/>
+            </a:pPr>
+            <a:r>
+              <a:rPr lang="en-US" dirty="0">
+                <a:solidFill>
+                  <a:srgbClr val="404040"/>
+                </a:solidFill>
+              </a:rPr>
+              <a:t>Choose </a:t>
+            </a:r>
+            <a:r>
+              <a:rPr lang="en-US" i="1" dirty="0">
+                <a:solidFill>
+                  <a:srgbClr val="404040"/>
+                </a:solidFill>
+              </a:rPr>
+              <a:t>a </a:t>
+            </a:r>
+            <a:r>
+              <a:rPr lang="en-US" dirty="0">
+                <a:solidFill>
+                  <a:srgbClr val="404040"/>
+                </a:solidFill>
+              </a:rPr>
+              <a:t>and </a:t>
+            </a:r>
+            <a:r>
+              <a:rPr lang="en-US" i="1" dirty="0">
+                <a:solidFill>
+                  <a:srgbClr val="404040"/>
+                </a:solidFill>
+              </a:rPr>
+              <a:t>r</a:t>
+            </a:r>
+            <a:r>
+              <a:rPr lang="en-US" dirty="0">
+                <a:solidFill>
+                  <a:srgbClr val="404040"/>
+                </a:solidFill>
+              </a:rPr>
+              <a:t> that work?</a:t>
+            </a:r>
+          </a:p>
+          <a:p>
+            <a:pPr marL="800100" lvl="1" indent="-342900">
+              <a:buFont typeface="Arial" panose="020B0604020202020204" pitchFamily="34" charset="0"/>
+              <a:buChar char="•"/>
+              <a:defRPr/>
+            </a:pPr>
+            <a:r>
+              <a:rPr lang="en-US" dirty="0">
+                <a:solidFill>
+                  <a:srgbClr val="404040"/>
+                </a:solidFill>
+              </a:rPr>
+              <a:t>Choose </a:t>
+            </a:r>
+            <a:r>
+              <a:rPr lang="en-US" i="1" dirty="0">
+                <a:solidFill>
+                  <a:srgbClr val="404040"/>
+                </a:solidFill>
+              </a:rPr>
+              <a:t>a </a:t>
+            </a:r>
+            <a:r>
+              <a:rPr lang="en-US" dirty="0">
+                <a:solidFill>
+                  <a:srgbClr val="404040"/>
+                </a:solidFill>
+              </a:rPr>
+              <a:t>and </a:t>
+            </a:r>
+            <a:r>
+              <a:rPr lang="en-US" i="1" dirty="0">
+                <a:solidFill>
+                  <a:srgbClr val="404040"/>
+                </a:solidFill>
+              </a:rPr>
+              <a:t>r</a:t>
+            </a:r>
+            <a:r>
+              <a:rPr lang="en-US" dirty="0">
+                <a:solidFill>
+                  <a:srgbClr val="404040"/>
+                </a:solidFill>
+              </a:rPr>
+              <a:t> that don’t work?</a:t>
+            </a:r>
+          </a:p>
+          <a:p>
+            <a:pPr marL="800100" lvl="1" indent="-342900">
+              <a:buFont typeface="Arial" panose="020B0604020202020204" pitchFamily="34" charset="0"/>
+              <a:buChar char="•"/>
+              <a:defRPr/>
+            </a:pPr>
+            <a:r>
+              <a:rPr lang="en-US" dirty="0">
+                <a:solidFill>
+                  <a:srgbClr val="404040"/>
+                </a:solidFill>
+              </a:rPr>
+              <a:t>Modify: </a:t>
+            </a:r>
+          </a:p>
+        </p:txBody>
+      </p:sp>
+      <p:pic>
+        <p:nvPicPr>
+          <p:cNvPr id="3" name="Picture 2">
             <a:extLst>
               <a:ext uri="{FF2B5EF4-FFF2-40B4-BE49-F238E27FC236}">
-                <a16:creationId xmlns:a16="http://schemas.microsoft.com/office/drawing/2014/main" id="{10754C74-871F-42E2-A79F-10B9CCA16CD5}"/>
+                <a16:creationId xmlns:a16="http://schemas.microsoft.com/office/drawing/2014/main" id="{03026FDF-F085-49AB-82DA-D59E69365DCF}"/>
               </a:ext>
             </a:extLst>
           </p:cNvPr>
-          <p:cNvSpPr txBox="1">
-            <a:spLocks/>
-          </p:cNvSpPr>
+          <p:cNvPicPr>
+            <a:picLocks noChangeAspect="1"/>
+          </p:cNvPicPr>
           <p:nvPr/>
-        </p:nvSpPr>
-        <p:spPr bwMode="auto">
+        </p:nvPicPr>
+        <p:blipFill>
+          <a:blip r:embed="rId4"/>
+          <a:stretch>
+            <a:fillRect/>
+          </a:stretch>
+        </p:blipFill>
+        <p:spPr>
           <a:xfrm>
-            <a:off x="3973322" y="643466"/>
-            <a:ext cx="4851400" cy="5953916"/>
+            <a:off x="4267200" y="1105637"/>
+            <a:ext cx="4394200" cy="1189313"/>
           </a:xfrm>
           <a:prstGeom prst="rect">
             <a:avLst/>
           </a:prstGeom>
+          <a:ln>
+            <a:solidFill>
+              <a:srgbClr val="404040"/>
+            </a:solidFill>
+          </a:ln>
         </p:spPr>
-        <p:txBody>
-          <a:bodyPr vert="horz" lIns="91440" tIns="45720" rIns="91440" bIns="45720" numCol="1" rtlCol="0" anchorCtr="0" compatLnSpc="1">
-            <a:prstTxWarp prst="textNoShape">
-              <a:avLst/>
-            </a:prstTxWarp>
-            <a:noAutofit/>
+        <p:style>
+          <a:lnRef idx="2">
+            <a:schemeClr val="dk1"/>
+          </a:lnRef>
+          <a:fillRef idx="1">
+            <a:schemeClr val="lt1"/>
+          </a:fillRef>
+          <a:effectRef idx="0">
+            <a:schemeClr val="dk1"/>
+          </a:effectRef>
+          <a:fontRef idx="minor">
+            <a:schemeClr val="dk1"/>
+          </a:fontRef>
+        </p:style>
+      </p:pic>
+      <p:sp>
+        <p:nvSpPr>
+          <p:cNvPr id="11" name="TextBox 10">
+            <a:extLst>
+              <a:ext uri="{FF2B5EF4-FFF2-40B4-BE49-F238E27FC236}">
+                <a16:creationId xmlns:a16="http://schemas.microsoft.com/office/drawing/2014/main" id="{CBD56418-148F-4C77-BF4C-A833E033F34C}"/>
+              </a:ext>
+            </a:extLst>
+          </p:cNvPr>
+          <p:cNvSpPr txBox="1"/>
+          <p:nvPr/>
+        </p:nvSpPr>
+        <p:spPr>
+          <a:xfrm>
+            <a:off x="5763260" y="5826497"/>
+            <a:ext cx="1767842" cy="369332"/>
+          </a:xfrm>
+          <a:prstGeom prst="rect">
+            <a:avLst/>
+          </a:prstGeom>
+          <a:solidFill>
+            <a:srgbClr val="404040"/>
+          </a:solidFill>
+        </p:spPr>
+        <p:txBody>
+          <a:bodyPr wrap="square" rtlCol="0">
+            <a:spAutoFit/>
           </a:bodyPr>
-          <a:lstStyle>
-            <a:lvl1pPr marL="342900" indent="-342900" algn="l" defTabSz="457200" rtl="0" eaLnBrk="0" fontAlgn="base" hangingPunct="0">
-              <a:spcBef>
-                <a:spcPct val="20000"/>
-              </a:spcBef>
-              <a:spcAft>
-                <a:spcPct val="0"/>
-              </a:spcAft>
-              <a:buFont typeface="Arial" charset="0"/>
-              <a:buChar char="•"/>
-              <a:defRPr sz="3200" kern="1200">
-                <a:solidFill>
-                  <a:schemeClr val="tx1"/>
-                </a:solidFill>
-                <a:latin typeface="+mn-lt"/>
-                <a:ea typeface="ＭＳ Ｐゴシック" pitchFamily="-109" charset="-128"/>
-                <a:cs typeface="ＭＳ Ｐゴシック" pitchFamily="-109" charset="-128"/>
-              </a:defRPr>
-            </a:lvl1pPr>
-            <a:lvl2pPr marL="742950" indent="-285750" algn="l" defTabSz="457200" rtl="0" eaLnBrk="0" fontAlgn="base" hangingPunct="0">
-              <a:spcBef>
-                <a:spcPct val="20000"/>
-              </a:spcBef>
-              <a:spcAft>
-                <a:spcPct val="0"/>
-              </a:spcAft>
-              <a:buFont typeface="Arial" charset="0"/>
-              <a:buChar char="–"/>
-              <a:defRPr sz="2800" kern="1200">
-                <a:solidFill>
-                  <a:schemeClr val="tx1"/>
-                </a:solidFill>
-                <a:latin typeface="+mn-lt"/>
-                <a:ea typeface="ＭＳ Ｐゴシック" pitchFamily="-109" charset="-128"/>
-                <a:cs typeface="+mn-cs"/>
-              </a:defRPr>
-            </a:lvl2pPr>
-            <a:lvl3pPr marL="1143000" indent="-228600" algn="l" defTabSz="457200" rtl="0" eaLnBrk="0" fontAlgn="base" hangingPunct="0">
-              <a:spcBef>
-                <a:spcPct val="20000"/>
-              </a:spcBef>
-              <a:spcAft>
-                <a:spcPct val="0"/>
-              </a:spcAft>
-              <a:buFont typeface="Arial" charset="0"/>
-              <a:buChar char="•"/>
-              <a:defRPr sz="2400" kern="1200">
-                <a:solidFill>
-                  <a:schemeClr val="tx1"/>
-                </a:solidFill>
-                <a:latin typeface="+mn-lt"/>
-                <a:ea typeface="ＭＳ Ｐゴシック" pitchFamily="-109" charset="-128"/>
-                <a:cs typeface="+mn-cs"/>
-              </a:defRPr>
-            </a:lvl3pPr>
-            <a:lvl4pPr marL="1600200" indent="-228600" algn="l" defTabSz="457200" rtl="0" eaLnBrk="0" fontAlgn="base" hangingPunct="0">
-              <a:spcBef>
-                <a:spcPct val="20000"/>
-              </a:spcBef>
-              <a:spcAft>
-                <a:spcPct val="0"/>
-              </a:spcAft>
-              <a:buFont typeface="Arial" charset="0"/>
-              <a:buChar char="–"/>
-              <a:defRPr sz="2000" kern="1200">
-                <a:solidFill>
-                  <a:schemeClr val="tx1"/>
-                </a:solidFill>
-                <a:latin typeface="+mn-lt"/>
-                <a:ea typeface="ＭＳ Ｐゴシック" pitchFamily="-109" charset="-128"/>
-                <a:cs typeface="+mn-cs"/>
-              </a:defRPr>
-            </a:lvl4pPr>
-            <a:lvl5pPr marL="2057400" indent="-228600" algn="l" defTabSz="457200" rtl="0" eaLnBrk="0" fontAlgn="base" hangingPunct="0">
-              <a:spcBef>
-                <a:spcPct val="20000"/>
-              </a:spcBef>
-              <a:spcAft>
-                <a:spcPct val="0"/>
-              </a:spcAft>
-              <a:buFont typeface="Arial" charset="0"/>
-              <a:buChar char="»"/>
-              <a:defRPr sz="2000" kern="1200">
-                <a:solidFill>
-                  <a:schemeClr val="tx1"/>
-                </a:solidFill>
-                <a:latin typeface="+mn-lt"/>
-                <a:ea typeface="ＭＳ Ｐゴシック" pitchFamily="-109" charset="-128"/>
-                <a:cs typeface="+mn-cs"/>
-              </a:defRPr>
-            </a:lvl5pPr>
-            <a:lvl6pPr marL="2514600" indent="-228600" algn="l" defTabSz="457200" rtl="0" eaLnBrk="1" latinLnBrk="0" hangingPunct="1">
-              <a:spcBef>
-                <a:spcPct val="20000"/>
-              </a:spcBef>
-              <a:buFont typeface="Arial"/>
-              <a:buChar char="•"/>
-              <a:defRPr sz="2000" kern="1200">
-                <a:solidFill>
-                  <a:schemeClr val="tx1"/>
-                </a:solidFill>
-                <a:latin typeface="+mn-lt"/>
-                <a:ea typeface="+mn-ea"/>
-                <a:cs typeface="+mn-cs"/>
-              </a:defRPr>
-            </a:lvl6pPr>
-            <a:lvl7pPr marL="2971800" indent="-228600" algn="l" defTabSz="457200" rtl="0" eaLnBrk="1" latinLnBrk="0" hangingPunct="1">
-              <a:spcBef>
-                <a:spcPct val="20000"/>
-              </a:spcBef>
-              <a:buFont typeface="Arial"/>
-              <a:buChar char="•"/>
-              <a:defRPr sz="2000" kern="1200">
-                <a:solidFill>
-                  <a:schemeClr val="tx1"/>
-                </a:solidFill>
-                <a:latin typeface="+mn-lt"/>
-                <a:ea typeface="+mn-ea"/>
-                <a:cs typeface="+mn-cs"/>
-              </a:defRPr>
-            </a:lvl7pPr>
-            <a:lvl8pPr marL="3429000" indent="-228600" algn="l" defTabSz="457200" rtl="0" eaLnBrk="1" latinLnBrk="0" hangingPunct="1">
-              <a:spcBef>
-                <a:spcPct val="20000"/>
-              </a:spcBef>
-              <a:buFont typeface="Arial"/>
-              <a:buChar char="•"/>
-              <a:defRPr sz="2000" kern="1200">
-                <a:solidFill>
-                  <a:schemeClr val="tx1"/>
-                </a:solidFill>
-                <a:latin typeface="+mn-lt"/>
-                <a:ea typeface="+mn-ea"/>
-                <a:cs typeface="+mn-cs"/>
-              </a:defRPr>
-            </a:lvl8pPr>
-            <a:lvl9pPr marL="3886200" indent="-228600" algn="l" defTabSz="457200" rtl="0" eaLnBrk="1" latinLnBrk="0" hangingPunct="1">
-              <a:spcBef>
-                <a:spcPct val="20000"/>
-              </a:spcBef>
-              <a:buFont typeface="Arial"/>
-              <a:buChar char="•"/>
-              <a:defRPr sz="2000" kern="1200">
-                <a:solidFill>
-                  <a:schemeClr val="tx1"/>
-                </a:solidFill>
-                <a:latin typeface="+mn-lt"/>
-                <a:ea typeface="+mn-ea"/>
-                <a:cs typeface="+mn-cs"/>
-              </a:defRPr>
-            </a:lvl9pPr>
-          </a:lstStyle>
-          <a:p>
-            <a:pPr marL="114300" indent="0" defTabSz="914400" eaLnBrk="1" hangingPunct="1">
-              <a:lnSpc>
-                <a:spcPct val="90000"/>
-              </a:lnSpc>
-              <a:buNone/>
-            </a:pPr>
-            <a:r>
-              <a:rPr lang="en-US" sz="7200" dirty="0">
-                <a:solidFill>
-                  <a:srgbClr val="404040"/>
-                </a:solidFill>
-                <a:ea typeface="+mn-ea"/>
-                <a:cs typeface="+mn-cs"/>
-              </a:rPr>
-              <a:t>Disperse and Make Reasonable Decisions</a:t>
-            </a:r>
-          </a:p>
-          <a:p>
-            <a:pPr indent="-228600" defTabSz="914400" eaLnBrk="1" hangingPunct="1">
-              <a:lnSpc>
-                <a:spcPct val="90000"/>
-              </a:lnSpc>
-              <a:buFont typeface="Arial" panose="020B0604020202020204" pitchFamily="34" charset="0"/>
-              <a:buChar char="•"/>
-            </a:pPr>
-            <a:endParaRPr lang="en-US" sz="7200" dirty="0">
-              <a:solidFill>
-                <a:srgbClr val="404040"/>
-              </a:solidFill>
-              <a:ea typeface="+mn-ea"/>
-              <a:cs typeface="+mn-cs"/>
-            </a:endParaRPr>
-          </a:p>
-          <a:p>
-            <a:pPr indent="-228600" defTabSz="914400" eaLnBrk="1" hangingPunct="1">
-              <a:lnSpc>
-                <a:spcPct val="90000"/>
-              </a:lnSpc>
-              <a:buFont typeface="Arial" panose="020B0604020202020204" pitchFamily="34" charset="0"/>
-              <a:buChar char="•"/>
-            </a:pPr>
-            <a:endParaRPr lang="en-US" sz="7200" dirty="0">
-              <a:solidFill>
-                <a:srgbClr val="404040"/>
-              </a:solidFill>
-              <a:ea typeface="+mn-ea"/>
-              <a:cs typeface="+mn-cs"/>
-            </a:endParaRPr>
-          </a:p>
-          <a:p>
-            <a:pPr indent="-228600" defTabSz="914400" eaLnBrk="1" hangingPunct="1">
-              <a:lnSpc>
-                <a:spcPct val="90000"/>
-              </a:lnSpc>
-              <a:buFont typeface="Arial" panose="020B0604020202020204" pitchFamily="34" charset="0"/>
-              <a:buChar char="•"/>
-            </a:pPr>
-            <a:endParaRPr lang="en-US" sz="7200" dirty="0">
-              <a:solidFill>
-                <a:srgbClr val="404040"/>
-              </a:solidFill>
-              <a:ea typeface="+mn-ea"/>
-              <a:cs typeface="+mn-cs"/>
-            </a:endParaRPr>
-          </a:p>
-          <a:p>
-            <a:pPr indent="-228600" defTabSz="914400" eaLnBrk="1" hangingPunct="1">
-              <a:lnSpc>
-                <a:spcPct val="90000"/>
-              </a:lnSpc>
-              <a:buFont typeface="Arial" panose="020B0604020202020204" pitchFamily="34" charset="0"/>
-              <a:buChar char="•"/>
-            </a:pPr>
-            <a:endParaRPr lang="en-US" sz="7200" dirty="0">
-              <a:solidFill>
-                <a:srgbClr val="404040"/>
-              </a:solidFill>
-              <a:ea typeface="+mn-ea"/>
-              <a:cs typeface="+mn-cs"/>
-            </a:endParaRPr>
+          <a:lstStyle/>
+          <a:p>
+            <a:r>
+              <a:rPr lang="en-US" sz="1800" dirty="0">
+                <a:solidFill>
+                  <a:schemeClr val="bg1"/>
+                </a:solidFill>
+              </a:rPr>
+              <a:t>if(k&gt;100) break</a:t>
+            </a:r>
           </a:p>
         </p:txBody>
       </p:sp>
@@ -12758,7 +16406,7 @@
     </p:custDataLst>
     <p:extLst>
       <p:ext uri="{BB962C8B-B14F-4D97-AF65-F5344CB8AC3E}">
-        <p14:creationId xmlns:p14="http://schemas.microsoft.com/office/powerpoint/2010/main" val="3647066437"/>
+        <p14:creationId xmlns:p14="http://schemas.microsoft.com/office/powerpoint/2010/main" val="2861648675"/>
       </p:ext>
     </p:extLst>
   </p:cSld>
@@ -12861,6 +16509,54 @@
 </file>
 
 <file path=ppt/tags/tag10.xml><?xml version="1.0" encoding="utf-8"?>
+<p:tagLst xmlns:a="http://schemas.openxmlformats.org/drawingml/2006/main" xmlns:r="http://schemas.openxmlformats.org/officeDocument/2006/relationships" xmlns:p="http://schemas.openxmlformats.org/presentationml/2006/main">
+  <p:tag name="DELIMITERS" val="3.1"/>
+</p:tagLst>
+</file>
+
+<file path=ppt/tags/tag11.xml><?xml version="1.0" encoding="utf-8"?>
+<p:tagLst xmlns:a="http://schemas.openxmlformats.org/drawingml/2006/main" xmlns:r="http://schemas.openxmlformats.org/officeDocument/2006/relationships" xmlns:p="http://schemas.openxmlformats.org/presentationml/2006/main">
+  <p:tag name="DELIMITERS" val="3.1"/>
+</p:tagLst>
+</file>
+
+<file path=ppt/tags/tag12.xml><?xml version="1.0" encoding="utf-8"?>
+<p:tagLst xmlns:a="http://schemas.openxmlformats.org/drawingml/2006/main" xmlns:r="http://schemas.openxmlformats.org/officeDocument/2006/relationships" xmlns:p="http://schemas.openxmlformats.org/presentationml/2006/main">
+  <p:tag name="DELIMITERS" val="3.1"/>
+</p:tagLst>
+</file>
+
+<file path=ppt/tags/tag13.xml><?xml version="1.0" encoding="utf-8"?>
+<p:tagLst xmlns:a="http://schemas.openxmlformats.org/drawingml/2006/main" xmlns:r="http://schemas.openxmlformats.org/officeDocument/2006/relationships" xmlns:p="http://schemas.openxmlformats.org/presentationml/2006/main">
+  <p:tag name="DELIMITERS" val="3.1"/>
+</p:tagLst>
+</file>
+
+<file path=ppt/tags/tag14.xml><?xml version="1.0" encoding="utf-8"?>
+<p:tagLst xmlns:a="http://schemas.openxmlformats.org/drawingml/2006/main" xmlns:r="http://schemas.openxmlformats.org/officeDocument/2006/relationships" xmlns:p="http://schemas.openxmlformats.org/presentationml/2006/main">
+  <p:tag name="DELIMITERS" val="3.1"/>
+</p:tagLst>
+</file>
+
+<file path=ppt/tags/tag15.xml><?xml version="1.0" encoding="utf-8"?>
+<p:tagLst xmlns:a="http://schemas.openxmlformats.org/drawingml/2006/main" xmlns:r="http://schemas.openxmlformats.org/officeDocument/2006/relationships" xmlns:p="http://schemas.openxmlformats.org/presentationml/2006/main">
+  <p:tag name="DELIMITERS" val="3.1"/>
+</p:tagLst>
+</file>
+
+<file path=ppt/tags/tag16.xml><?xml version="1.0" encoding="utf-8"?>
+<p:tagLst xmlns:a="http://schemas.openxmlformats.org/drawingml/2006/main" xmlns:r="http://schemas.openxmlformats.org/officeDocument/2006/relationships" xmlns:p="http://schemas.openxmlformats.org/presentationml/2006/main">
+  <p:tag name="DELIMITERS" val="3.1"/>
+</p:tagLst>
+</file>
+
+<file path=ppt/tags/tag17.xml><?xml version="1.0" encoding="utf-8"?>
+<p:tagLst xmlns:a="http://schemas.openxmlformats.org/drawingml/2006/main" xmlns:r="http://schemas.openxmlformats.org/officeDocument/2006/relationships" xmlns:p="http://schemas.openxmlformats.org/presentationml/2006/main">
+  <p:tag name="DELIMITERS" val="3.1"/>
+</p:tagLst>
+</file>
+
+<file path=ppt/tags/tag18.xml><?xml version="1.0" encoding="utf-8"?>
 <p:tagLst xmlns:a="http://schemas.openxmlformats.org/drawingml/2006/main" xmlns:r="http://schemas.openxmlformats.org/officeDocument/2006/relationships" xmlns:p="http://schemas.openxmlformats.org/presentationml/2006/main">
   <p:tag name="DELIMITERS" val="3.1"/>
 </p:tagLst>

--- a/Lecture/Lecture 18/Lecture 18.pptx
+++ b/Lecture/Lecture 18/Lecture 18.pptx
@@ -6,10 +6,10 @@
     <p:sldMasterId id="2147483676" r:id="rId2"/>
   </p:sldMasterIdLst>
   <p:notesMasterIdLst>
-    <p:notesMasterId r:id="rId20"/>
+    <p:notesMasterId r:id="rId14"/>
   </p:notesMasterIdLst>
   <p:handoutMasterIdLst>
-    <p:handoutMasterId r:id="rId21"/>
+    <p:handoutMasterId r:id="rId15"/>
   </p:handoutMasterIdLst>
   <p:sldIdLst>
     <p:sldId id="320" r:id="rId3"/>
@@ -22,18 +22,12 @@
     <p:sldId id="403" r:id="rId10"/>
     <p:sldId id="402" r:id="rId11"/>
     <p:sldId id="405" r:id="rId12"/>
-    <p:sldId id="406" r:id="rId13"/>
-    <p:sldId id="407" r:id="rId14"/>
-    <p:sldId id="408" r:id="rId15"/>
-    <p:sldId id="404" r:id="rId16"/>
-    <p:sldId id="409" r:id="rId17"/>
-    <p:sldId id="411" r:id="rId18"/>
-    <p:sldId id="329" r:id="rId19"/>
+    <p:sldId id="329" r:id="rId13"/>
   </p:sldIdLst>
   <p:sldSz cx="9144000" cy="6858000" type="screen4x3"/>
   <p:notesSz cx="6858000" cy="9144000"/>
   <p:custDataLst>
-    <p:tags r:id="rId22"/>
+    <p:tags r:id="rId16"/>
   </p:custDataLst>
   <p:defaultTextStyle>
     <a:defPPr>
@@ -304,7 +298,7 @@
               <a:pPr>
                 <a:defRPr/>
               </a:pPr>
-              <a:t>10/9/2018</a:t>
+              <a:t>10/10/2018</a:t>
             </a:fld>
             <a:endParaRPr lang="en-US" dirty="0"/>
           </a:p>
@@ -516,7 +510,7 @@
               <a:pPr>
                 <a:defRPr/>
               </a:pPr>
-              <a:t>10/9/2018</a:t>
+              <a:t>10/10/2018</a:t>
             </a:fld>
             <a:endParaRPr lang="en-US" dirty="0"/>
           </a:p>
@@ -1035,7 +1029,7 @@
               <a:pPr>
                 <a:defRPr/>
               </a:pPr>
-              <a:t>10/9/2018</a:t>
+              <a:t>10/10/2018</a:t>
             </a:fld>
             <a:endParaRPr lang="en-US" dirty="0"/>
           </a:p>
@@ -1225,7 +1219,7 @@
               <a:pPr>
                 <a:defRPr/>
               </a:pPr>
-              <a:t>10/9/2018</a:t>
+              <a:t>10/10/2018</a:t>
             </a:fld>
             <a:endParaRPr lang="en-US" dirty="0"/>
           </a:p>
@@ -1425,7 +1419,7 @@
               <a:pPr>
                 <a:defRPr/>
               </a:pPr>
-              <a:t>10/9/2018</a:t>
+              <a:t>10/10/2018</a:t>
             </a:fld>
             <a:endParaRPr lang="en-US" dirty="0"/>
           </a:p>
@@ -1693,7 +1687,7 @@
               <a:pPr>
                 <a:defRPr/>
               </a:pPr>
-              <a:t>10/9/2018</a:t>
+              <a:t>10/10/2018</a:t>
             </a:fld>
             <a:endParaRPr lang="en-US" dirty="0">
               <a:solidFill>
@@ -1907,7 +1901,7 @@
               <a:pPr>
                 <a:defRPr/>
               </a:pPr>
-              <a:t>10/9/2018</a:t>
+              <a:t>10/10/2018</a:t>
             </a:fld>
             <a:endParaRPr lang="en-US" dirty="0">
               <a:solidFill>
@@ -2198,7 +2192,7 @@
               <a:pPr>
                 <a:defRPr/>
               </a:pPr>
-              <a:t>10/9/2018</a:t>
+              <a:t>10/10/2018</a:t>
             </a:fld>
             <a:endParaRPr lang="en-US" dirty="0">
               <a:solidFill>
@@ -2529,7 +2523,7 @@
               <a:pPr>
                 <a:defRPr/>
               </a:pPr>
-              <a:t>10/9/2018</a:t>
+              <a:t>10/10/2018</a:t>
             </a:fld>
             <a:endParaRPr lang="en-US" dirty="0">
               <a:solidFill>
@@ -2994,7 +2988,7 @@
               <a:pPr>
                 <a:defRPr/>
               </a:pPr>
-              <a:t>10/9/2018</a:t>
+              <a:t>10/10/2018</a:t>
             </a:fld>
             <a:endParaRPr lang="en-US" dirty="0">
               <a:solidFill>
@@ -3157,7 +3151,7 @@
               <a:pPr>
                 <a:defRPr/>
               </a:pPr>
-              <a:t>10/9/2018</a:t>
+              <a:t>10/10/2018</a:t>
             </a:fld>
             <a:endParaRPr lang="en-US" dirty="0">
               <a:solidFill>
@@ -3298,7 +3292,7 @@
               <a:pPr>
                 <a:defRPr/>
               </a:pPr>
-              <a:t>10/9/2018</a:t>
+              <a:t>10/10/2018</a:t>
             </a:fld>
             <a:endParaRPr lang="en-US" dirty="0">
               <a:solidFill>
@@ -3619,7 +3613,7 @@
               <a:pPr>
                 <a:defRPr/>
               </a:pPr>
-              <a:t>10/9/2018</a:t>
+              <a:t>10/10/2018</a:t>
             </a:fld>
             <a:endParaRPr lang="en-US" dirty="0">
               <a:solidFill>
@@ -3827,7 +3821,7 @@
               <a:pPr>
                 <a:defRPr/>
               </a:pPr>
-              <a:t>10/9/2018</a:t>
+              <a:t>10/10/2018</a:t>
             </a:fld>
             <a:endParaRPr lang="en-US" dirty="0"/>
           </a:p>
@@ -4110,7 +4104,7 @@
               <a:pPr>
                 <a:defRPr/>
               </a:pPr>
-              <a:t>10/9/2018</a:t>
+              <a:t>10/10/2018</a:t>
             </a:fld>
             <a:endParaRPr lang="en-US" dirty="0">
               <a:solidFill>
@@ -4324,7 +4318,7 @@
               <a:pPr>
                 <a:defRPr/>
               </a:pPr>
-              <a:t>10/9/2018</a:t>
+              <a:t>10/10/2018</a:t>
             </a:fld>
             <a:endParaRPr lang="en-US" dirty="0">
               <a:solidFill>
@@ -4548,7 +4542,7 @@
               <a:pPr>
                 <a:defRPr/>
               </a:pPr>
-              <a:t>10/9/2018</a:t>
+              <a:t>10/10/2018</a:t>
             </a:fld>
             <a:endParaRPr lang="en-US" dirty="0">
               <a:solidFill>
@@ -4758,7 +4752,7 @@
               <a:pPr>
                 <a:defRPr/>
               </a:pPr>
-              <a:t>10/9/2018</a:t>
+              <a:t>10/10/2018</a:t>
             </a:fld>
             <a:endParaRPr lang="en-US" dirty="0">
               <a:solidFill>
@@ -5035,7 +5029,7 @@
               <a:pPr>
                 <a:defRPr/>
               </a:pPr>
-              <a:t>10/9/2018</a:t>
+              <a:t>10/10/2018</a:t>
             </a:fld>
             <a:endParaRPr lang="en-US" dirty="0"/>
           </a:p>
@@ -5342,7 +5336,7 @@
               <a:pPr>
                 <a:defRPr/>
               </a:pPr>
-              <a:t>10/9/2018</a:t>
+              <a:t>10/10/2018</a:t>
             </a:fld>
             <a:endParaRPr lang="en-US" dirty="0"/>
           </a:p>
@@ -5783,7 +5777,7 @@
               <a:pPr>
                 <a:defRPr/>
               </a:pPr>
-              <a:t>10/9/2018</a:t>
+              <a:t>10/10/2018</a:t>
             </a:fld>
             <a:endParaRPr lang="en-US" dirty="0"/>
           </a:p>
@@ -5922,7 +5916,7 @@
               <a:pPr>
                 <a:defRPr/>
               </a:pPr>
-              <a:t>10/9/2018</a:t>
+              <a:t>10/10/2018</a:t>
             </a:fld>
             <a:endParaRPr lang="en-US" dirty="0"/>
           </a:p>
@@ -6039,7 +6033,7 @@
               <a:pPr>
                 <a:defRPr/>
               </a:pPr>
-              <a:t>10/9/2018</a:t>
+              <a:t>10/10/2018</a:t>
             </a:fld>
             <a:endParaRPr lang="en-US" dirty="0"/>
           </a:p>
@@ -6336,7 +6330,7 @@
               <a:pPr>
                 <a:defRPr/>
               </a:pPr>
-              <a:t>10/9/2018</a:t>
+              <a:t>10/10/2018</a:t>
             </a:fld>
             <a:endParaRPr lang="en-US" dirty="0"/>
           </a:p>
@@ -6613,7 +6607,7 @@
               <a:pPr>
                 <a:defRPr/>
               </a:pPr>
-              <a:t>10/9/2018</a:t>
+              <a:t>10/10/2018</a:t>
             </a:fld>
             <a:endParaRPr lang="en-US" dirty="0"/>
           </a:p>
@@ -6870,7 +6864,7 @@
               <a:pPr>
                 <a:defRPr/>
               </a:pPr>
-              <a:t>10/9/2018</a:t>
+              <a:t>10/10/2018</a:t>
             </a:fld>
             <a:endParaRPr lang="en-US" dirty="0"/>
           </a:p>
@@ -7580,7 +7574,7 @@
               <a:pPr>
                 <a:defRPr/>
               </a:pPr>
-              <a:t>10/9/2018</a:t>
+              <a:t>10/10/2018</a:t>
             </a:fld>
             <a:endParaRPr lang="en-US" dirty="0">
               <a:solidFill>
@@ -9030,2326 +9024,6 @@
           <a:bodyPr rtlCol="0" anchor="ctr"/>
           <a:lstStyle/>
           <a:p>
-            <a:pPr marL="0" marR="0" lvl="0" indent="0" algn="ctr" defTabSz="457200" rtl="0" eaLnBrk="1" fontAlgn="base" latinLnBrk="0" hangingPunct="1">
-              <a:lnSpc>
-                <a:spcPct val="100000"/>
-              </a:lnSpc>
-              <a:spcBef>
-                <a:spcPct val="0"/>
-              </a:spcBef>
-              <a:spcAft>
-                <a:spcPct val="0"/>
-              </a:spcAft>
-              <a:buClrTx/>
-              <a:buSzTx/>
-              <a:buFontTx/>
-              <a:buNone/>
-              <a:tabLst/>
-              <a:defRPr/>
-            </a:pPr>
-            <a:endParaRPr kumimoji="0" lang="en-US" sz="2400" b="0" i="0" u="none" strike="noStrike" kern="1200" cap="none" spc="0" normalizeH="0" baseline="0" noProof="0">
-              <a:ln>
-                <a:noFill/>
-              </a:ln>
-              <a:solidFill>
-                <a:prstClr val="white"/>
-              </a:solidFill>
-              <a:effectLst/>
-              <a:uLnTx/>
-              <a:uFillTx/>
-              <a:latin typeface="Calibri"/>
-              <a:ea typeface="+mn-ea"/>
-              <a:cs typeface="+mn-cs"/>
-            </a:endParaRPr>
-          </a:p>
-        </p:txBody>
-      </p:sp>
-      <p:sp>
-        <p:nvSpPr>
-          <p:cNvPr id="2" name="Title 1"/>
-          <p:cNvSpPr>
-            <a:spLocks noGrp="1"/>
-          </p:cNvSpPr>
-          <p:nvPr>
-            <p:ph type="title"/>
-          </p:nvPr>
-        </p:nvSpPr>
-        <p:spPr>
-          <a:xfrm>
-            <a:off x="482600" y="643467"/>
-            <a:ext cx="2522980" cy="1597315"/>
-          </a:xfrm>
-          <a:noFill/>
-          <a:ln w="19050">
-            <a:solidFill>
-              <a:schemeClr val="bg1"/>
-            </a:solidFill>
-          </a:ln>
-        </p:spPr>
-        <p:txBody>
-          <a:bodyPr vert="horz" wrap="square" lIns="91440" tIns="45720" rIns="91440" bIns="45720" rtlCol="0" anchor="ctr">
-            <a:normAutofit/>
-          </a:bodyPr>
-          <a:lstStyle/>
-          <a:p>
-            <a:pPr defTabSz="914400" eaLnBrk="1" hangingPunct="1">
-              <a:lnSpc>
-                <a:spcPct val="90000"/>
-              </a:lnSpc>
-            </a:pPr>
-            <a:r>
-              <a:rPr lang="en-US" sz="2400" dirty="0">
-                <a:solidFill>
-                  <a:schemeClr val="bg1"/>
-                </a:solidFill>
-              </a:rPr>
-              <a:t>Part 2: Loops</a:t>
-            </a:r>
-            <a:endParaRPr lang="en-US" sz="2400" kern="1200" dirty="0">
-              <a:solidFill>
-                <a:schemeClr val="bg1"/>
-              </a:solidFill>
-              <a:latin typeface="+mj-lt"/>
-              <a:ea typeface="+mj-ea"/>
-              <a:cs typeface="+mj-cs"/>
-            </a:endParaRPr>
-          </a:p>
-        </p:txBody>
-      </p:sp>
-      <p:pic>
-        <p:nvPicPr>
-          <p:cNvPr id="8" name="Picture 7">
-            <a:extLst>
-              <a:ext uri="{FF2B5EF4-FFF2-40B4-BE49-F238E27FC236}">
-                <a16:creationId xmlns:a16="http://schemas.microsoft.com/office/drawing/2014/main" id="{521D4292-9ECC-4DA5-8CC0-C561A0DA118E}"/>
-              </a:ext>
-            </a:extLst>
-          </p:cNvPr>
-          <p:cNvPicPr>
-            <a:picLocks noChangeAspect="1"/>
-          </p:cNvPicPr>
-          <p:nvPr/>
-        </p:nvPicPr>
-        <p:blipFill rotWithShape="1">
-          <a:blip r:embed="rId3"/>
-          <a:srcRect l="8000" r="9400"/>
-          <a:stretch/>
-        </p:blipFill>
-        <p:spPr>
-          <a:xfrm>
-            <a:off x="660103" y="3048000"/>
-            <a:ext cx="2167974" cy="2624666"/>
-          </a:xfrm>
-          <a:prstGeom prst="rect">
-            <a:avLst/>
-          </a:prstGeom>
-          <a:noFill/>
-        </p:spPr>
-      </p:pic>
-      <p:sp>
-        <p:nvSpPr>
-          <p:cNvPr id="6" name="TextBox 5">
-            <a:extLst>
-              <a:ext uri="{FF2B5EF4-FFF2-40B4-BE49-F238E27FC236}">
-                <a16:creationId xmlns:a16="http://schemas.microsoft.com/office/drawing/2014/main" id="{E58EF064-51FF-48A9-8810-E84BE6F6F09D}"/>
-              </a:ext>
-            </a:extLst>
-          </p:cNvPr>
-          <p:cNvSpPr txBox="1"/>
-          <p:nvPr/>
-        </p:nvSpPr>
-        <p:spPr>
-          <a:xfrm>
-            <a:off x="3810000" y="643972"/>
-            <a:ext cx="5410200" cy="6370975"/>
-          </a:xfrm>
-          <a:prstGeom prst="rect">
-            <a:avLst/>
-          </a:prstGeom>
-          <a:noFill/>
-        </p:spPr>
-        <p:txBody>
-          <a:bodyPr wrap="square" rtlCol="0">
-            <a:spAutoFit/>
-          </a:bodyPr>
-          <a:lstStyle/>
-          <a:p>
-            <a:pPr marL="342900" indent="-342900">
-              <a:buFont typeface="Arial" panose="020B0604020202020204" pitchFamily="34" charset="0"/>
-              <a:buChar char="•"/>
-              <a:defRPr/>
-            </a:pPr>
-            <a:r>
-              <a:rPr lang="en-US" dirty="0">
-                <a:solidFill>
-                  <a:srgbClr val="404040"/>
-                </a:solidFill>
-              </a:rPr>
-              <a:t>Correlation Matrix </a:t>
-            </a:r>
-          </a:p>
-          <a:p>
-            <a:pPr marL="800100" lvl="1" indent="-342900">
-              <a:buFont typeface="Arial" panose="020B0604020202020204" pitchFamily="34" charset="0"/>
-              <a:buChar char="•"/>
-              <a:defRPr/>
-            </a:pPr>
-            <a:r>
-              <a:rPr lang="en-US" dirty="0">
-                <a:solidFill>
-                  <a:srgbClr val="404040"/>
-                </a:solidFill>
-              </a:rPr>
-              <a:t>Definition: Matrix Which Shows the Correlation Between Every Pair of Numeric Variables</a:t>
-            </a:r>
-          </a:p>
-          <a:p>
-            <a:pPr marL="800100" lvl="1" indent="-342900">
-              <a:buFont typeface="Arial" panose="020B0604020202020204" pitchFamily="34" charset="0"/>
-              <a:buChar char="•"/>
-              <a:defRPr/>
-            </a:pPr>
-            <a:r>
-              <a:rPr lang="en-US" dirty="0">
-                <a:solidFill>
-                  <a:srgbClr val="404040"/>
-                </a:solidFill>
-              </a:rPr>
-              <a:t>Used to Understand Strength of Linear Relationships Between Numeric Variables</a:t>
-            </a:r>
-          </a:p>
-          <a:p>
-            <a:pPr marL="800100" lvl="1" indent="-342900">
-              <a:buFont typeface="Arial" panose="020B0604020202020204" pitchFamily="34" charset="0"/>
-              <a:buChar char="•"/>
-              <a:defRPr/>
-            </a:pPr>
-            <a:r>
-              <a:rPr lang="en-US" dirty="0">
-                <a:solidFill>
-                  <a:srgbClr val="404040"/>
-                </a:solidFill>
-              </a:rPr>
-              <a:t>Helpful in Measuring Collinearity</a:t>
-            </a:r>
-          </a:p>
-          <a:p>
-            <a:pPr marL="342900" indent="-342900">
-              <a:buFont typeface="Arial" panose="020B0604020202020204" pitchFamily="34" charset="0"/>
-              <a:buChar char="•"/>
-              <a:defRPr/>
-            </a:pPr>
-            <a:endParaRPr lang="en-US" dirty="0">
-              <a:solidFill>
-                <a:srgbClr val="404040"/>
-              </a:solidFill>
-            </a:endParaRPr>
-          </a:p>
-          <a:p>
-            <a:pPr marL="342900" indent="-342900">
-              <a:buFont typeface="Arial" panose="020B0604020202020204" pitchFamily="34" charset="0"/>
-              <a:buChar char="•"/>
-              <a:defRPr/>
-            </a:pPr>
-            <a:r>
-              <a:rPr lang="en-US" dirty="0">
-                <a:solidFill>
-                  <a:srgbClr val="404040"/>
-                </a:solidFill>
-              </a:rPr>
-              <a:t>Run Chunk 4</a:t>
-            </a:r>
-          </a:p>
-          <a:p>
-            <a:pPr marL="800100" lvl="1" indent="-342900">
-              <a:buFont typeface="Arial" panose="020B0604020202020204" pitchFamily="34" charset="0"/>
-              <a:buChar char="•"/>
-              <a:defRPr/>
-            </a:pPr>
-            <a:r>
-              <a:rPr lang="en-US" dirty="0">
-                <a:solidFill>
-                  <a:srgbClr val="404040"/>
-                </a:solidFill>
-              </a:rPr>
-              <a:t>Inspect the Variables in Cigar</a:t>
-            </a:r>
-          </a:p>
-          <a:p>
-            <a:pPr marL="800100" lvl="1" indent="-342900">
-              <a:buFont typeface="Arial" panose="020B0604020202020204" pitchFamily="34" charset="0"/>
-              <a:buChar char="•"/>
-              <a:defRPr/>
-            </a:pPr>
-            <a:r>
-              <a:rPr lang="en-US" dirty="0">
-                <a:solidFill>
-                  <a:srgbClr val="404040"/>
-                </a:solidFill>
-              </a:rPr>
-              <a:t>Inspect the Correlation Matrix</a:t>
-            </a:r>
-          </a:p>
-          <a:p>
-            <a:pPr marL="800100" lvl="1" indent="-342900">
-              <a:buFont typeface="Arial" panose="020B0604020202020204" pitchFamily="34" charset="0"/>
-              <a:buChar char="•"/>
-              <a:defRPr/>
-            </a:pPr>
-            <a:r>
-              <a:rPr lang="en-US" dirty="0">
-                <a:solidFill>
-                  <a:srgbClr val="404040"/>
-                </a:solidFill>
-              </a:rPr>
-              <a:t>Which Variable(s) is Inappropriate for a Correlation Analysis? Why?</a:t>
-            </a:r>
-          </a:p>
-          <a:p>
-            <a:pPr marL="800100" lvl="1" indent="-342900">
-              <a:buFont typeface="Arial" panose="020B0604020202020204" pitchFamily="34" charset="0"/>
-              <a:buChar char="•"/>
-              <a:defRPr/>
-            </a:pPr>
-            <a:endParaRPr lang="en-US" dirty="0">
-              <a:solidFill>
-                <a:srgbClr val="404040"/>
-              </a:solidFill>
-            </a:endParaRPr>
-          </a:p>
-          <a:p>
-            <a:pPr>
-              <a:defRPr/>
-            </a:pPr>
-            <a:endParaRPr lang="en-US" dirty="0">
-              <a:solidFill>
-                <a:srgbClr val="404040"/>
-              </a:solidFill>
-            </a:endParaRPr>
-          </a:p>
-        </p:txBody>
-      </p:sp>
-    </p:spTree>
-    <p:custDataLst>
-      <p:tags r:id="rId1"/>
-    </p:custDataLst>
-    <p:extLst>
-      <p:ext uri="{BB962C8B-B14F-4D97-AF65-F5344CB8AC3E}">
-        <p14:creationId xmlns:p14="http://schemas.microsoft.com/office/powerpoint/2010/main" val="2699554766"/>
-      </p:ext>
-    </p:extLst>
-  </p:cSld>
-  <p:clrMapOvr>
-    <a:masterClrMapping/>
-  </p:clrMapOvr>
-</p:sld>
-</file>
-
-<file path=ppt/slides/slide12.xml><?xml version="1.0" encoding="utf-8"?>
-<p:sld xmlns:a="http://schemas.openxmlformats.org/drawingml/2006/main" xmlns:r="http://schemas.openxmlformats.org/officeDocument/2006/relationships" xmlns:p="http://schemas.openxmlformats.org/presentationml/2006/main">
-  <p:cSld>
-    <p:bg>
-      <p:bgPr>
-        <a:solidFill>
-          <a:schemeClr val="bg1">
-            <a:lumMod val="85000"/>
-          </a:schemeClr>
-        </a:solidFill>
-        <a:effectLst/>
-      </p:bgPr>
-    </p:bg>
-    <p:spTree>
-      <p:nvGrpSpPr>
-        <p:cNvPr id="1" name=""/>
-        <p:cNvGrpSpPr/>
-        <p:nvPr/>
-      </p:nvGrpSpPr>
-      <p:grpSpPr>
-        <a:xfrm>
-          <a:off x="0" y="0"/>
-          <a:ext cx="0" cy="0"/>
-          <a:chOff x="0" y="0"/>
-          <a:chExt cx="0" cy="0"/>
-        </a:xfrm>
-      </p:grpSpPr>
-      <p:sp>
-        <p:nvSpPr>
-          <p:cNvPr id="15" name="Rectangle 12">
-            <a:extLst>
-              <a:ext uri="{FF2B5EF4-FFF2-40B4-BE49-F238E27FC236}">
-                <a16:creationId xmlns:a16="http://schemas.microsoft.com/office/drawing/2014/main" id="{867D4867-5BA7-4462-B2F6-A23F4A622AA7}"/>
-              </a:ext>
-              <a:ext uri="{C183D7F6-B498-43B3-948B-1728B52AA6E4}">
-                <adec:decorative xmlns:adec="http://schemas.microsoft.com/office/drawing/2017/decorative" val="1"/>
-              </a:ext>
-            </a:extLst>
-          </p:cNvPr>
-          <p:cNvSpPr>
-            <a:spLocks noGrp="1" noRot="1" noChangeAspect="1" noMove="1" noResize="1" noEditPoints="1" noAdjustHandles="1" noChangeArrowheads="1" noChangeShapeType="1" noTextEdit="1"/>
-          </p:cNvSpPr>
-          <p:nvPr>
-            <p:extLst>
-              <p:ext uri="{386F3935-93C4-4BCD-93E2-E3B085C9AB24}">
-                <p16:designElem xmlns:p16="http://schemas.microsoft.com/office/powerpoint/2015/main" val="1"/>
-              </p:ext>
-            </p:extLst>
-          </p:nvPr>
-        </p:nvSpPr>
-        <p:spPr>
-          <a:xfrm>
-            <a:off x="0" y="0"/>
-            <a:ext cx="3490722" cy="6858000"/>
-          </a:xfrm>
-          <a:prstGeom prst="rect">
-            <a:avLst/>
-          </a:prstGeom>
-          <a:solidFill>
-            <a:schemeClr val="tx1">
-              <a:lumMod val="75000"/>
-              <a:lumOff val="25000"/>
-            </a:schemeClr>
-          </a:solidFill>
-          <a:ln>
-            <a:noFill/>
-          </a:ln>
-        </p:spPr>
-        <p:style>
-          <a:lnRef idx="0">
-            <a:scrgbClr r="0" g="0" b="0"/>
-          </a:lnRef>
-          <a:fillRef idx="0">
-            <a:scrgbClr r="0" g="0" b="0"/>
-          </a:fillRef>
-          <a:effectRef idx="0">
-            <a:scrgbClr r="0" g="0" b="0"/>
-          </a:effectRef>
-          <a:fontRef idx="minor">
-            <a:schemeClr val="lt1"/>
-          </a:fontRef>
-        </p:style>
-        <p:txBody>
-          <a:bodyPr rtlCol="0" anchor="ctr"/>
-          <a:lstStyle/>
-          <a:p>
-            <a:pPr marL="0" marR="0" lvl="0" indent="0" algn="ctr" defTabSz="457200" rtl="0" eaLnBrk="1" fontAlgn="base" latinLnBrk="0" hangingPunct="1">
-              <a:lnSpc>
-                <a:spcPct val="100000"/>
-              </a:lnSpc>
-              <a:spcBef>
-                <a:spcPct val="0"/>
-              </a:spcBef>
-              <a:spcAft>
-                <a:spcPct val="0"/>
-              </a:spcAft>
-              <a:buClrTx/>
-              <a:buSzTx/>
-              <a:buFontTx/>
-              <a:buNone/>
-              <a:tabLst/>
-              <a:defRPr/>
-            </a:pPr>
-            <a:endParaRPr kumimoji="0" lang="en-US" sz="2400" b="0" i="0" u="none" strike="noStrike" kern="1200" cap="none" spc="0" normalizeH="0" baseline="0" noProof="0">
-              <a:ln>
-                <a:noFill/>
-              </a:ln>
-              <a:solidFill>
-                <a:prstClr val="white"/>
-              </a:solidFill>
-              <a:effectLst/>
-              <a:uLnTx/>
-              <a:uFillTx/>
-              <a:latin typeface="Calibri"/>
-              <a:ea typeface="+mn-ea"/>
-              <a:cs typeface="+mn-cs"/>
-            </a:endParaRPr>
-          </a:p>
-        </p:txBody>
-      </p:sp>
-      <p:sp>
-        <p:nvSpPr>
-          <p:cNvPr id="2" name="Title 1"/>
-          <p:cNvSpPr>
-            <a:spLocks noGrp="1"/>
-          </p:cNvSpPr>
-          <p:nvPr>
-            <p:ph type="title"/>
-          </p:nvPr>
-        </p:nvSpPr>
-        <p:spPr>
-          <a:xfrm>
-            <a:off x="482600" y="643467"/>
-            <a:ext cx="2522980" cy="1597315"/>
-          </a:xfrm>
-          <a:noFill/>
-          <a:ln w="19050">
-            <a:solidFill>
-              <a:schemeClr val="bg1"/>
-            </a:solidFill>
-          </a:ln>
-        </p:spPr>
-        <p:txBody>
-          <a:bodyPr vert="horz" wrap="square" lIns="91440" tIns="45720" rIns="91440" bIns="45720" rtlCol="0" anchor="ctr">
-            <a:normAutofit/>
-          </a:bodyPr>
-          <a:lstStyle/>
-          <a:p>
-            <a:pPr defTabSz="914400" eaLnBrk="1" hangingPunct="1">
-              <a:lnSpc>
-                <a:spcPct val="90000"/>
-              </a:lnSpc>
-            </a:pPr>
-            <a:r>
-              <a:rPr lang="en-US" sz="2400" dirty="0">
-                <a:solidFill>
-                  <a:schemeClr val="bg1"/>
-                </a:solidFill>
-              </a:rPr>
-              <a:t>Part 2: Loops</a:t>
-            </a:r>
-            <a:endParaRPr lang="en-US" sz="2400" kern="1200" dirty="0">
-              <a:solidFill>
-                <a:schemeClr val="bg1"/>
-              </a:solidFill>
-              <a:latin typeface="+mj-lt"/>
-              <a:ea typeface="+mj-ea"/>
-              <a:cs typeface="+mj-cs"/>
-            </a:endParaRPr>
-          </a:p>
-        </p:txBody>
-      </p:sp>
-      <p:pic>
-        <p:nvPicPr>
-          <p:cNvPr id="8" name="Picture 7">
-            <a:extLst>
-              <a:ext uri="{FF2B5EF4-FFF2-40B4-BE49-F238E27FC236}">
-                <a16:creationId xmlns:a16="http://schemas.microsoft.com/office/drawing/2014/main" id="{521D4292-9ECC-4DA5-8CC0-C561A0DA118E}"/>
-              </a:ext>
-            </a:extLst>
-          </p:cNvPr>
-          <p:cNvPicPr>
-            <a:picLocks noChangeAspect="1"/>
-          </p:cNvPicPr>
-          <p:nvPr/>
-        </p:nvPicPr>
-        <p:blipFill rotWithShape="1">
-          <a:blip r:embed="rId3"/>
-          <a:srcRect l="8000" r="9400"/>
-          <a:stretch/>
-        </p:blipFill>
-        <p:spPr>
-          <a:xfrm>
-            <a:off x="660103" y="3048000"/>
-            <a:ext cx="2167974" cy="2624666"/>
-          </a:xfrm>
-          <a:prstGeom prst="rect">
-            <a:avLst/>
-          </a:prstGeom>
-          <a:noFill/>
-        </p:spPr>
-      </p:pic>
-      <p:sp>
-        <p:nvSpPr>
-          <p:cNvPr id="6" name="TextBox 5">
-            <a:extLst>
-              <a:ext uri="{FF2B5EF4-FFF2-40B4-BE49-F238E27FC236}">
-                <a16:creationId xmlns:a16="http://schemas.microsoft.com/office/drawing/2014/main" id="{E58EF064-51FF-48A9-8810-E84BE6F6F09D}"/>
-              </a:ext>
-            </a:extLst>
-          </p:cNvPr>
-          <p:cNvSpPr txBox="1"/>
-          <p:nvPr/>
-        </p:nvSpPr>
-        <p:spPr>
-          <a:xfrm>
-            <a:off x="3810000" y="643972"/>
-            <a:ext cx="5410200" cy="7109639"/>
-          </a:xfrm>
-          <a:prstGeom prst="rect">
-            <a:avLst/>
-          </a:prstGeom>
-          <a:noFill/>
-        </p:spPr>
-        <p:txBody>
-          <a:bodyPr wrap="square" rtlCol="0">
-            <a:spAutoFit/>
-          </a:bodyPr>
-          <a:lstStyle/>
-          <a:p>
-            <a:pPr marL="342900" indent="-342900">
-              <a:buFont typeface="Arial" panose="020B0604020202020204" pitchFamily="34" charset="0"/>
-              <a:buChar char="•"/>
-              <a:defRPr/>
-            </a:pPr>
-            <a:r>
-              <a:rPr lang="en-US" dirty="0">
-                <a:solidFill>
-                  <a:srgbClr val="404040"/>
-                </a:solidFill>
-              </a:rPr>
-              <a:t>Run Chunk 5</a:t>
-            </a:r>
-          </a:p>
-          <a:p>
-            <a:pPr marL="800100" lvl="1" indent="-342900">
-              <a:buFont typeface="Arial" panose="020B0604020202020204" pitchFamily="34" charset="0"/>
-              <a:buChar char="•"/>
-              <a:defRPr/>
-            </a:pPr>
-            <a:r>
-              <a:rPr lang="en-US" dirty="0">
-                <a:solidFill>
-                  <a:srgbClr val="404040"/>
-                </a:solidFill>
-              </a:rPr>
-              <a:t>Run First Half – Loops through Every Combination of Columns and Computes Correlation</a:t>
-            </a:r>
-          </a:p>
-          <a:p>
-            <a:pPr marL="800100" lvl="1" indent="-342900">
-              <a:buFont typeface="Arial" panose="020B0604020202020204" pitchFamily="34" charset="0"/>
-              <a:buChar char="•"/>
-              <a:defRPr/>
-            </a:pPr>
-            <a:r>
-              <a:rPr lang="en-US" dirty="0">
-                <a:solidFill>
-                  <a:srgbClr val="404040"/>
-                </a:solidFill>
-              </a:rPr>
-              <a:t>Examine Second Half – Loops Through Every Combination of Columns Excluding the First Column</a:t>
-            </a:r>
-          </a:p>
-          <a:p>
-            <a:pPr marL="800100" lvl="1" indent="-342900">
-              <a:buFont typeface="Arial" panose="020B0604020202020204" pitchFamily="34" charset="0"/>
-              <a:buChar char="•"/>
-              <a:defRPr/>
-            </a:pPr>
-            <a:r>
-              <a:rPr lang="en-US" dirty="0">
-                <a:solidFill>
-                  <a:srgbClr val="404040"/>
-                </a:solidFill>
-              </a:rPr>
-              <a:t>Fill in Blanks with Appropriate Indices so Second Loop Works</a:t>
-            </a:r>
-          </a:p>
-          <a:p>
-            <a:pPr marL="800100" lvl="1" indent="-342900">
-              <a:buFont typeface="Arial" panose="020B0604020202020204" pitchFamily="34" charset="0"/>
-              <a:buChar char="•"/>
-              <a:defRPr/>
-            </a:pPr>
-            <a:r>
-              <a:rPr lang="en-US" dirty="0">
-                <a:solidFill>
-                  <a:srgbClr val="404040"/>
-                </a:solidFill>
-              </a:rPr>
-              <a:t>Run Second Half</a:t>
-            </a:r>
-          </a:p>
-          <a:p>
-            <a:pPr marL="800100" lvl="1" indent="-342900">
-              <a:buFont typeface="Arial" panose="020B0604020202020204" pitchFamily="34" charset="0"/>
-              <a:buChar char="•"/>
-              <a:defRPr/>
-            </a:pPr>
-            <a:endParaRPr lang="en-US" sz="1800" dirty="0">
-              <a:solidFill>
-                <a:srgbClr val="404040"/>
-              </a:solidFill>
-            </a:endParaRPr>
-          </a:p>
-          <a:p>
-            <a:pPr marL="342900" indent="-342900">
-              <a:buFont typeface="Arial" panose="020B0604020202020204" pitchFamily="34" charset="0"/>
-              <a:buChar char="•"/>
-              <a:defRPr/>
-            </a:pPr>
-            <a:r>
-              <a:rPr lang="en-US" dirty="0">
-                <a:solidFill>
-                  <a:srgbClr val="404040"/>
-                </a:solidFill>
-              </a:rPr>
-              <a:t>Run Chunk 6</a:t>
-            </a:r>
-          </a:p>
-          <a:p>
-            <a:pPr marL="800100" lvl="1" indent="-342900">
-              <a:buFont typeface="Arial" panose="020B0604020202020204" pitchFamily="34" charset="0"/>
-              <a:buChar char="•"/>
-              <a:defRPr/>
-            </a:pPr>
-            <a:r>
-              <a:rPr lang="en-US" dirty="0">
-                <a:solidFill>
-                  <a:srgbClr val="404040"/>
-                </a:solidFill>
-              </a:rPr>
-              <a:t>Inspect the Variables in HI</a:t>
-            </a:r>
-          </a:p>
-          <a:p>
-            <a:pPr marL="800100" lvl="1" indent="-342900">
-              <a:buFont typeface="Arial" panose="020B0604020202020204" pitchFamily="34" charset="0"/>
-              <a:buChar char="•"/>
-              <a:defRPr/>
-            </a:pPr>
-            <a:r>
-              <a:rPr lang="en-US" dirty="0">
-                <a:solidFill>
-                  <a:srgbClr val="404040"/>
-                </a:solidFill>
-              </a:rPr>
-              <a:t>Uncomment to Print Correlation Matrix</a:t>
-            </a:r>
-          </a:p>
-          <a:p>
-            <a:pPr marL="800100" lvl="1" indent="-342900">
-              <a:buFont typeface="Arial" panose="020B0604020202020204" pitchFamily="34" charset="0"/>
-              <a:buChar char="•"/>
-              <a:defRPr/>
-            </a:pPr>
-            <a:r>
-              <a:rPr lang="en-US" dirty="0">
-                <a:solidFill>
-                  <a:srgbClr val="404040"/>
-                </a:solidFill>
-              </a:rPr>
-              <a:t>What is the Problem?</a:t>
-            </a:r>
-          </a:p>
-          <a:p>
-            <a:pPr marL="800100" lvl="1" indent="-342900">
-              <a:buFont typeface="Arial" panose="020B0604020202020204" pitchFamily="34" charset="0"/>
-              <a:buChar char="•"/>
-              <a:defRPr/>
-            </a:pPr>
-            <a:endParaRPr lang="en-US" dirty="0">
-              <a:solidFill>
-                <a:srgbClr val="404040"/>
-              </a:solidFill>
-            </a:endParaRPr>
-          </a:p>
-          <a:p>
-            <a:pPr>
-              <a:defRPr/>
-            </a:pPr>
-            <a:endParaRPr lang="en-US" dirty="0">
-              <a:solidFill>
-                <a:srgbClr val="404040"/>
-              </a:solidFill>
-            </a:endParaRPr>
-          </a:p>
-        </p:txBody>
-      </p:sp>
-    </p:spTree>
-    <p:custDataLst>
-      <p:tags r:id="rId1"/>
-    </p:custDataLst>
-    <p:extLst>
-      <p:ext uri="{BB962C8B-B14F-4D97-AF65-F5344CB8AC3E}">
-        <p14:creationId xmlns:p14="http://schemas.microsoft.com/office/powerpoint/2010/main" val="3250074744"/>
-      </p:ext>
-    </p:extLst>
-  </p:cSld>
-  <p:clrMapOvr>
-    <a:masterClrMapping/>
-  </p:clrMapOvr>
-</p:sld>
-</file>
-
-<file path=ppt/slides/slide13.xml><?xml version="1.0" encoding="utf-8"?>
-<p:sld xmlns:a="http://schemas.openxmlformats.org/drawingml/2006/main" xmlns:r="http://schemas.openxmlformats.org/officeDocument/2006/relationships" xmlns:p="http://schemas.openxmlformats.org/presentationml/2006/main">
-  <p:cSld>
-    <p:bg>
-      <p:bgPr>
-        <a:solidFill>
-          <a:schemeClr val="bg1">
-            <a:lumMod val="85000"/>
-          </a:schemeClr>
-        </a:solidFill>
-        <a:effectLst/>
-      </p:bgPr>
-    </p:bg>
-    <p:spTree>
-      <p:nvGrpSpPr>
-        <p:cNvPr id="1" name=""/>
-        <p:cNvGrpSpPr/>
-        <p:nvPr/>
-      </p:nvGrpSpPr>
-      <p:grpSpPr>
-        <a:xfrm>
-          <a:off x="0" y="0"/>
-          <a:ext cx="0" cy="0"/>
-          <a:chOff x="0" y="0"/>
-          <a:chExt cx="0" cy="0"/>
-        </a:xfrm>
-      </p:grpSpPr>
-      <p:sp>
-        <p:nvSpPr>
-          <p:cNvPr id="15" name="Rectangle 12">
-            <a:extLst>
-              <a:ext uri="{FF2B5EF4-FFF2-40B4-BE49-F238E27FC236}">
-                <a16:creationId xmlns:a16="http://schemas.microsoft.com/office/drawing/2014/main" id="{867D4867-5BA7-4462-B2F6-A23F4A622AA7}"/>
-              </a:ext>
-              <a:ext uri="{C183D7F6-B498-43B3-948B-1728B52AA6E4}">
-                <adec:decorative xmlns:adec="http://schemas.microsoft.com/office/drawing/2017/decorative" val="1"/>
-              </a:ext>
-            </a:extLst>
-          </p:cNvPr>
-          <p:cNvSpPr>
-            <a:spLocks noGrp="1" noRot="1" noChangeAspect="1" noMove="1" noResize="1" noEditPoints="1" noAdjustHandles="1" noChangeArrowheads="1" noChangeShapeType="1" noTextEdit="1"/>
-          </p:cNvSpPr>
-          <p:nvPr>
-            <p:extLst>
-              <p:ext uri="{386F3935-93C4-4BCD-93E2-E3B085C9AB24}">
-                <p16:designElem xmlns:p16="http://schemas.microsoft.com/office/powerpoint/2015/main" val="1"/>
-              </p:ext>
-            </p:extLst>
-          </p:nvPr>
-        </p:nvSpPr>
-        <p:spPr>
-          <a:xfrm>
-            <a:off x="0" y="0"/>
-            <a:ext cx="3490722" cy="6858000"/>
-          </a:xfrm>
-          <a:prstGeom prst="rect">
-            <a:avLst/>
-          </a:prstGeom>
-          <a:solidFill>
-            <a:schemeClr val="tx1">
-              <a:lumMod val="75000"/>
-              <a:lumOff val="25000"/>
-            </a:schemeClr>
-          </a:solidFill>
-          <a:ln>
-            <a:noFill/>
-          </a:ln>
-        </p:spPr>
-        <p:style>
-          <a:lnRef idx="0">
-            <a:scrgbClr r="0" g="0" b="0"/>
-          </a:lnRef>
-          <a:fillRef idx="0">
-            <a:scrgbClr r="0" g="0" b="0"/>
-          </a:fillRef>
-          <a:effectRef idx="0">
-            <a:scrgbClr r="0" g="0" b="0"/>
-          </a:effectRef>
-          <a:fontRef idx="minor">
-            <a:schemeClr val="lt1"/>
-          </a:fontRef>
-        </p:style>
-        <p:txBody>
-          <a:bodyPr rtlCol="0" anchor="ctr"/>
-          <a:lstStyle/>
-          <a:p>
-            <a:pPr marL="0" marR="0" lvl="0" indent="0" algn="ctr" defTabSz="457200" rtl="0" eaLnBrk="1" fontAlgn="base" latinLnBrk="0" hangingPunct="1">
-              <a:lnSpc>
-                <a:spcPct val="100000"/>
-              </a:lnSpc>
-              <a:spcBef>
-                <a:spcPct val="0"/>
-              </a:spcBef>
-              <a:spcAft>
-                <a:spcPct val="0"/>
-              </a:spcAft>
-              <a:buClrTx/>
-              <a:buSzTx/>
-              <a:buFontTx/>
-              <a:buNone/>
-              <a:tabLst/>
-              <a:defRPr/>
-            </a:pPr>
-            <a:endParaRPr kumimoji="0" lang="en-US" sz="2400" b="0" i="0" u="none" strike="noStrike" kern="1200" cap="none" spc="0" normalizeH="0" baseline="0" noProof="0">
-              <a:ln>
-                <a:noFill/>
-              </a:ln>
-              <a:solidFill>
-                <a:prstClr val="white"/>
-              </a:solidFill>
-              <a:effectLst/>
-              <a:uLnTx/>
-              <a:uFillTx/>
-              <a:latin typeface="Calibri"/>
-              <a:ea typeface="+mn-ea"/>
-              <a:cs typeface="+mn-cs"/>
-            </a:endParaRPr>
-          </a:p>
-        </p:txBody>
-      </p:sp>
-      <p:sp>
-        <p:nvSpPr>
-          <p:cNvPr id="2" name="Title 1"/>
-          <p:cNvSpPr>
-            <a:spLocks noGrp="1"/>
-          </p:cNvSpPr>
-          <p:nvPr>
-            <p:ph type="title"/>
-          </p:nvPr>
-        </p:nvSpPr>
-        <p:spPr>
-          <a:xfrm>
-            <a:off x="482600" y="643467"/>
-            <a:ext cx="2522980" cy="1597315"/>
-          </a:xfrm>
-          <a:noFill/>
-          <a:ln w="19050">
-            <a:solidFill>
-              <a:schemeClr val="bg1"/>
-            </a:solidFill>
-          </a:ln>
-        </p:spPr>
-        <p:txBody>
-          <a:bodyPr vert="horz" wrap="square" lIns="91440" tIns="45720" rIns="91440" bIns="45720" rtlCol="0" anchor="ctr">
-            <a:normAutofit/>
-          </a:bodyPr>
-          <a:lstStyle/>
-          <a:p>
-            <a:pPr defTabSz="914400" eaLnBrk="1" hangingPunct="1">
-              <a:lnSpc>
-                <a:spcPct val="90000"/>
-              </a:lnSpc>
-            </a:pPr>
-            <a:r>
-              <a:rPr lang="en-US" sz="2400" dirty="0">
-                <a:solidFill>
-                  <a:schemeClr val="bg1"/>
-                </a:solidFill>
-              </a:rPr>
-              <a:t>Part 2: Loops</a:t>
-            </a:r>
-            <a:endParaRPr lang="en-US" sz="2400" kern="1200" dirty="0">
-              <a:solidFill>
-                <a:schemeClr val="bg1"/>
-              </a:solidFill>
-              <a:latin typeface="+mj-lt"/>
-              <a:ea typeface="+mj-ea"/>
-              <a:cs typeface="+mj-cs"/>
-            </a:endParaRPr>
-          </a:p>
-        </p:txBody>
-      </p:sp>
-      <p:pic>
-        <p:nvPicPr>
-          <p:cNvPr id="8" name="Picture 7">
-            <a:extLst>
-              <a:ext uri="{FF2B5EF4-FFF2-40B4-BE49-F238E27FC236}">
-                <a16:creationId xmlns:a16="http://schemas.microsoft.com/office/drawing/2014/main" id="{521D4292-9ECC-4DA5-8CC0-C561A0DA118E}"/>
-              </a:ext>
-            </a:extLst>
-          </p:cNvPr>
-          <p:cNvPicPr>
-            <a:picLocks noChangeAspect="1"/>
-          </p:cNvPicPr>
-          <p:nvPr/>
-        </p:nvPicPr>
-        <p:blipFill rotWithShape="1">
-          <a:blip r:embed="rId3"/>
-          <a:srcRect l="8000" r="9400"/>
-          <a:stretch/>
-        </p:blipFill>
-        <p:spPr>
-          <a:xfrm>
-            <a:off x="660103" y="3048000"/>
-            <a:ext cx="2167974" cy="2624666"/>
-          </a:xfrm>
-          <a:prstGeom prst="rect">
-            <a:avLst/>
-          </a:prstGeom>
-          <a:noFill/>
-        </p:spPr>
-      </p:pic>
-      <p:sp>
-        <p:nvSpPr>
-          <p:cNvPr id="6" name="TextBox 5">
-            <a:extLst>
-              <a:ext uri="{FF2B5EF4-FFF2-40B4-BE49-F238E27FC236}">
-                <a16:creationId xmlns:a16="http://schemas.microsoft.com/office/drawing/2014/main" id="{E58EF064-51FF-48A9-8810-E84BE6F6F09D}"/>
-              </a:ext>
-            </a:extLst>
-          </p:cNvPr>
-          <p:cNvSpPr txBox="1"/>
-          <p:nvPr/>
-        </p:nvSpPr>
-        <p:spPr>
-          <a:xfrm>
-            <a:off x="3781236" y="615207"/>
-            <a:ext cx="5286564" cy="4524315"/>
-          </a:xfrm>
-          <a:prstGeom prst="rect">
-            <a:avLst/>
-          </a:prstGeom>
-          <a:noFill/>
-        </p:spPr>
-        <p:txBody>
-          <a:bodyPr wrap="square" rtlCol="0">
-            <a:spAutoFit/>
-          </a:bodyPr>
-          <a:lstStyle/>
-          <a:p>
-            <a:pPr marL="342900" indent="-342900">
-              <a:buFont typeface="Arial" panose="020B0604020202020204" pitchFamily="34" charset="0"/>
-              <a:buChar char="•"/>
-              <a:defRPr/>
-            </a:pPr>
-            <a:r>
-              <a:rPr lang="en-US" dirty="0">
-                <a:solidFill>
-                  <a:srgbClr val="404040"/>
-                </a:solidFill>
-              </a:rPr>
-              <a:t>Run Chunk 7</a:t>
-            </a:r>
-          </a:p>
-          <a:p>
-            <a:pPr marL="800100" lvl="1" indent="-342900">
-              <a:buFont typeface="Arial" panose="020B0604020202020204" pitchFamily="34" charset="0"/>
-              <a:buChar char="•"/>
-              <a:defRPr/>
-            </a:pPr>
-            <a:r>
-              <a:rPr lang="en-US" dirty="0">
-                <a:solidFill>
-                  <a:srgbClr val="404040"/>
-                </a:solidFill>
-              </a:rPr>
-              <a:t>Observe the Difference Between the Printed Tibbles</a:t>
-            </a:r>
-          </a:p>
-          <a:p>
-            <a:pPr marL="800100" lvl="1" indent="-342900">
-              <a:buFont typeface="Arial" panose="020B0604020202020204" pitchFamily="34" charset="0"/>
-              <a:buChar char="•"/>
-              <a:defRPr/>
-            </a:pPr>
-            <a:r>
-              <a:rPr lang="en-US" dirty="0">
-                <a:solidFill>
-                  <a:srgbClr val="404040"/>
-                </a:solidFill>
-              </a:rPr>
-              <a:t>What is the Difference?</a:t>
-            </a:r>
-          </a:p>
-          <a:p>
-            <a:pPr marL="800100" lvl="1" indent="-342900">
-              <a:buFont typeface="Arial" panose="020B0604020202020204" pitchFamily="34" charset="0"/>
-              <a:buChar char="•"/>
-              <a:defRPr/>
-            </a:pPr>
-            <a:r>
-              <a:rPr lang="en-US" dirty="0">
-                <a:solidFill>
-                  <a:srgbClr val="404040"/>
-                </a:solidFill>
-              </a:rPr>
-              <a:t>How Would You Explain the First Loop to a Toddler?</a:t>
-            </a:r>
-          </a:p>
-          <a:p>
-            <a:pPr marL="800100" lvl="1" indent="-342900">
-              <a:buFont typeface="Arial" panose="020B0604020202020204" pitchFamily="34" charset="0"/>
-              <a:buChar char="•"/>
-              <a:defRPr/>
-            </a:pPr>
-            <a:r>
-              <a:rPr lang="en-US" dirty="0">
-                <a:solidFill>
-                  <a:srgbClr val="404040"/>
-                </a:solidFill>
-              </a:rPr>
-              <a:t>What is cat() doing?</a:t>
-            </a:r>
-          </a:p>
-          <a:p>
-            <a:pPr marL="800100" lvl="1" indent="-342900">
-              <a:buFont typeface="Arial" panose="020B0604020202020204" pitchFamily="34" charset="0"/>
-              <a:buChar char="•"/>
-              <a:defRPr/>
-            </a:pPr>
-            <a:r>
-              <a:rPr lang="en-US" dirty="0">
-                <a:solidFill>
-                  <a:srgbClr val="404040"/>
-                </a:solidFill>
-              </a:rPr>
-              <a:t>How Would You Explain the Second Loop to an Infant?</a:t>
-            </a:r>
-          </a:p>
-          <a:p>
-            <a:pPr marL="800100" lvl="1" indent="-342900">
-              <a:buFont typeface="Arial" panose="020B0604020202020204" pitchFamily="34" charset="0"/>
-              <a:buChar char="•"/>
-              <a:defRPr/>
-            </a:pPr>
-            <a:r>
-              <a:rPr lang="en-US" dirty="0">
-                <a:solidFill>
-                  <a:srgbClr val="404040"/>
-                </a:solidFill>
-              </a:rPr>
-              <a:t>Remember: There Are an Infinite Number of Ways to Do the Same Thing.</a:t>
-            </a:r>
-          </a:p>
-        </p:txBody>
-      </p:sp>
-    </p:spTree>
-    <p:custDataLst>
-      <p:tags r:id="rId1"/>
-    </p:custDataLst>
-    <p:extLst>
-      <p:ext uri="{BB962C8B-B14F-4D97-AF65-F5344CB8AC3E}">
-        <p14:creationId xmlns:p14="http://schemas.microsoft.com/office/powerpoint/2010/main" val="1837324169"/>
-      </p:ext>
-    </p:extLst>
-  </p:cSld>
-  <p:clrMapOvr>
-    <a:masterClrMapping/>
-  </p:clrMapOvr>
-</p:sld>
-</file>
-
-<file path=ppt/slides/slide14.xml><?xml version="1.0" encoding="utf-8"?>
-<p:sld xmlns:a="http://schemas.openxmlformats.org/drawingml/2006/main" xmlns:r="http://schemas.openxmlformats.org/officeDocument/2006/relationships" xmlns:p="http://schemas.openxmlformats.org/presentationml/2006/main">
-  <p:cSld>
-    <p:bg>
-      <p:bgPr>
-        <a:solidFill>
-          <a:schemeClr val="bg1">
-            <a:lumMod val="85000"/>
-          </a:schemeClr>
-        </a:solidFill>
-        <a:effectLst/>
-      </p:bgPr>
-    </p:bg>
-    <p:spTree>
-      <p:nvGrpSpPr>
-        <p:cNvPr id="1" name=""/>
-        <p:cNvGrpSpPr/>
-        <p:nvPr/>
-      </p:nvGrpSpPr>
-      <p:grpSpPr>
-        <a:xfrm>
-          <a:off x="0" y="0"/>
-          <a:ext cx="0" cy="0"/>
-          <a:chOff x="0" y="0"/>
-          <a:chExt cx="0" cy="0"/>
-        </a:xfrm>
-      </p:grpSpPr>
-      <p:sp>
-        <p:nvSpPr>
-          <p:cNvPr id="15" name="Rectangle 12">
-            <a:extLst>
-              <a:ext uri="{FF2B5EF4-FFF2-40B4-BE49-F238E27FC236}">
-                <a16:creationId xmlns:a16="http://schemas.microsoft.com/office/drawing/2014/main" id="{867D4867-5BA7-4462-B2F6-A23F4A622AA7}"/>
-              </a:ext>
-              <a:ext uri="{C183D7F6-B498-43B3-948B-1728B52AA6E4}">
-                <adec:decorative xmlns:adec="http://schemas.microsoft.com/office/drawing/2017/decorative" val="1"/>
-              </a:ext>
-            </a:extLst>
-          </p:cNvPr>
-          <p:cNvSpPr>
-            <a:spLocks noGrp="1" noRot="1" noChangeAspect="1" noMove="1" noResize="1" noEditPoints="1" noAdjustHandles="1" noChangeArrowheads="1" noChangeShapeType="1" noTextEdit="1"/>
-          </p:cNvSpPr>
-          <p:nvPr>
-            <p:extLst>
-              <p:ext uri="{386F3935-93C4-4BCD-93E2-E3B085C9AB24}">
-                <p16:designElem xmlns:p16="http://schemas.microsoft.com/office/powerpoint/2015/main" val="1"/>
-              </p:ext>
-            </p:extLst>
-          </p:nvPr>
-        </p:nvSpPr>
-        <p:spPr>
-          <a:xfrm>
-            <a:off x="0" y="0"/>
-            <a:ext cx="3490722" cy="6858000"/>
-          </a:xfrm>
-          <a:prstGeom prst="rect">
-            <a:avLst/>
-          </a:prstGeom>
-          <a:solidFill>
-            <a:schemeClr val="tx1">
-              <a:lumMod val="75000"/>
-              <a:lumOff val="25000"/>
-            </a:schemeClr>
-          </a:solidFill>
-          <a:ln>
-            <a:noFill/>
-          </a:ln>
-        </p:spPr>
-        <p:style>
-          <a:lnRef idx="0">
-            <a:scrgbClr r="0" g="0" b="0"/>
-          </a:lnRef>
-          <a:fillRef idx="0">
-            <a:scrgbClr r="0" g="0" b="0"/>
-          </a:fillRef>
-          <a:effectRef idx="0">
-            <a:scrgbClr r="0" g="0" b="0"/>
-          </a:effectRef>
-          <a:fontRef idx="minor">
-            <a:schemeClr val="lt1"/>
-          </a:fontRef>
-        </p:style>
-        <p:txBody>
-          <a:bodyPr rtlCol="0" anchor="ctr"/>
-          <a:lstStyle/>
-          <a:p>
-            <a:pPr marL="0" marR="0" lvl="0" indent="0" algn="ctr" defTabSz="457200" rtl="0" eaLnBrk="1" fontAlgn="base" latinLnBrk="0" hangingPunct="1">
-              <a:lnSpc>
-                <a:spcPct val="100000"/>
-              </a:lnSpc>
-              <a:spcBef>
-                <a:spcPct val="0"/>
-              </a:spcBef>
-              <a:spcAft>
-                <a:spcPct val="0"/>
-              </a:spcAft>
-              <a:buClrTx/>
-              <a:buSzTx/>
-              <a:buFontTx/>
-              <a:buNone/>
-              <a:tabLst/>
-              <a:defRPr/>
-            </a:pPr>
-            <a:endParaRPr kumimoji="0" lang="en-US" sz="2400" b="0" i="0" u="none" strike="noStrike" kern="1200" cap="none" spc="0" normalizeH="0" baseline="0" noProof="0">
-              <a:ln>
-                <a:noFill/>
-              </a:ln>
-              <a:solidFill>
-                <a:prstClr val="white"/>
-              </a:solidFill>
-              <a:effectLst/>
-              <a:uLnTx/>
-              <a:uFillTx/>
-              <a:latin typeface="Calibri"/>
-              <a:ea typeface="+mn-ea"/>
-              <a:cs typeface="+mn-cs"/>
-            </a:endParaRPr>
-          </a:p>
-        </p:txBody>
-      </p:sp>
-      <p:sp>
-        <p:nvSpPr>
-          <p:cNvPr id="2" name="Title 1"/>
-          <p:cNvSpPr>
-            <a:spLocks noGrp="1"/>
-          </p:cNvSpPr>
-          <p:nvPr>
-            <p:ph type="title"/>
-          </p:nvPr>
-        </p:nvSpPr>
-        <p:spPr>
-          <a:xfrm>
-            <a:off x="482600" y="643467"/>
-            <a:ext cx="2522980" cy="1597315"/>
-          </a:xfrm>
-          <a:noFill/>
-          <a:ln w="19050">
-            <a:solidFill>
-              <a:schemeClr val="bg1"/>
-            </a:solidFill>
-          </a:ln>
-        </p:spPr>
-        <p:txBody>
-          <a:bodyPr vert="horz" wrap="square" lIns="91440" tIns="45720" rIns="91440" bIns="45720" rtlCol="0" anchor="ctr">
-            <a:normAutofit/>
-          </a:bodyPr>
-          <a:lstStyle/>
-          <a:p>
-            <a:pPr defTabSz="914400" eaLnBrk="1" hangingPunct="1">
-              <a:lnSpc>
-                <a:spcPct val="90000"/>
-              </a:lnSpc>
-            </a:pPr>
-            <a:r>
-              <a:rPr lang="en-US" sz="2400" dirty="0">
-                <a:solidFill>
-                  <a:schemeClr val="bg1"/>
-                </a:solidFill>
-              </a:rPr>
-              <a:t>Part 3: SRS</a:t>
-            </a:r>
-            <a:endParaRPr lang="en-US" sz="2400" kern="1200" dirty="0">
-              <a:solidFill>
-                <a:schemeClr val="bg1"/>
-              </a:solidFill>
-              <a:latin typeface="+mj-lt"/>
-              <a:ea typeface="+mj-ea"/>
-              <a:cs typeface="+mj-cs"/>
-            </a:endParaRPr>
-          </a:p>
-        </p:txBody>
-      </p:sp>
-      <p:pic>
-        <p:nvPicPr>
-          <p:cNvPr id="8" name="Picture 7">
-            <a:extLst>
-              <a:ext uri="{FF2B5EF4-FFF2-40B4-BE49-F238E27FC236}">
-                <a16:creationId xmlns:a16="http://schemas.microsoft.com/office/drawing/2014/main" id="{521D4292-9ECC-4DA5-8CC0-C561A0DA118E}"/>
-              </a:ext>
-            </a:extLst>
-          </p:cNvPr>
-          <p:cNvPicPr>
-            <a:picLocks noChangeAspect="1"/>
-          </p:cNvPicPr>
-          <p:nvPr/>
-        </p:nvPicPr>
-        <p:blipFill rotWithShape="1">
-          <a:blip r:embed="rId3"/>
-          <a:srcRect l="8000" r="9400"/>
-          <a:stretch/>
-        </p:blipFill>
-        <p:spPr>
-          <a:xfrm>
-            <a:off x="660103" y="3048000"/>
-            <a:ext cx="2167974" cy="2624666"/>
-          </a:xfrm>
-          <a:prstGeom prst="rect">
-            <a:avLst/>
-          </a:prstGeom>
-          <a:noFill/>
-        </p:spPr>
-      </p:pic>
-      <p:pic>
-        <p:nvPicPr>
-          <p:cNvPr id="3" name="Picture 2">
-            <a:extLst>
-              <a:ext uri="{FF2B5EF4-FFF2-40B4-BE49-F238E27FC236}">
-                <a16:creationId xmlns:a16="http://schemas.microsoft.com/office/drawing/2014/main" id="{332756A3-4863-46A7-9FBC-B23BD3F74BFC}"/>
-              </a:ext>
-            </a:extLst>
-          </p:cNvPr>
-          <p:cNvPicPr>
-            <a:picLocks noChangeAspect="1"/>
-          </p:cNvPicPr>
-          <p:nvPr/>
-        </p:nvPicPr>
-        <p:blipFill>
-          <a:blip r:embed="rId4"/>
-          <a:stretch>
-            <a:fillRect/>
-          </a:stretch>
-        </p:blipFill>
-        <p:spPr>
-          <a:xfrm>
-            <a:off x="3585972" y="1818409"/>
-            <a:ext cx="5481828" cy="1257300"/>
-          </a:xfrm>
-          <a:prstGeom prst="rect">
-            <a:avLst/>
-          </a:prstGeom>
-          <a:ln>
-            <a:solidFill>
-              <a:srgbClr val="404040"/>
-            </a:solidFill>
-          </a:ln>
-        </p:spPr>
-        <p:style>
-          <a:lnRef idx="2">
-            <a:schemeClr val="dk1"/>
-          </a:lnRef>
-          <a:fillRef idx="1">
-            <a:schemeClr val="lt1"/>
-          </a:fillRef>
-          <a:effectRef idx="0">
-            <a:schemeClr val="dk1"/>
-          </a:effectRef>
-          <a:fontRef idx="minor">
-            <a:schemeClr val="dk1"/>
-          </a:fontRef>
-        </p:style>
-      </p:pic>
-      <p:sp>
-        <p:nvSpPr>
-          <p:cNvPr id="6" name="TextBox 5">
-            <a:extLst>
-              <a:ext uri="{FF2B5EF4-FFF2-40B4-BE49-F238E27FC236}">
-                <a16:creationId xmlns:a16="http://schemas.microsoft.com/office/drawing/2014/main" id="{FC3DAEC3-3D5E-498E-BFE9-14205272B253}"/>
-              </a:ext>
-            </a:extLst>
-          </p:cNvPr>
-          <p:cNvSpPr txBox="1"/>
-          <p:nvPr/>
-        </p:nvSpPr>
-        <p:spPr>
-          <a:xfrm>
-            <a:off x="3781236" y="615207"/>
-            <a:ext cx="5286564" cy="6278642"/>
-          </a:xfrm>
-          <a:prstGeom prst="rect">
-            <a:avLst/>
-          </a:prstGeom>
-          <a:noFill/>
-        </p:spPr>
-        <p:txBody>
-          <a:bodyPr wrap="square" rtlCol="0">
-            <a:spAutoFit/>
-          </a:bodyPr>
-          <a:lstStyle/>
-          <a:p>
-            <a:pPr marL="342900" indent="-342900">
-              <a:buFont typeface="Arial" panose="020B0604020202020204" pitchFamily="34" charset="0"/>
-              <a:buChar char="•"/>
-              <a:defRPr/>
-            </a:pPr>
-            <a:r>
-              <a:rPr lang="en-US" dirty="0">
-                <a:solidFill>
-                  <a:srgbClr val="404040"/>
-                </a:solidFill>
-              </a:rPr>
-              <a:t>Important For Simulation Studies</a:t>
-            </a:r>
-          </a:p>
-          <a:p>
-            <a:pPr marL="342900" indent="-342900">
-              <a:buFont typeface="Arial" panose="020B0604020202020204" pitchFamily="34" charset="0"/>
-              <a:buChar char="•"/>
-              <a:defRPr/>
-            </a:pPr>
-            <a:endParaRPr lang="en-US" dirty="0">
-              <a:solidFill>
-                <a:srgbClr val="404040"/>
-              </a:solidFill>
-            </a:endParaRPr>
-          </a:p>
-          <a:p>
-            <a:pPr marL="342900" indent="-342900">
-              <a:buFont typeface="Arial" panose="020B0604020202020204" pitchFamily="34" charset="0"/>
-              <a:buChar char="•"/>
-              <a:defRPr/>
-            </a:pPr>
-            <a:r>
-              <a:rPr lang="en-US" dirty="0">
-                <a:solidFill>
-                  <a:srgbClr val="404040"/>
-                </a:solidFill>
-              </a:rPr>
-              <a:t>Known Distributions</a:t>
-            </a:r>
-          </a:p>
-          <a:p>
-            <a:pPr marL="342900" indent="-342900">
-              <a:buFont typeface="Arial" panose="020B0604020202020204" pitchFamily="34" charset="0"/>
-              <a:buChar char="•"/>
-              <a:defRPr/>
-            </a:pPr>
-            <a:endParaRPr lang="en-US" sz="1800" dirty="0">
-              <a:solidFill>
-                <a:srgbClr val="404040"/>
-              </a:solidFill>
-            </a:endParaRPr>
-          </a:p>
-          <a:p>
-            <a:pPr marL="342900" indent="-342900">
-              <a:buFont typeface="Arial" panose="020B0604020202020204" pitchFamily="34" charset="0"/>
-              <a:buChar char="•"/>
-              <a:defRPr/>
-            </a:pPr>
-            <a:endParaRPr lang="en-US" dirty="0">
-              <a:solidFill>
-                <a:srgbClr val="404040"/>
-              </a:solidFill>
-            </a:endParaRPr>
-          </a:p>
-          <a:p>
-            <a:pPr marL="342900" indent="-342900">
-              <a:buFont typeface="Arial" panose="020B0604020202020204" pitchFamily="34" charset="0"/>
-              <a:buChar char="•"/>
-              <a:defRPr/>
-            </a:pPr>
-            <a:endParaRPr lang="en-US" dirty="0">
-              <a:solidFill>
-                <a:srgbClr val="404040"/>
-              </a:solidFill>
-            </a:endParaRPr>
-          </a:p>
-          <a:p>
-            <a:pPr marL="342900" indent="-342900">
-              <a:buFont typeface="Arial" panose="020B0604020202020204" pitchFamily="34" charset="0"/>
-              <a:buChar char="•"/>
-              <a:defRPr/>
-            </a:pPr>
-            <a:endParaRPr lang="en-US" dirty="0">
-              <a:solidFill>
-                <a:srgbClr val="404040"/>
-              </a:solidFill>
-            </a:endParaRPr>
-          </a:p>
-          <a:p>
-            <a:pPr marL="800100" lvl="1" indent="-342900">
-              <a:buFont typeface="Arial" panose="020B0604020202020204" pitchFamily="34" charset="0"/>
-              <a:buChar char="•"/>
-              <a:defRPr/>
-            </a:pPr>
-            <a:r>
-              <a:rPr lang="en-US" dirty="0">
-                <a:solidFill>
-                  <a:srgbClr val="404040"/>
-                </a:solidFill>
-              </a:rPr>
-              <a:t>“d” -&gt; Useful for Plotting Density Curve for Continuous Variables or Probability Mass Function for Discrete Variables</a:t>
-            </a:r>
-          </a:p>
-          <a:p>
-            <a:pPr marL="800100" lvl="1" indent="-342900">
-              <a:buFont typeface="Arial" panose="020B0604020202020204" pitchFamily="34" charset="0"/>
-              <a:buChar char="•"/>
-              <a:defRPr/>
-            </a:pPr>
-            <a:r>
-              <a:rPr lang="en-US" dirty="0">
-                <a:solidFill>
-                  <a:srgbClr val="404040"/>
-                </a:solidFill>
-              </a:rPr>
-              <a:t>“p” -&gt; Finds the Probability Less Than Or Equal to a Given Number</a:t>
-            </a:r>
-          </a:p>
-          <a:p>
-            <a:pPr marL="800100" lvl="1" indent="-342900">
-              <a:buFont typeface="Arial" panose="020B0604020202020204" pitchFamily="34" charset="0"/>
-              <a:buChar char="•"/>
-              <a:defRPr/>
-            </a:pPr>
-            <a:r>
-              <a:rPr lang="en-US" dirty="0">
-                <a:solidFill>
-                  <a:srgbClr val="404040"/>
-                </a:solidFill>
-              </a:rPr>
-              <a:t>“q” -&gt; Finds Cutoff Points</a:t>
-            </a:r>
-          </a:p>
-          <a:p>
-            <a:pPr marL="800100" lvl="1" indent="-342900">
-              <a:buFont typeface="Arial" panose="020B0604020202020204" pitchFamily="34" charset="0"/>
-              <a:buChar char="•"/>
-              <a:defRPr/>
-            </a:pPr>
-            <a:r>
-              <a:rPr lang="en-US" dirty="0">
-                <a:solidFill>
-                  <a:srgbClr val="404040"/>
-                </a:solidFill>
-              </a:rPr>
-              <a:t>“r” -&gt; Generates a Random Sample from the Distribution</a:t>
-            </a:r>
-          </a:p>
-        </p:txBody>
-      </p:sp>
-    </p:spTree>
-    <p:custDataLst>
-      <p:tags r:id="rId1"/>
-    </p:custDataLst>
-    <p:extLst>
-      <p:ext uri="{BB962C8B-B14F-4D97-AF65-F5344CB8AC3E}">
-        <p14:creationId xmlns:p14="http://schemas.microsoft.com/office/powerpoint/2010/main" val="199654673"/>
-      </p:ext>
-    </p:extLst>
-  </p:cSld>
-  <p:clrMapOvr>
-    <a:masterClrMapping/>
-  </p:clrMapOvr>
-</p:sld>
-</file>
-
-<file path=ppt/slides/slide15.xml><?xml version="1.0" encoding="utf-8"?>
-<p:sld xmlns:a="http://schemas.openxmlformats.org/drawingml/2006/main" xmlns:r="http://schemas.openxmlformats.org/officeDocument/2006/relationships" xmlns:p="http://schemas.openxmlformats.org/presentationml/2006/main">
-  <p:cSld>
-    <p:bg>
-      <p:bgPr>
-        <a:solidFill>
-          <a:schemeClr val="bg1">
-            <a:lumMod val="85000"/>
-          </a:schemeClr>
-        </a:solidFill>
-        <a:effectLst/>
-      </p:bgPr>
-    </p:bg>
-    <p:spTree>
-      <p:nvGrpSpPr>
-        <p:cNvPr id="1" name=""/>
-        <p:cNvGrpSpPr/>
-        <p:nvPr/>
-      </p:nvGrpSpPr>
-      <p:grpSpPr>
-        <a:xfrm>
-          <a:off x="0" y="0"/>
-          <a:ext cx="0" cy="0"/>
-          <a:chOff x="0" y="0"/>
-          <a:chExt cx="0" cy="0"/>
-        </a:xfrm>
-      </p:grpSpPr>
-      <p:sp>
-        <p:nvSpPr>
-          <p:cNvPr id="15" name="Rectangle 12">
-            <a:extLst>
-              <a:ext uri="{FF2B5EF4-FFF2-40B4-BE49-F238E27FC236}">
-                <a16:creationId xmlns:a16="http://schemas.microsoft.com/office/drawing/2014/main" id="{867D4867-5BA7-4462-B2F6-A23F4A622AA7}"/>
-              </a:ext>
-              <a:ext uri="{C183D7F6-B498-43B3-948B-1728B52AA6E4}">
-                <adec:decorative xmlns:adec="http://schemas.microsoft.com/office/drawing/2017/decorative" val="1"/>
-              </a:ext>
-            </a:extLst>
-          </p:cNvPr>
-          <p:cNvSpPr>
-            <a:spLocks noGrp="1" noRot="1" noChangeAspect="1" noMove="1" noResize="1" noEditPoints="1" noAdjustHandles="1" noChangeArrowheads="1" noChangeShapeType="1" noTextEdit="1"/>
-          </p:cNvSpPr>
-          <p:nvPr>
-            <p:extLst>
-              <p:ext uri="{386F3935-93C4-4BCD-93E2-E3B085C9AB24}">
-                <p16:designElem xmlns:p16="http://schemas.microsoft.com/office/powerpoint/2015/main" val="1"/>
-              </p:ext>
-            </p:extLst>
-          </p:nvPr>
-        </p:nvSpPr>
-        <p:spPr>
-          <a:xfrm>
-            <a:off x="0" y="0"/>
-            <a:ext cx="3490722" cy="6858000"/>
-          </a:xfrm>
-          <a:prstGeom prst="rect">
-            <a:avLst/>
-          </a:prstGeom>
-          <a:solidFill>
-            <a:schemeClr val="tx1">
-              <a:lumMod val="75000"/>
-              <a:lumOff val="25000"/>
-            </a:schemeClr>
-          </a:solidFill>
-          <a:ln>
-            <a:noFill/>
-          </a:ln>
-        </p:spPr>
-        <p:style>
-          <a:lnRef idx="0">
-            <a:scrgbClr r="0" g="0" b="0"/>
-          </a:lnRef>
-          <a:fillRef idx="0">
-            <a:scrgbClr r="0" g="0" b="0"/>
-          </a:fillRef>
-          <a:effectRef idx="0">
-            <a:scrgbClr r="0" g="0" b="0"/>
-          </a:effectRef>
-          <a:fontRef idx="minor">
-            <a:schemeClr val="lt1"/>
-          </a:fontRef>
-        </p:style>
-        <p:txBody>
-          <a:bodyPr rtlCol="0" anchor="ctr"/>
-          <a:lstStyle/>
-          <a:p>
-            <a:pPr marL="0" marR="0" lvl="0" indent="0" algn="ctr" defTabSz="457200" rtl="0" eaLnBrk="1" fontAlgn="base" latinLnBrk="0" hangingPunct="1">
-              <a:lnSpc>
-                <a:spcPct val="100000"/>
-              </a:lnSpc>
-              <a:spcBef>
-                <a:spcPct val="0"/>
-              </a:spcBef>
-              <a:spcAft>
-                <a:spcPct val="0"/>
-              </a:spcAft>
-              <a:buClrTx/>
-              <a:buSzTx/>
-              <a:buFontTx/>
-              <a:buNone/>
-              <a:tabLst/>
-              <a:defRPr/>
-            </a:pPr>
-            <a:endParaRPr kumimoji="0" lang="en-US" sz="2400" b="0" i="0" u="none" strike="noStrike" kern="1200" cap="none" spc="0" normalizeH="0" baseline="0" noProof="0">
-              <a:ln>
-                <a:noFill/>
-              </a:ln>
-              <a:solidFill>
-                <a:prstClr val="white"/>
-              </a:solidFill>
-              <a:effectLst/>
-              <a:uLnTx/>
-              <a:uFillTx/>
-              <a:latin typeface="Calibri"/>
-              <a:ea typeface="+mn-ea"/>
-              <a:cs typeface="+mn-cs"/>
-            </a:endParaRPr>
-          </a:p>
-        </p:txBody>
-      </p:sp>
-      <p:sp>
-        <p:nvSpPr>
-          <p:cNvPr id="2" name="Title 1"/>
-          <p:cNvSpPr>
-            <a:spLocks noGrp="1"/>
-          </p:cNvSpPr>
-          <p:nvPr>
-            <p:ph type="title"/>
-          </p:nvPr>
-        </p:nvSpPr>
-        <p:spPr>
-          <a:xfrm>
-            <a:off x="482600" y="643467"/>
-            <a:ext cx="2522980" cy="1597315"/>
-          </a:xfrm>
-          <a:noFill/>
-          <a:ln w="19050">
-            <a:solidFill>
-              <a:schemeClr val="bg1"/>
-            </a:solidFill>
-          </a:ln>
-        </p:spPr>
-        <p:txBody>
-          <a:bodyPr vert="horz" wrap="square" lIns="91440" tIns="45720" rIns="91440" bIns="45720" rtlCol="0" anchor="ctr">
-            <a:normAutofit/>
-          </a:bodyPr>
-          <a:lstStyle/>
-          <a:p>
-            <a:pPr defTabSz="914400" eaLnBrk="1" hangingPunct="1">
-              <a:lnSpc>
-                <a:spcPct val="90000"/>
-              </a:lnSpc>
-            </a:pPr>
-            <a:r>
-              <a:rPr lang="en-US" sz="2400" dirty="0">
-                <a:solidFill>
-                  <a:schemeClr val="bg1"/>
-                </a:solidFill>
-              </a:rPr>
-              <a:t>Part 3: SRS</a:t>
-            </a:r>
-            <a:endParaRPr lang="en-US" sz="2400" kern="1200" dirty="0">
-              <a:solidFill>
-                <a:schemeClr val="bg1"/>
-              </a:solidFill>
-              <a:latin typeface="+mj-lt"/>
-              <a:ea typeface="+mj-ea"/>
-              <a:cs typeface="+mj-cs"/>
-            </a:endParaRPr>
-          </a:p>
-        </p:txBody>
-      </p:sp>
-      <p:pic>
-        <p:nvPicPr>
-          <p:cNvPr id="8" name="Picture 7">
-            <a:extLst>
-              <a:ext uri="{FF2B5EF4-FFF2-40B4-BE49-F238E27FC236}">
-                <a16:creationId xmlns:a16="http://schemas.microsoft.com/office/drawing/2014/main" id="{521D4292-9ECC-4DA5-8CC0-C561A0DA118E}"/>
-              </a:ext>
-            </a:extLst>
-          </p:cNvPr>
-          <p:cNvPicPr>
-            <a:picLocks noChangeAspect="1"/>
-          </p:cNvPicPr>
-          <p:nvPr/>
-        </p:nvPicPr>
-        <p:blipFill rotWithShape="1">
-          <a:blip r:embed="rId3"/>
-          <a:srcRect l="8000" r="9400"/>
-          <a:stretch/>
-        </p:blipFill>
-        <p:spPr>
-          <a:xfrm>
-            <a:off x="660103" y="3048000"/>
-            <a:ext cx="2167974" cy="2624666"/>
-          </a:xfrm>
-          <a:prstGeom prst="rect">
-            <a:avLst/>
-          </a:prstGeom>
-          <a:noFill/>
-        </p:spPr>
-      </p:pic>
-      <p:sp>
-        <p:nvSpPr>
-          <p:cNvPr id="6" name="TextBox 5">
-            <a:extLst>
-              <a:ext uri="{FF2B5EF4-FFF2-40B4-BE49-F238E27FC236}">
-                <a16:creationId xmlns:a16="http://schemas.microsoft.com/office/drawing/2014/main" id="{FC3DAEC3-3D5E-498E-BFE9-14205272B253}"/>
-              </a:ext>
-            </a:extLst>
-          </p:cNvPr>
-          <p:cNvSpPr txBox="1"/>
-          <p:nvPr/>
-        </p:nvSpPr>
-        <p:spPr>
-          <a:xfrm>
-            <a:off x="3781236" y="615207"/>
-            <a:ext cx="5286564" cy="6001643"/>
-          </a:xfrm>
-          <a:prstGeom prst="rect">
-            <a:avLst/>
-          </a:prstGeom>
-          <a:noFill/>
-        </p:spPr>
-        <p:txBody>
-          <a:bodyPr wrap="square" rtlCol="0">
-            <a:spAutoFit/>
-          </a:bodyPr>
-          <a:lstStyle/>
-          <a:p>
-            <a:pPr marL="342900" indent="-342900">
-              <a:buFont typeface="Arial" panose="020B0604020202020204" pitchFamily="34" charset="0"/>
-              <a:buChar char="•"/>
-              <a:defRPr/>
-            </a:pPr>
-            <a:r>
-              <a:rPr lang="en-US" dirty="0">
-                <a:solidFill>
-                  <a:srgbClr val="404040"/>
-                </a:solidFill>
-              </a:rPr>
-              <a:t>For SRS, Use “r”</a:t>
-            </a:r>
-          </a:p>
-          <a:p>
-            <a:pPr marL="342900" indent="-342900">
-              <a:buFont typeface="Arial" panose="020B0604020202020204" pitchFamily="34" charset="0"/>
-              <a:buChar char="•"/>
-              <a:defRPr/>
-            </a:pPr>
-            <a:endParaRPr lang="en-US" dirty="0">
-              <a:solidFill>
-                <a:srgbClr val="404040"/>
-              </a:solidFill>
-            </a:endParaRPr>
-          </a:p>
-          <a:p>
-            <a:pPr marL="342900" indent="-342900">
-              <a:buFont typeface="Arial" panose="020B0604020202020204" pitchFamily="34" charset="0"/>
-              <a:buChar char="•"/>
-              <a:defRPr/>
-            </a:pPr>
-            <a:r>
-              <a:rPr lang="en-US" dirty="0">
-                <a:solidFill>
-                  <a:srgbClr val="404040"/>
-                </a:solidFill>
-              </a:rPr>
-              <a:t>Run Chunk 1</a:t>
-            </a:r>
-          </a:p>
-          <a:p>
-            <a:pPr marL="800100" lvl="1" indent="-342900">
-              <a:buFont typeface="Arial" panose="020B0604020202020204" pitchFamily="34" charset="0"/>
-              <a:buChar char="•"/>
-              <a:defRPr/>
-            </a:pPr>
-            <a:r>
-              <a:rPr lang="en-US" dirty="0">
-                <a:solidFill>
-                  <a:srgbClr val="404040"/>
-                </a:solidFill>
-              </a:rPr>
-              <a:t>Scenario for x1: You Ask BLANK Number of Students There Grades where Grades Follow a Normal Distribution with Mean=82 and SD=2</a:t>
-            </a:r>
-          </a:p>
-          <a:p>
-            <a:pPr lvl="1">
-              <a:defRPr/>
-            </a:pPr>
-            <a:endParaRPr lang="en-US" dirty="0">
-              <a:solidFill>
-                <a:srgbClr val="404040"/>
-              </a:solidFill>
-            </a:endParaRPr>
-          </a:p>
-          <a:p>
-            <a:pPr marL="800100" lvl="1" indent="-342900">
-              <a:buFont typeface="Arial" panose="020B0604020202020204" pitchFamily="34" charset="0"/>
-              <a:buChar char="•"/>
-              <a:defRPr/>
-            </a:pPr>
-            <a:r>
-              <a:rPr lang="en-US" dirty="0">
-                <a:solidFill>
-                  <a:srgbClr val="404040"/>
-                </a:solidFill>
-              </a:rPr>
-              <a:t>Scenario for x2: You Ask BLANK Number of Students to Roll a Fair Die 10 Times and Tell You the Number of 6’s that Appeared.</a:t>
-            </a:r>
-          </a:p>
-          <a:p>
-            <a:pPr marL="800100" lvl="1" indent="-342900">
-              <a:buFont typeface="Arial" panose="020B0604020202020204" pitchFamily="34" charset="0"/>
-              <a:buChar char="•"/>
-              <a:defRPr/>
-            </a:pPr>
-            <a:endParaRPr lang="en-US" dirty="0">
-              <a:solidFill>
-                <a:srgbClr val="404040"/>
-              </a:solidFill>
-            </a:endParaRPr>
-          </a:p>
-          <a:p>
-            <a:pPr marL="800100" lvl="1" indent="-342900">
-              <a:buFont typeface="Arial" panose="020B0604020202020204" pitchFamily="34" charset="0"/>
-              <a:buChar char="•"/>
-              <a:defRPr/>
-            </a:pPr>
-            <a:r>
-              <a:rPr lang="en-US" dirty="0">
-                <a:solidFill>
-                  <a:srgbClr val="404040"/>
-                </a:solidFill>
-              </a:rPr>
-              <a:t>Try Small and Large for BLANK</a:t>
-            </a:r>
-          </a:p>
-        </p:txBody>
-      </p:sp>
-    </p:spTree>
-    <p:custDataLst>
-      <p:tags r:id="rId1"/>
-    </p:custDataLst>
-    <p:extLst>
-      <p:ext uri="{BB962C8B-B14F-4D97-AF65-F5344CB8AC3E}">
-        <p14:creationId xmlns:p14="http://schemas.microsoft.com/office/powerpoint/2010/main" val="3637524151"/>
-      </p:ext>
-    </p:extLst>
-  </p:cSld>
-  <p:clrMapOvr>
-    <a:masterClrMapping/>
-  </p:clrMapOvr>
-</p:sld>
-</file>
-
-<file path=ppt/slides/slide16.xml><?xml version="1.0" encoding="utf-8"?>
-<p:sld xmlns:a="http://schemas.openxmlformats.org/drawingml/2006/main" xmlns:r="http://schemas.openxmlformats.org/officeDocument/2006/relationships" xmlns:p="http://schemas.openxmlformats.org/presentationml/2006/main">
-  <p:cSld>
-    <p:bg>
-      <p:bgPr>
-        <a:solidFill>
-          <a:schemeClr val="bg1">
-            <a:lumMod val="85000"/>
-          </a:schemeClr>
-        </a:solidFill>
-        <a:effectLst/>
-      </p:bgPr>
-    </p:bg>
-    <p:spTree>
-      <p:nvGrpSpPr>
-        <p:cNvPr id="1" name=""/>
-        <p:cNvGrpSpPr/>
-        <p:nvPr/>
-      </p:nvGrpSpPr>
-      <p:grpSpPr>
-        <a:xfrm>
-          <a:off x="0" y="0"/>
-          <a:ext cx="0" cy="0"/>
-          <a:chOff x="0" y="0"/>
-          <a:chExt cx="0" cy="0"/>
-        </a:xfrm>
-      </p:grpSpPr>
-      <p:sp>
-        <p:nvSpPr>
-          <p:cNvPr id="15" name="Rectangle 12">
-            <a:extLst>
-              <a:ext uri="{FF2B5EF4-FFF2-40B4-BE49-F238E27FC236}">
-                <a16:creationId xmlns:a16="http://schemas.microsoft.com/office/drawing/2014/main" id="{867D4867-5BA7-4462-B2F6-A23F4A622AA7}"/>
-              </a:ext>
-              <a:ext uri="{C183D7F6-B498-43B3-948B-1728B52AA6E4}">
-                <adec:decorative xmlns:adec="http://schemas.microsoft.com/office/drawing/2017/decorative" val="1"/>
-              </a:ext>
-            </a:extLst>
-          </p:cNvPr>
-          <p:cNvSpPr>
-            <a:spLocks noGrp="1" noRot="1" noChangeAspect="1" noMove="1" noResize="1" noEditPoints="1" noAdjustHandles="1" noChangeArrowheads="1" noChangeShapeType="1" noTextEdit="1"/>
-          </p:cNvSpPr>
-          <p:nvPr>
-            <p:extLst>
-              <p:ext uri="{386F3935-93C4-4BCD-93E2-E3B085C9AB24}">
-                <p16:designElem xmlns:p16="http://schemas.microsoft.com/office/powerpoint/2015/main" val="1"/>
-              </p:ext>
-            </p:extLst>
-          </p:nvPr>
-        </p:nvSpPr>
-        <p:spPr>
-          <a:xfrm>
-            <a:off x="0" y="0"/>
-            <a:ext cx="3490722" cy="6858000"/>
-          </a:xfrm>
-          <a:prstGeom prst="rect">
-            <a:avLst/>
-          </a:prstGeom>
-          <a:solidFill>
-            <a:schemeClr val="tx1">
-              <a:lumMod val="75000"/>
-              <a:lumOff val="25000"/>
-            </a:schemeClr>
-          </a:solidFill>
-          <a:ln>
-            <a:noFill/>
-          </a:ln>
-        </p:spPr>
-        <p:style>
-          <a:lnRef idx="0">
-            <a:scrgbClr r="0" g="0" b="0"/>
-          </a:lnRef>
-          <a:fillRef idx="0">
-            <a:scrgbClr r="0" g="0" b="0"/>
-          </a:fillRef>
-          <a:effectRef idx="0">
-            <a:scrgbClr r="0" g="0" b="0"/>
-          </a:effectRef>
-          <a:fontRef idx="minor">
-            <a:schemeClr val="lt1"/>
-          </a:fontRef>
-        </p:style>
-        <p:txBody>
-          <a:bodyPr rtlCol="0" anchor="ctr"/>
-          <a:lstStyle/>
-          <a:p>
-            <a:pPr marL="0" marR="0" lvl="0" indent="0" algn="ctr" defTabSz="457200" rtl="0" eaLnBrk="1" fontAlgn="base" latinLnBrk="0" hangingPunct="1">
-              <a:lnSpc>
-                <a:spcPct val="100000"/>
-              </a:lnSpc>
-              <a:spcBef>
-                <a:spcPct val="0"/>
-              </a:spcBef>
-              <a:spcAft>
-                <a:spcPct val="0"/>
-              </a:spcAft>
-              <a:buClrTx/>
-              <a:buSzTx/>
-              <a:buFontTx/>
-              <a:buNone/>
-              <a:tabLst/>
-              <a:defRPr/>
-            </a:pPr>
-            <a:endParaRPr kumimoji="0" lang="en-US" sz="2400" b="0" i="0" u="none" strike="noStrike" kern="1200" cap="none" spc="0" normalizeH="0" baseline="0" noProof="0">
-              <a:ln>
-                <a:noFill/>
-              </a:ln>
-              <a:solidFill>
-                <a:prstClr val="white"/>
-              </a:solidFill>
-              <a:effectLst/>
-              <a:uLnTx/>
-              <a:uFillTx/>
-              <a:latin typeface="Calibri"/>
-              <a:ea typeface="+mn-ea"/>
-              <a:cs typeface="+mn-cs"/>
-            </a:endParaRPr>
-          </a:p>
-        </p:txBody>
-      </p:sp>
-      <p:sp>
-        <p:nvSpPr>
-          <p:cNvPr id="2" name="Title 1"/>
-          <p:cNvSpPr>
-            <a:spLocks noGrp="1"/>
-          </p:cNvSpPr>
-          <p:nvPr>
-            <p:ph type="title"/>
-          </p:nvPr>
-        </p:nvSpPr>
-        <p:spPr>
-          <a:xfrm>
-            <a:off x="482600" y="643467"/>
-            <a:ext cx="2522980" cy="1597315"/>
-          </a:xfrm>
-          <a:noFill/>
-          <a:ln w="19050">
-            <a:solidFill>
-              <a:schemeClr val="bg1"/>
-            </a:solidFill>
-          </a:ln>
-        </p:spPr>
-        <p:txBody>
-          <a:bodyPr vert="horz" wrap="square" lIns="91440" tIns="45720" rIns="91440" bIns="45720" rtlCol="0" anchor="ctr">
-            <a:normAutofit/>
-          </a:bodyPr>
-          <a:lstStyle/>
-          <a:p>
-            <a:pPr defTabSz="914400" eaLnBrk="1" hangingPunct="1">
-              <a:lnSpc>
-                <a:spcPct val="90000"/>
-              </a:lnSpc>
-            </a:pPr>
-            <a:r>
-              <a:rPr lang="en-US" sz="2400" dirty="0">
-                <a:solidFill>
-                  <a:schemeClr val="bg1"/>
-                </a:solidFill>
-              </a:rPr>
-              <a:t>Part 3: SRS</a:t>
-            </a:r>
-            <a:endParaRPr lang="en-US" sz="2400" kern="1200" dirty="0">
-              <a:solidFill>
-                <a:schemeClr val="bg1"/>
-              </a:solidFill>
-              <a:latin typeface="+mj-lt"/>
-              <a:ea typeface="+mj-ea"/>
-              <a:cs typeface="+mj-cs"/>
-            </a:endParaRPr>
-          </a:p>
-        </p:txBody>
-      </p:sp>
-      <p:pic>
-        <p:nvPicPr>
-          <p:cNvPr id="8" name="Picture 7">
-            <a:extLst>
-              <a:ext uri="{FF2B5EF4-FFF2-40B4-BE49-F238E27FC236}">
-                <a16:creationId xmlns:a16="http://schemas.microsoft.com/office/drawing/2014/main" id="{521D4292-9ECC-4DA5-8CC0-C561A0DA118E}"/>
-              </a:ext>
-            </a:extLst>
-          </p:cNvPr>
-          <p:cNvPicPr>
-            <a:picLocks noChangeAspect="1"/>
-          </p:cNvPicPr>
-          <p:nvPr/>
-        </p:nvPicPr>
-        <p:blipFill rotWithShape="1">
-          <a:blip r:embed="rId3"/>
-          <a:srcRect l="8000" r="9400"/>
-          <a:stretch/>
-        </p:blipFill>
-        <p:spPr>
-          <a:xfrm>
-            <a:off x="660103" y="3048000"/>
-            <a:ext cx="2167974" cy="2624666"/>
-          </a:xfrm>
-          <a:prstGeom prst="rect">
-            <a:avLst/>
-          </a:prstGeom>
-          <a:noFill/>
-        </p:spPr>
-      </p:pic>
-      <p:sp>
-        <p:nvSpPr>
-          <p:cNvPr id="6" name="TextBox 5">
-            <a:extLst>
-              <a:ext uri="{FF2B5EF4-FFF2-40B4-BE49-F238E27FC236}">
-                <a16:creationId xmlns:a16="http://schemas.microsoft.com/office/drawing/2014/main" id="{FC3DAEC3-3D5E-498E-BFE9-14205272B253}"/>
-              </a:ext>
-            </a:extLst>
-          </p:cNvPr>
-          <p:cNvSpPr txBox="1"/>
-          <p:nvPr/>
-        </p:nvSpPr>
-        <p:spPr>
-          <a:xfrm>
-            <a:off x="3781236" y="615207"/>
-            <a:ext cx="5286564" cy="3785652"/>
-          </a:xfrm>
-          <a:prstGeom prst="rect">
-            <a:avLst/>
-          </a:prstGeom>
-          <a:noFill/>
-        </p:spPr>
-        <p:txBody>
-          <a:bodyPr wrap="square" rtlCol="0">
-            <a:spAutoFit/>
-          </a:bodyPr>
-          <a:lstStyle/>
-          <a:p>
-            <a:pPr marL="342900" indent="-342900">
-              <a:buFont typeface="Arial" panose="020B0604020202020204" pitchFamily="34" charset="0"/>
-              <a:buChar char="•"/>
-              <a:defRPr/>
-            </a:pPr>
-            <a:r>
-              <a:rPr lang="en-US" dirty="0">
-                <a:solidFill>
-                  <a:srgbClr val="404040"/>
-                </a:solidFill>
-              </a:rPr>
-              <a:t>Sampling From Finite Set of Possible Outcomes</a:t>
-            </a:r>
-          </a:p>
-          <a:p>
-            <a:pPr marL="342900" indent="-342900">
-              <a:buFont typeface="Arial" panose="020B0604020202020204" pitchFamily="34" charset="0"/>
-              <a:buChar char="•"/>
-              <a:defRPr/>
-            </a:pPr>
-            <a:endParaRPr lang="en-US" dirty="0">
-              <a:solidFill>
-                <a:srgbClr val="404040"/>
-              </a:solidFill>
-            </a:endParaRPr>
-          </a:p>
-          <a:p>
-            <a:pPr marL="342900" indent="-342900">
-              <a:buFont typeface="Arial" panose="020B0604020202020204" pitchFamily="34" charset="0"/>
-              <a:buChar char="•"/>
-              <a:defRPr/>
-            </a:pPr>
-            <a:r>
-              <a:rPr lang="en-US" dirty="0">
-                <a:solidFill>
-                  <a:srgbClr val="404040"/>
-                </a:solidFill>
-              </a:rPr>
-              <a:t>Run Chunk 2</a:t>
-            </a:r>
-          </a:p>
-          <a:p>
-            <a:pPr marL="800100" lvl="1" indent="-342900">
-              <a:buFont typeface="Arial" panose="020B0604020202020204" pitchFamily="34" charset="0"/>
-              <a:buChar char="•"/>
-              <a:defRPr/>
-            </a:pPr>
-            <a:r>
-              <a:rPr lang="en-US" dirty="0">
-                <a:solidFill>
-                  <a:srgbClr val="404040"/>
-                </a:solidFill>
-              </a:rPr>
-              <a:t>Scenario: Flip k Coins</a:t>
-            </a:r>
-          </a:p>
-          <a:p>
-            <a:pPr marL="1257300" lvl="2" indent="-342900">
-              <a:buFont typeface="Arial" panose="020B0604020202020204" pitchFamily="34" charset="0"/>
-              <a:buChar char="•"/>
-              <a:defRPr/>
-            </a:pPr>
-            <a:r>
-              <a:rPr lang="en-US" dirty="0">
-                <a:solidFill>
-                  <a:srgbClr val="404040"/>
-                </a:solidFill>
-              </a:rPr>
-              <a:t>P(Heads) = BLANK </a:t>
-            </a:r>
-          </a:p>
-          <a:p>
-            <a:pPr marL="1257300" lvl="2" indent="-342900">
-              <a:buFont typeface="Arial" panose="020B0604020202020204" pitchFamily="34" charset="0"/>
-              <a:buChar char="•"/>
-              <a:defRPr/>
-            </a:pPr>
-            <a:r>
-              <a:rPr lang="en-US" dirty="0">
-                <a:solidFill>
-                  <a:srgbClr val="404040"/>
-                </a:solidFill>
-              </a:rPr>
-              <a:t>P(Tails) = 1-BLANK</a:t>
-            </a:r>
-          </a:p>
-          <a:p>
-            <a:pPr marL="800100" lvl="1" indent="-342900">
-              <a:buFont typeface="Arial" panose="020B0604020202020204" pitchFamily="34" charset="0"/>
-              <a:buChar char="•"/>
-              <a:defRPr/>
-            </a:pPr>
-            <a:r>
-              <a:rPr lang="en-US" dirty="0">
-                <a:solidFill>
-                  <a:srgbClr val="404040"/>
-                </a:solidFill>
-              </a:rPr>
-              <a:t>How would You Explain What the Figure is Showing to a Politician?</a:t>
-            </a:r>
-          </a:p>
-        </p:txBody>
-      </p:sp>
-    </p:spTree>
-    <p:custDataLst>
-      <p:tags r:id="rId1"/>
-    </p:custDataLst>
-    <p:extLst>
-      <p:ext uri="{BB962C8B-B14F-4D97-AF65-F5344CB8AC3E}">
-        <p14:creationId xmlns:p14="http://schemas.microsoft.com/office/powerpoint/2010/main" val="2729401136"/>
-      </p:ext>
-    </p:extLst>
-  </p:cSld>
-  <p:clrMapOvr>
-    <a:masterClrMapping/>
-  </p:clrMapOvr>
-</p:sld>
-</file>
-
-<file path=ppt/slides/slide17.xml><?xml version="1.0" encoding="utf-8"?>
-<p:sld xmlns:a="http://schemas.openxmlformats.org/drawingml/2006/main" xmlns:r="http://schemas.openxmlformats.org/officeDocument/2006/relationships" xmlns:p="http://schemas.openxmlformats.org/presentationml/2006/main">
-  <p:cSld>
-    <p:bg>
-      <p:bgPr>
-        <a:solidFill>
-          <a:schemeClr val="bg1">
-            <a:lumMod val="85000"/>
-          </a:schemeClr>
-        </a:solidFill>
-        <a:effectLst/>
-      </p:bgPr>
-    </p:bg>
-    <p:spTree>
-      <p:nvGrpSpPr>
-        <p:cNvPr id="1" name=""/>
-        <p:cNvGrpSpPr/>
-        <p:nvPr/>
-      </p:nvGrpSpPr>
-      <p:grpSpPr>
-        <a:xfrm>
-          <a:off x="0" y="0"/>
-          <a:ext cx="0" cy="0"/>
-          <a:chOff x="0" y="0"/>
-          <a:chExt cx="0" cy="0"/>
-        </a:xfrm>
-      </p:grpSpPr>
-      <p:sp>
-        <p:nvSpPr>
-          <p:cNvPr id="15" name="Rectangle 12">
-            <a:extLst>
-              <a:ext uri="{FF2B5EF4-FFF2-40B4-BE49-F238E27FC236}">
-                <a16:creationId xmlns:a16="http://schemas.microsoft.com/office/drawing/2014/main" id="{867D4867-5BA7-4462-B2F6-A23F4A622AA7}"/>
-              </a:ext>
-              <a:ext uri="{C183D7F6-B498-43B3-948B-1728B52AA6E4}">
-                <adec:decorative xmlns:adec="http://schemas.microsoft.com/office/drawing/2017/decorative" val="1"/>
-              </a:ext>
-            </a:extLst>
-          </p:cNvPr>
-          <p:cNvSpPr>
-            <a:spLocks noGrp="1" noRot="1" noChangeAspect="1" noMove="1" noResize="1" noEditPoints="1" noAdjustHandles="1" noChangeArrowheads="1" noChangeShapeType="1" noTextEdit="1"/>
-          </p:cNvSpPr>
-          <p:nvPr>
-            <p:extLst>
-              <p:ext uri="{386F3935-93C4-4BCD-93E2-E3B085C9AB24}">
-                <p16:designElem xmlns:p16="http://schemas.microsoft.com/office/powerpoint/2015/main" val="1"/>
-              </p:ext>
-            </p:extLst>
-          </p:nvPr>
-        </p:nvSpPr>
-        <p:spPr>
-          <a:xfrm>
-            <a:off x="0" y="0"/>
-            <a:ext cx="3490722" cy="6858000"/>
-          </a:xfrm>
-          <a:prstGeom prst="rect">
-            <a:avLst/>
-          </a:prstGeom>
-          <a:solidFill>
-            <a:schemeClr val="tx1">
-              <a:lumMod val="75000"/>
-              <a:lumOff val="25000"/>
-            </a:schemeClr>
-          </a:solidFill>
-          <a:ln>
-            <a:noFill/>
-          </a:ln>
-        </p:spPr>
-        <p:style>
-          <a:lnRef idx="0">
-            <a:scrgbClr r="0" g="0" b="0"/>
-          </a:lnRef>
-          <a:fillRef idx="0">
-            <a:scrgbClr r="0" g="0" b="0"/>
-          </a:fillRef>
-          <a:effectRef idx="0">
-            <a:scrgbClr r="0" g="0" b="0"/>
-          </a:effectRef>
-          <a:fontRef idx="minor">
-            <a:schemeClr val="lt1"/>
-          </a:fontRef>
-        </p:style>
-        <p:txBody>
-          <a:bodyPr rtlCol="0" anchor="ctr"/>
-          <a:lstStyle/>
-          <a:p>
             <a:pPr algn="ctr"/>
             <a:endParaRPr lang="en-US"/>
           </a:p>
@@ -16521,42 +14195,6 @@
 </file>
 
 <file path=ppt/tags/tag12.xml><?xml version="1.0" encoding="utf-8"?>
-<p:tagLst xmlns:a="http://schemas.openxmlformats.org/drawingml/2006/main" xmlns:r="http://schemas.openxmlformats.org/officeDocument/2006/relationships" xmlns:p="http://schemas.openxmlformats.org/presentationml/2006/main">
-  <p:tag name="DELIMITERS" val="3.1"/>
-</p:tagLst>
-</file>
-
-<file path=ppt/tags/tag13.xml><?xml version="1.0" encoding="utf-8"?>
-<p:tagLst xmlns:a="http://schemas.openxmlformats.org/drawingml/2006/main" xmlns:r="http://schemas.openxmlformats.org/officeDocument/2006/relationships" xmlns:p="http://schemas.openxmlformats.org/presentationml/2006/main">
-  <p:tag name="DELIMITERS" val="3.1"/>
-</p:tagLst>
-</file>
-
-<file path=ppt/tags/tag14.xml><?xml version="1.0" encoding="utf-8"?>
-<p:tagLst xmlns:a="http://schemas.openxmlformats.org/drawingml/2006/main" xmlns:r="http://schemas.openxmlformats.org/officeDocument/2006/relationships" xmlns:p="http://schemas.openxmlformats.org/presentationml/2006/main">
-  <p:tag name="DELIMITERS" val="3.1"/>
-</p:tagLst>
-</file>
-
-<file path=ppt/tags/tag15.xml><?xml version="1.0" encoding="utf-8"?>
-<p:tagLst xmlns:a="http://schemas.openxmlformats.org/drawingml/2006/main" xmlns:r="http://schemas.openxmlformats.org/officeDocument/2006/relationships" xmlns:p="http://schemas.openxmlformats.org/presentationml/2006/main">
-  <p:tag name="DELIMITERS" val="3.1"/>
-</p:tagLst>
-</file>
-
-<file path=ppt/tags/tag16.xml><?xml version="1.0" encoding="utf-8"?>
-<p:tagLst xmlns:a="http://schemas.openxmlformats.org/drawingml/2006/main" xmlns:r="http://schemas.openxmlformats.org/officeDocument/2006/relationships" xmlns:p="http://schemas.openxmlformats.org/presentationml/2006/main">
-  <p:tag name="DELIMITERS" val="3.1"/>
-</p:tagLst>
-</file>
-
-<file path=ppt/tags/tag17.xml><?xml version="1.0" encoding="utf-8"?>
-<p:tagLst xmlns:a="http://schemas.openxmlformats.org/drawingml/2006/main" xmlns:r="http://schemas.openxmlformats.org/officeDocument/2006/relationships" xmlns:p="http://schemas.openxmlformats.org/presentationml/2006/main">
-  <p:tag name="DELIMITERS" val="3.1"/>
-</p:tagLst>
-</file>
-
-<file path=ppt/tags/tag18.xml><?xml version="1.0" encoding="utf-8"?>
 <p:tagLst xmlns:a="http://schemas.openxmlformats.org/drawingml/2006/main" xmlns:r="http://schemas.openxmlformats.org/officeDocument/2006/relationships" xmlns:p="http://schemas.openxmlformats.org/presentationml/2006/main">
   <p:tag name="DELIMITERS" val="3.1"/>
 </p:tagLst>

--- a/Lecture/Lecture 18/Lecture 18.pptx
+++ b/Lecture/Lecture 18/Lecture 18.pptx
@@ -298,7 +298,7 @@
               <a:pPr>
                 <a:defRPr/>
               </a:pPr>
-              <a:t>10/10/2018</a:t>
+              <a:t>2/19/2019</a:t>
             </a:fld>
             <a:endParaRPr lang="en-US" dirty="0"/>
           </a:p>
@@ -510,7 +510,7 @@
               <a:pPr>
                 <a:defRPr/>
               </a:pPr>
-              <a:t>10/10/2018</a:t>
+              <a:t>2/19/2019</a:t>
             </a:fld>
             <a:endParaRPr lang="en-US" dirty="0"/>
           </a:p>
@@ -1029,7 +1029,7 @@
               <a:pPr>
                 <a:defRPr/>
               </a:pPr>
-              <a:t>10/10/2018</a:t>
+              <a:t>2/19/2019</a:t>
             </a:fld>
             <a:endParaRPr lang="en-US" dirty="0"/>
           </a:p>
@@ -1219,7 +1219,7 @@
               <a:pPr>
                 <a:defRPr/>
               </a:pPr>
-              <a:t>10/10/2018</a:t>
+              <a:t>2/19/2019</a:t>
             </a:fld>
             <a:endParaRPr lang="en-US" dirty="0"/>
           </a:p>
@@ -1419,7 +1419,7 @@
               <a:pPr>
                 <a:defRPr/>
               </a:pPr>
-              <a:t>10/10/2018</a:t>
+              <a:t>2/19/2019</a:t>
             </a:fld>
             <a:endParaRPr lang="en-US" dirty="0"/>
           </a:p>
@@ -1687,7 +1687,7 @@
               <a:pPr>
                 <a:defRPr/>
               </a:pPr>
-              <a:t>10/10/2018</a:t>
+              <a:t>2/19/2019</a:t>
             </a:fld>
             <a:endParaRPr lang="en-US" dirty="0">
               <a:solidFill>
@@ -1901,7 +1901,7 @@
               <a:pPr>
                 <a:defRPr/>
               </a:pPr>
-              <a:t>10/10/2018</a:t>
+              <a:t>2/19/2019</a:t>
             </a:fld>
             <a:endParaRPr lang="en-US" dirty="0">
               <a:solidFill>
@@ -2192,7 +2192,7 @@
               <a:pPr>
                 <a:defRPr/>
               </a:pPr>
-              <a:t>10/10/2018</a:t>
+              <a:t>2/19/2019</a:t>
             </a:fld>
             <a:endParaRPr lang="en-US" dirty="0">
               <a:solidFill>
@@ -2523,7 +2523,7 @@
               <a:pPr>
                 <a:defRPr/>
               </a:pPr>
-              <a:t>10/10/2018</a:t>
+              <a:t>2/19/2019</a:t>
             </a:fld>
             <a:endParaRPr lang="en-US" dirty="0">
               <a:solidFill>
@@ -2988,7 +2988,7 @@
               <a:pPr>
                 <a:defRPr/>
               </a:pPr>
-              <a:t>10/10/2018</a:t>
+              <a:t>2/19/2019</a:t>
             </a:fld>
             <a:endParaRPr lang="en-US" dirty="0">
               <a:solidFill>
@@ -3151,7 +3151,7 @@
               <a:pPr>
                 <a:defRPr/>
               </a:pPr>
-              <a:t>10/10/2018</a:t>
+              <a:t>2/19/2019</a:t>
             </a:fld>
             <a:endParaRPr lang="en-US" dirty="0">
               <a:solidFill>
@@ -3292,7 +3292,7 @@
               <a:pPr>
                 <a:defRPr/>
               </a:pPr>
-              <a:t>10/10/2018</a:t>
+              <a:t>2/19/2019</a:t>
             </a:fld>
             <a:endParaRPr lang="en-US" dirty="0">
               <a:solidFill>
@@ -3613,7 +3613,7 @@
               <a:pPr>
                 <a:defRPr/>
               </a:pPr>
-              <a:t>10/10/2018</a:t>
+              <a:t>2/19/2019</a:t>
             </a:fld>
             <a:endParaRPr lang="en-US" dirty="0">
               <a:solidFill>
@@ -3821,7 +3821,7 @@
               <a:pPr>
                 <a:defRPr/>
               </a:pPr>
-              <a:t>10/10/2018</a:t>
+              <a:t>2/19/2019</a:t>
             </a:fld>
             <a:endParaRPr lang="en-US" dirty="0"/>
           </a:p>
@@ -4104,7 +4104,7 @@
               <a:pPr>
                 <a:defRPr/>
               </a:pPr>
-              <a:t>10/10/2018</a:t>
+              <a:t>2/19/2019</a:t>
             </a:fld>
             <a:endParaRPr lang="en-US" dirty="0">
               <a:solidFill>
@@ -4318,7 +4318,7 @@
               <a:pPr>
                 <a:defRPr/>
               </a:pPr>
-              <a:t>10/10/2018</a:t>
+              <a:t>2/19/2019</a:t>
             </a:fld>
             <a:endParaRPr lang="en-US" dirty="0">
               <a:solidFill>
@@ -4542,7 +4542,7 @@
               <a:pPr>
                 <a:defRPr/>
               </a:pPr>
-              <a:t>10/10/2018</a:t>
+              <a:t>2/19/2019</a:t>
             </a:fld>
             <a:endParaRPr lang="en-US" dirty="0">
               <a:solidFill>
@@ -4752,7 +4752,7 @@
               <a:pPr>
                 <a:defRPr/>
               </a:pPr>
-              <a:t>10/10/2018</a:t>
+              <a:t>2/19/2019</a:t>
             </a:fld>
             <a:endParaRPr lang="en-US" dirty="0">
               <a:solidFill>
@@ -5029,7 +5029,7 @@
               <a:pPr>
                 <a:defRPr/>
               </a:pPr>
-              <a:t>10/10/2018</a:t>
+              <a:t>2/19/2019</a:t>
             </a:fld>
             <a:endParaRPr lang="en-US" dirty="0"/>
           </a:p>
@@ -5336,7 +5336,7 @@
               <a:pPr>
                 <a:defRPr/>
               </a:pPr>
-              <a:t>10/10/2018</a:t>
+              <a:t>2/19/2019</a:t>
             </a:fld>
             <a:endParaRPr lang="en-US" dirty="0"/>
           </a:p>
@@ -5777,7 +5777,7 @@
               <a:pPr>
                 <a:defRPr/>
               </a:pPr>
-              <a:t>10/10/2018</a:t>
+              <a:t>2/19/2019</a:t>
             </a:fld>
             <a:endParaRPr lang="en-US" dirty="0"/>
           </a:p>
@@ -5916,7 +5916,7 @@
               <a:pPr>
                 <a:defRPr/>
               </a:pPr>
-              <a:t>10/10/2018</a:t>
+              <a:t>2/19/2019</a:t>
             </a:fld>
             <a:endParaRPr lang="en-US" dirty="0"/>
           </a:p>
@@ -6033,7 +6033,7 @@
               <a:pPr>
                 <a:defRPr/>
               </a:pPr>
-              <a:t>10/10/2018</a:t>
+              <a:t>2/19/2019</a:t>
             </a:fld>
             <a:endParaRPr lang="en-US" dirty="0"/>
           </a:p>
@@ -6330,7 +6330,7 @@
               <a:pPr>
                 <a:defRPr/>
               </a:pPr>
-              <a:t>10/10/2018</a:t>
+              <a:t>2/19/2019</a:t>
             </a:fld>
             <a:endParaRPr lang="en-US" dirty="0"/>
           </a:p>
@@ -6607,7 +6607,7 @@
               <a:pPr>
                 <a:defRPr/>
               </a:pPr>
-              <a:t>10/10/2018</a:t>
+              <a:t>2/19/2019</a:t>
             </a:fld>
             <a:endParaRPr lang="en-US" dirty="0"/>
           </a:p>
@@ -6864,7 +6864,7 @@
               <a:pPr>
                 <a:defRPr/>
               </a:pPr>
-              <a:t>10/10/2018</a:t>
+              <a:t>2/19/2019</a:t>
             </a:fld>
             <a:endParaRPr lang="en-US" dirty="0"/>
           </a:p>
@@ -7574,7 +7574,7 @@
               <a:pPr>
                 <a:defRPr/>
               </a:pPr>
-              <a:t>10/10/2018</a:t>
+              <a:t>2/19/2019</a:t>
             </a:fld>
             <a:endParaRPr lang="en-US" dirty="0">
               <a:solidFill>
@@ -8863,13 +8863,18 @@
               <a:t>Stranged</a:t>
             </a:r>
             <a:r>
-              <a:rPr lang="en-US" dirty="0">
+              <a:rPr lang="en-US">
                 <a:solidFill>
                   <a:srgbClr val="404040"/>
                 </a:solidFill>
               </a:rPr>
-              <a:t> Brother ?</a:t>
-            </a:r>
+              <a:t> Brother?</a:t>
+            </a:r>
+            <a:endParaRPr lang="en-US" dirty="0">
+              <a:solidFill>
+                <a:srgbClr val="404040"/>
+              </a:solidFill>
+            </a:endParaRPr>
           </a:p>
         </p:txBody>
       </p:sp>
@@ -9824,7 +9829,7 @@
         <p:spPr>
           <a:xfrm>
             <a:off x="3810000" y="533400"/>
-            <a:ext cx="5105400" cy="8433078"/>
+            <a:ext cx="5105400" cy="7694414"/>
           </a:xfrm>
           <a:prstGeom prst="rect">
             <a:avLst/>
@@ -9864,28 +9869,6 @@
             </a:r>
           </a:p>
           <a:p>
-            <a:pPr marR="0" lvl="0" algn="l" defTabSz="457200" rtl="0" eaLnBrk="1" fontAlgn="base" latinLnBrk="0" hangingPunct="1">
-              <a:lnSpc>
-                <a:spcPct val="100000"/>
-              </a:lnSpc>
-              <a:spcBef>
-                <a:spcPct val="0"/>
-              </a:spcBef>
-              <a:spcAft>
-                <a:spcPct val="0"/>
-              </a:spcAft>
-              <a:buClrTx/>
-              <a:buSzTx/>
-              <a:tabLst/>
-              <a:defRPr/>
-            </a:pPr>
-            <a:endParaRPr lang="en-US" dirty="0">
-              <a:solidFill>
-                <a:srgbClr val="404040"/>
-              </a:solidFill>
-            </a:endParaRPr>
-          </a:p>
-          <a:p>
             <a:pPr marL="800100" lvl="1" indent="-342900">
               <a:buFont typeface="Arial" panose="020B0604020202020204" pitchFamily="34" charset="0"/>
               <a:buChar char="•"/>
@@ -10014,18 +9997,6 @@
               </a:rPr>
               <a:t>Programming Steps</a:t>
             </a:r>
-          </a:p>
-          <a:p>
-            <a:pPr marL="800100" lvl="1" indent="-342900">
-              <a:buFont typeface="Arial" panose="020B0604020202020204" pitchFamily="34" charset="0"/>
-              <a:buChar char="•"/>
-              <a:defRPr/>
-            </a:pPr>
-            <a:endParaRPr lang="en-US" dirty="0">
-              <a:solidFill>
-                <a:srgbClr val="404040"/>
-              </a:solidFill>
-            </a:endParaRPr>
           </a:p>
           <a:p>
             <a:pPr marL="800100" lvl="1" indent="-342900">
